--- a/Introduction/ds_intro_slides.pptx
+++ b/Introduction/ds_intro_slides.pptx
@@ -29,7 +29,6 @@
     <p:sldId id="274" r:id="rId26"/>
     <p:sldId id="275" r:id="rId27"/>
     <p:sldId id="276" r:id="rId28"/>
-    <p:sldId id="277" r:id="rId29"/>
   </p:sldIdLst>
   <p:sldSz cx="13004800" cy="9753600"/>
   <p:notesSz cx="6858000" cy="9144000"/>
@@ -569,7 +568,7 @@
           <a:p>
             <a:pPr/>
             <a:r>
-              <a:t>Hello and welcome to this new series on Data Structures where I will be covering a host of data structures, in particular how to construct them, how they work what are they useful for and so on. Each data structure will be accompanied with some working source code, because often there are these really neat data structures you want to use and learn about but it’s impossible to get your hands on a working copy, or at least a decently fast implementation so i’m here to fill in that hole.</a:t>
+              <a:t>Hello and welcome to this new series on Data Structures. In these first few videos I want to lay the foundation of some core concepts you will need throughout these video tutorials. Let’s get started with the basics.</a:t>
             </a:r>
           </a:p>
         </p:txBody>
@@ -601,7 +600,7 @@
       </p:grpSpPr>
       <p:sp>
         <p:nvSpPr>
-          <p:cNvPr id="169" name="Shape 169"/>
+          <p:cNvPr id="166" name="Shape 166"/>
           <p:cNvSpPr/>
           <p:nvPr>
             <p:ph type="sldImg"/>
@@ -622,7 +621,7 @@
       </p:sp>
       <p:sp>
         <p:nvSpPr>
-          <p:cNvPr id="170" name="Shape 170"/>
+          <p:cNvPr id="167" name="Shape 167"/>
           <p:cNvSpPr/>
           <p:nvPr>
             <p:ph type="body" sz="quarter" idx="1"/>
@@ -689,7 +688,7 @@
       </p:grpSpPr>
       <p:sp>
         <p:nvSpPr>
-          <p:cNvPr id="175" name="Shape 175"/>
+          <p:cNvPr id="172" name="Shape 172"/>
           <p:cNvSpPr/>
           <p:nvPr>
             <p:ph type="sldImg"/>
@@ -710,7 +709,7 @@
       </p:sp>
       <p:sp>
         <p:nvSpPr>
-          <p:cNvPr id="176" name="Shape 176"/>
+          <p:cNvPr id="173" name="Shape 173"/>
           <p:cNvSpPr/>
           <p:nvPr>
             <p:ph type="body" sz="quarter" idx="1"/>
@@ -759,7 +758,7 @@
       </p:grpSpPr>
       <p:sp>
         <p:nvSpPr>
-          <p:cNvPr id="183" name="Shape 183"/>
+          <p:cNvPr id="180" name="Shape 180"/>
           <p:cNvSpPr/>
           <p:nvPr>
             <p:ph type="sldImg"/>
@@ -780,7 +779,7 @@
       </p:sp>
       <p:sp>
         <p:nvSpPr>
-          <p:cNvPr id="184" name="Shape 184"/>
+          <p:cNvPr id="181" name="Shape 181"/>
           <p:cNvSpPr/>
           <p:nvPr>
             <p:ph type="body" sz="quarter" idx="1"/>
@@ -847,7 +846,7 @@
       </p:grpSpPr>
       <p:sp>
         <p:nvSpPr>
-          <p:cNvPr id="190" name="Shape 190"/>
+          <p:cNvPr id="187" name="Shape 187"/>
           <p:cNvSpPr/>
           <p:nvPr>
             <p:ph type="sldImg"/>
@@ -868,7 +867,7 @@
       </p:sp>
       <p:sp>
         <p:nvSpPr>
-          <p:cNvPr id="191" name="Shape 191"/>
+          <p:cNvPr id="188" name="Shape 188"/>
           <p:cNvSpPr/>
           <p:nvPr>
             <p:ph type="body" sz="quarter" idx="1"/>
@@ -917,7 +916,7 @@
       </p:grpSpPr>
       <p:sp>
         <p:nvSpPr>
-          <p:cNvPr id="199" name="Shape 199"/>
+          <p:cNvPr id="196" name="Shape 196"/>
           <p:cNvSpPr/>
           <p:nvPr>
             <p:ph type="sldImg"/>
@@ -938,7 +937,7 @@
       </p:sp>
       <p:sp>
         <p:nvSpPr>
-          <p:cNvPr id="200" name="Shape 200"/>
+          <p:cNvPr id="197" name="Shape 197"/>
           <p:cNvSpPr/>
           <p:nvPr>
             <p:ph type="body" sz="quarter" idx="1"/>
@@ -987,7 +986,7 @@
       </p:grpSpPr>
       <p:sp>
         <p:nvSpPr>
-          <p:cNvPr id="220" name="Shape 220"/>
+          <p:cNvPr id="217" name="Shape 217"/>
           <p:cNvSpPr/>
           <p:nvPr>
             <p:ph type="sldImg"/>
@@ -1008,7 +1007,7 @@
       </p:sp>
       <p:sp>
         <p:nvSpPr>
-          <p:cNvPr id="221" name="Shape 221"/>
+          <p:cNvPr id="218" name="Shape 218"/>
           <p:cNvSpPr/>
           <p:nvPr>
             <p:ph type="body" sz="quarter" idx="1"/>
@@ -1075,7 +1074,7 @@
       </p:grpSpPr>
       <p:sp>
         <p:nvSpPr>
-          <p:cNvPr id="226" name="Shape 226"/>
+          <p:cNvPr id="223" name="Shape 223"/>
           <p:cNvSpPr/>
           <p:nvPr>
             <p:ph type="sldImg"/>
@@ -1096,7 +1095,7 @@
       </p:sp>
       <p:sp>
         <p:nvSpPr>
-          <p:cNvPr id="227" name="Shape 227"/>
+          <p:cNvPr id="224" name="Shape 224"/>
           <p:cNvSpPr/>
           <p:nvPr>
             <p:ph type="body" sz="quarter" idx="1"/>
@@ -1145,7 +1144,7 @@
       </p:grpSpPr>
       <p:sp>
         <p:nvSpPr>
-          <p:cNvPr id="232" name="Shape 232"/>
+          <p:cNvPr id="229" name="Shape 229"/>
           <p:cNvSpPr/>
           <p:nvPr>
             <p:ph type="sldImg"/>
@@ -1166,7 +1165,7 @@
       </p:sp>
       <p:sp>
         <p:nvSpPr>
-          <p:cNvPr id="233" name="Shape 233"/>
+          <p:cNvPr id="230" name="Shape 230"/>
           <p:cNvSpPr/>
           <p:nvPr>
             <p:ph type="body" sz="quarter" idx="1"/>
@@ -1253,16 +1252,25 @@
           <a:p>
             <a:pPr/>
             <a:r>
-              <a:t>Before we can even begin talking about certain types of DSs we need to understand some fundamental basics about what a DS is, as well as some terminology surrounding DSs. Most important of all will be the understanding of time complexity and the distinction between an ADT and the DS itself.</a:t>
-            </a:r>
-          </a:p>
-          <a:p>
-            <a:pPr/>
-          </a:p>
-          <a:p>
-            <a:pPr/>
-            <a:r>
-              <a:t>In this video we will be talking about What is an ADT and in the next video we dive into Big O complexity. </a:t>
+              <a:t>Let us begin by answering the question: What is a DS? One definition I like is that …</a:t>
+            </a:r>
+          </a:p>
+          <a:p>
+            <a:pPr/>
+          </a:p>
+          <a:p>
+            <a:pPr/>
+            <a:r>
+              <a:t>Read on slide</a:t>
+            </a:r>
+          </a:p>
+          <a:p>
+            <a:pPr/>
+          </a:p>
+          <a:p>
+            <a:pPr/>
+            <a:r>
+              <a:t>This is all a data structure really is, it is a way of organizing data, in some fashion so that later on it can be accessed, queried, updated and so on in an effective manner.</a:t>
             </a:r>
           </a:p>
         </p:txBody>
@@ -1294,7 +1302,7 @@
       </p:grpSpPr>
       <p:sp>
         <p:nvSpPr>
-          <p:cNvPr id="133" name="Shape 133"/>
+          <p:cNvPr id="131" name="Shape 131"/>
           <p:cNvSpPr/>
           <p:nvPr>
             <p:ph type="sldImg"/>
@@ -1315,7 +1323,7 @@
       </p:sp>
       <p:sp>
         <p:nvSpPr>
-          <p:cNvPr id="134" name="Shape 134"/>
+          <p:cNvPr id="132" name="Shape 132"/>
           <p:cNvSpPr/>
           <p:nvPr>
             <p:ph type="body" sz="quarter" idx="1"/>
@@ -1332,26 +1340,29 @@
           <a:p>
             <a:pPr/>
             <a:r>
-              <a:t>Let us begin by answering the question: What is a DS? One definition I like that I found on Wiki sums it up really well:</a:t>
-            </a:r>
-          </a:p>
-          <a:p>
-            <a:pPr/>
-          </a:p>
-          <a:p>
-            <a:pPr/>
-            <a:r>
-              <a:t>Read on slide</a:t>
-            </a:r>
-          </a:p>
-          <a:p>
-            <a:pPr/>
-          </a:p>
-          <a:p>
-            <a:pPr/>
-            <a:r>
-              <a:t>This is all a data structure really is, it is a way of organizing data in some fashion so that later on it can be accessed, queried, updated and so on in an was effective manner.</a:t>
-            </a:r>
+              <a:t>We now know what a DS is, but why do you care? Why do you want to be familiar with and utilize these entities </a:t>
+            </a:r>
+          </a:p>
+          <a:p>
+            <a:pPr/>
+          </a:p>
+          <a:p>
+            <a:pPr/>
+            <a:r>
+              <a:t>Read Slide</a:t>
+            </a:r>
+          </a:p>
+          <a:p>
+            <a:pPr/>
+          </a:p>
+          <a:p>
+            <a:pPr/>
+            <a:r>
+              <a:t>As a side note, the one major distinction I have noticed from bad, mediocre to excellent programmers is that the ones who really excel are the ones who fundamentally understand how and when to use the appropriate data structure for the task they’re trying to finish. Data structures can make the difference between an ok product and an outstanding one, it is no wonder that every computer science under graduate student is required to take a course in data structures. </a:t>
+            </a:r>
+          </a:p>
+          <a:p>
+            <a:pPr/>
           </a:p>
         </p:txBody>
       </p:sp>
@@ -1382,7 +1393,7 @@
       </p:grpSpPr>
       <p:sp>
         <p:nvSpPr>
-          <p:cNvPr id="138" name="Shape 138"/>
+          <p:cNvPr id="135" name="Shape 135"/>
           <p:cNvSpPr/>
           <p:nvPr>
             <p:ph type="sldImg"/>
@@ -1403,7 +1414,7 @@
       </p:sp>
       <p:sp>
         <p:nvSpPr>
-          <p:cNvPr id="139" name="Shape 139"/>
+          <p:cNvPr id="136" name="Shape 136"/>
           <p:cNvSpPr/>
           <p:nvPr>
             <p:ph type="body" sz="quarter" idx="1"/>
@@ -1419,27 +1430,9 @@
           <a:lstStyle/>
           <a:p>
             <a:pPr/>
-          </a:p>
-          <a:p>
-            <a:pPr/>
-          </a:p>
-          <a:p>
-            <a:pPr/>
-            <a:r>
-              <a:t>Read Slide</a:t>
-            </a:r>
-          </a:p>
-          <a:p>
-            <a:pPr/>
-          </a:p>
-          <a:p>
-            <a:pPr/>
-            <a:r>
-              <a:t>As a side note, the one major distinction I have noticed between excellent programmers and mediocre and bad programmers is that the ones who excel are the ones who fundamentally understand how and when to use the appropriate data structure for the task they’re trying to code. Data structures can make the difference between an ok product and an outstanding one, it is no wonder every computer science under graduate student is required to take a course in data structures. </a:t>
-            </a:r>
-          </a:p>
-          <a:p>
-            <a:pPr/>
+            <a:r>
+              <a:t>It is strange that before we even begin talking about data structures that we need to talk about the abstraction of data structures. What i’m talking about an the concept of an abstract data type.</a:t>
+            </a:r>
           </a:p>
         </p:txBody>
       </p:sp>
@@ -1470,7 +1463,7 @@
       </p:grpSpPr>
       <p:sp>
         <p:nvSpPr>
-          <p:cNvPr id="142" name="Shape 142"/>
+          <p:cNvPr id="140" name="Shape 140"/>
           <p:cNvSpPr/>
           <p:nvPr>
             <p:ph type="sldImg"/>
@@ -1491,7 +1484,7 @@
       </p:sp>
       <p:sp>
         <p:nvSpPr>
-          <p:cNvPr id="143" name="Shape 143"/>
+          <p:cNvPr id="141" name="Shape 141"/>
           <p:cNvSpPr/>
           <p:nvPr>
             <p:ph type="body" sz="quarter" idx="1"/>
@@ -1508,7 +1501,34 @@
           <a:p>
             <a:pPr/>
             <a:r>
-              <a:t>Now it is time to distinguish between what an Abstract Data Type is and a data structure</a:t>
+              <a:t>What is an ADT and how does it differ from a DS? Well the answer is that…</a:t>
+            </a:r>
+          </a:p>
+          <a:p>
+            <a:pPr/>
+          </a:p>
+          <a:p>
+            <a:pPr/>
+            <a:r>
+              <a:t>Read what’s on slide</a:t>
+            </a:r>
+          </a:p>
+          <a:p>
+            <a:pPr/>
+          </a:p>
+          <a:p>
+            <a:pPr/>
+            <a:r>
+              <a:t>An example I like to give is to suppose your ADT is for a mode of transportation to get from point A to point B. Well as we both know there are many modes of transportation to get you from one place to another. Some specific modes of transportation might be walking, biking, taking a train and so on. These specific modes of transportation are analogous to the DSs themselves.</a:t>
+            </a:r>
+          </a:p>
+          <a:p>
+            <a:pPr/>
+          </a:p>
+          <a:p>
+            <a:pPr/>
+            <a:r>
+              <a:t>Let’s see some examples.</a:t>
             </a:r>
           </a:p>
         </p:txBody>
@@ -1578,25 +1598,34 @@
           <a:p>
             <a:pPr/>
             <a:r>
-              <a:t>Read what’s on slide</a:t>
-            </a:r>
-          </a:p>
-          <a:p>
-            <a:pPr/>
-          </a:p>
-          <a:p>
-            <a:pPr/>
-            <a:r>
-              <a:t>Suppose your ADT is a list, well lists usually have operations such as add, remove, get, set and so on. In your underlying implementation of the List ADT you could be using a 5 dimensional array with two Stacks and a queue to implement a List and call this your data structure and that would be fine, although perhaps very inefficient and overly complex.</a:t>
-            </a:r>
-          </a:p>
-          <a:p>
-            <a:pPr/>
-          </a:p>
-          <a:p>
-            <a:pPr/>
-            <a:r>
-              <a:t>Let’s see some examples.</a:t>
+              <a:t>Here are some examples of ADTs on the left and the underlying implementation on the right hand side. As you can see a List can be implemented in two ways, you can have a dynamic array or a linked list. They both provide ways of adding, removing and indexing elements in a list.</a:t>
+            </a:r>
+          </a:p>
+          <a:p>
+            <a:pPr/>
+          </a:p>
+          <a:p>
+            <a:pPr/>
+            <a:r>
+              <a:t>Next we have a Queue and the Map ADTs which themselves can be implemented a variety of ways. Notice that under the implementation for Queue I put a Stack based Queue, because yes you can create a Queue with only Stacks. This is not the most efficient way to implement a Queue, but it does work and it is possible. </a:t>
+            </a:r>
+          </a:p>
+          <a:p>
+            <a:pPr/>
+          </a:p>
+          <a:p>
+            <a:pPr/>
+            <a:r>
+              <a:t>The point here is that the ADT only defines how a DS should behave and what methods it should have but not the details on how those methods are implemented. </a:t>
+            </a:r>
+          </a:p>
+          <a:p>
+            <a:pPr/>
+          </a:p>
+          <a:p>
+            <a:pPr/>
+            <a:r>
+              <a:t>That’s all for this first video, there will be many more to come, thank you for watching.</a:t>
             </a:r>
           </a:p>
         </p:txBody>
@@ -1628,7 +1657,7 @@
       </p:grpSpPr>
       <p:sp>
         <p:nvSpPr>
-          <p:cNvPr id="154" name="Shape 154"/>
+          <p:cNvPr id="150" name="Shape 150"/>
           <p:cNvSpPr/>
           <p:nvPr>
             <p:ph type="sldImg"/>
@@ -1649,7 +1678,7 @@
       </p:sp>
       <p:sp>
         <p:nvSpPr>
-          <p:cNvPr id="155" name="Shape 155"/>
+          <p:cNvPr id="151" name="Shape 151"/>
           <p:cNvSpPr/>
           <p:nvPr>
             <p:ph type="body" sz="quarter" idx="1"/>
@@ -1716,7 +1745,7 @@
       </p:grpSpPr>
       <p:sp>
         <p:nvSpPr>
-          <p:cNvPr id="158" name="Shape 158"/>
+          <p:cNvPr id="155" name="Shape 155"/>
           <p:cNvSpPr/>
           <p:nvPr>
             <p:ph type="sldImg"/>
@@ -1737,7 +1766,7 @@
       </p:sp>
       <p:sp>
         <p:nvSpPr>
-          <p:cNvPr id="159" name="Shape 159"/>
+          <p:cNvPr id="156" name="Shape 156"/>
           <p:cNvSpPr/>
           <p:nvPr>
             <p:ph type="body" sz="quarter" idx="1"/>
@@ -1786,7 +1815,7 @@
       </p:grpSpPr>
       <p:sp>
         <p:nvSpPr>
-          <p:cNvPr id="164" name="Shape 164"/>
+          <p:cNvPr id="161" name="Shape 161"/>
           <p:cNvSpPr/>
           <p:nvPr>
             <p:ph type="sldImg"/>
@@ -1807,7 +1836,7 @@
       </p:sp>
       <p:sp>
         <p:nvSpPr>
-          <p:cNvPr id="165" name="Shape 165"/>
+          <p:cNvPr id="162" name="Shape 162"/>
           <p:cNvSpPr/>
           <p:nvPr>
             <p:ph type="body" sz="quarter" idx="1"/>
@@ -1865,8 +1894,8 @@
       </p:grpSpPr>
       <p:sp>
         <p:nvSpPr>
-          <p:cNvPr id="11" name="Shape 11"/>
-          <p:cNvSpPr/>
+          <p:cNvPr id="11" name="Title Text"/>
+          <p:cNvSpPr txBox="1"/>
           <p:nvPr>
             <p:ph type="title"/>
           </p:nvPr>
@@ -1893,8 +1922,8 @@
       </p:sp>
       <p:sp>
         <p:nvSpPr>
-          <p:cNvPr id="12" name="Shape 12"/>
-          <p:cNvSpPr/>
+          <p:cNvPr id="12" name="Body Level One…"/>
+          <p:cNvSpPr txBox="1"/>
           <p:nvPr>
             <p:ph type="body" sz="quarter" idx="1"/>
           </p:nvPr>
@@ -1986,8 +2015,8 @@
       </p:sp>
       <p:sp>
         <p:nvSpPr>
-          <p:cNvPr id="13" name="Shape 13"/>
-          <p:cNvSpPr/>
+          <p:cNvPr id="13" name="Slide Number"/>
+          <p:cNvSpPr txBox="1"/>
           <p:nvPr>
             <p:ph type="sldNum" sz="quarter" idx="2"/>
           </p:nvPr>
@@ -2034,8 +2063,8 @@
       </p:grpSpPr>
       <p:sp>
         <p:nvSpPr>
-          <p:cNvPr id="93" name="Shape 93"/>
-          <p:cNvSpPr/>
+          <p:cNvPr id="93" name="–Johnny Appleseed"/>
+          <p:cNvSpPr txBox="1"/>
           <p:nvPr>
             <p:ph type="body" sz="quarter" idx="13"/>
           </p:nvPr>
@@ -2078,8 +2107,8 @@
       </p:sp>
       <p:sp>
         <p:nvSpPr>
-          <p:cNvPr id="94" name="Shape 94"/>
-          <p:cNvSpPr/>
+          <p:cNvPr id="94" name="“Type a quote here.”"/>
+          <p:cNvSpPr txBox="1"/>
           <p:nvPr>
             <p:ph type="body" sz="quarter" idx="14"/>
           </p:nvPr>
@@ -2122,8 +2151,8 @@
       </p:sp>
       <p:sp>
         <p:nvSpPr>
-          <p:cNvPr id="95" name="Shape 95"/>
-          <p:cNvSpPr/>
+          <p:cNvPr id="95" name="Slide Number"/>
+          <p:cNvSpPr txBox="1"/>
           <p:nvPr>
             <p:ph type="sldNum" sz="quarter" idx="2"/>
           </p:nvPr>
@@ -2170,7 +2199,7 @@
       </p:grpSpPr>
       <p:sp>
         <p:nvSpPr>
-          <p:cNvPr id="102" name="Shape 102"/>
+          <p:cNvPr id="102" name="Image"/>
           <p:cNvSpPr/>
           <p:nvPr>
             <p:ph type="pic" idx="13"/>
@@ -2197,8 +2226,8 @@
       </p:sp>
       <p:sp>
         <p:nvSpPr>
-          <p:cNvPr id="103" name="Shape 103"/>
-          <p:cNvSpPr/>
+          <p:cNvPr id="103" name="Slide Number"/>
+          <p:cNvSpPr txBox="1"/>
           <p:nvPr>
             <p:ph type="sldNum" sz="quarter" idx="2"/>
           </p:nvPr>
@@ -2245,8 +2274,8 @@
       </p:grpSpPr>
       <p:sp>
         <p:nvSpPr>
-          <p:cNvPr id="110" name="Shape 110"/>
-          <p:cNvSpPr/>
+          <p:cNvPr id="110" name="Slide Number"/>
+          <p:cNvSpPr txBox="1"/>
           <p:nvPr>
             <p:ph type="sldNum" sz="quarter" idx="2"/>
           </p:nvPr>
@@ -2293,7 +2322,7 @@
       </p:grpSpPr>
       <p:sp>
         <p:nvSpPr>
-          <p:cNvPr id="20" name="Shape 20"/>
+          <p:cNvPr id="20" name="Image"/>
           <p:cNvSpPr/>
           <p:nvPr>
             <p:ph type="pic" idx="13"/>
@@ -2320,8 +2349,8 @@
       </p:sp>
       <p:sp>
         <p:nvSpPr>
-          <p:cNvPr id="21" name="Shape 21"/>
-          <p:cNvSpPr/>
+          <p:cNvPr id="21" name="Title Text"/>
+          <p:cNvSpPr txBox="1"/>
           <p:nvPr>
             <p:ph type="title"/>
           </p:nvPr>
@@ -2348,8 +2377,8 @@
       </p:sp>
       <p:sp>
         <p:nvSpPr>
-          <p:cNvPr id="22" name="Shape 22"/>
-          <p:cNvSpPr/>
+          <p:cNvPr id="22" name="Body Level One…"/>
+          <p:cNvSpPr txBox="1"/>
           <p:nvPr>
             <p:ph type="body" sz="quarter" idx="1"/>
           </p:nvPr>
@@ -2466,8 +2495,8 @@
       </p:sp>
       <p:sp>
         <p:nvSpPr>
-          <p:cNvPr id="23" name="Shape 23"/>
-          <p:cNvSpPr/>
+          <p:cNvPr id="23" name="Slide Number"/>
+          <p:cNvSpPr txBox="1"/>
           <p:nvPr>
             <p:ph type="sldNum" sz="quarter" idx="2"/>
           </p:nvPr>
@@ -2514,8 +2543,8 @@
       </p:grpSpPr>
       <p:sp>
         <p:nvSpPr>
-          <p:cNvPr id="30" name="Shape 30"/>
-          <p:cNvSpPr/>
+          <p:cNvPr id="30" name="Title Text"/>
+          <p:cNvSpPr txBox="1"/>
           <p:nvPr>
             <p:ph type="title"/>
           </p:nvPr>
@@ -2542,8 +2571,8 @@
       </p:sp>
       <p:sp>
         <p:nvSpPr>
-          <p:cNvPr id="31" name="Shape 31"/>
-          <p:cNvSpPr/>
+          <p:cNvPr id="31" name="Slide Number"/>
+          <p:cNvSpPr txBox="1"/>
           <p:nvPr>
             <p:ph type="sldNum" sz="quarter" idx="2"/>
           </p:nvPr>
@@ -2590,7 +2619,7 @@
       </p:grpSpPr>
       <p:sp>
         <p:nvSpPr>
-          <p:cNvPr id="38" name="Shape 38"/>
+          <p:cNvPr id="38" name="Image"/>
           <p:cNvSpPr/>
           <p:nvPr>
             <p:ph type="pic" sz="half" idx="13"/>
@@ -2617,8 +2646,8 @@
       </p:sp>
       <p:sp>
         <p:nvSpPr>
-          <p:cNvPr id="39" name="Shape 39"/>
-          <p:cNvSpPr/>
+          <p:cNvPr id="39" name="Title Text"/>
+          <p:cNvSpPr txBox="1"/>
           <p:nvPr>
             <p:ph type="title"/>
           </p:nvPr>
@@ -2654,8 +2683,8 @@
       </p:sp>
       <p:sp>
         <p:nvSpPr>
-          <p:cNvPr id="40" name="Shape 40"/>
-          <p:cNvSpPr/>
+          <p:cNvPr id="40" name="Body Level One…"/>
+          <p:cNvSpPr txBox="1"/>
           <p:nvPr>
             <p:ph type="body" sz="quarter" idx="1"/>
           </p:nvPr>
@@ -2772,8 +2801,8 @@
       </p:sp>
       <p:sp>
         <p:nvSpPr>
-          <p:cNvPr id="41" name="Shape 41"/>
-          <p:cNvSpPr/>
+          <p:cNvPr id="41" name="Slide Number"/>
+          <p:cNvSpPr txBox="1"/>
           <p:nvPr>
             <p:ph type="sldNum" sz="quarter" idx="2"/>
           </p:nvPr>
@@ -2820,8 +2849,8 @@
       </p:grpSpPr>
       <p:sp>
         <p:nvSpPr>
-          <p:cNvPr id="48" name="Shape 48"/>
-          <p:cNvSpPr/>
+          <p:cNvPr id="48" name="Title Text"/>
+          <p:cNvSpPr txBox="1"/>
           <p:nvPr>
             <p:ph type="title"/>
           </p:nvPr>
@@ -2844,8 +2873,8 @@
       </p:sp>
       <p:sp>
         <p:nvSpPr>
-          <p:cNvPr id="49" name="Shape 49"/>
-          <p:cNvSpPr/>
+          <p:cNvPr id="49" name="Slide Number"/>
+          <p:cNvSpPr txBox="1"/>
           <p:nvPr>
             <p:ph type="sldNum" sz="quarter" idx="2"/>
           </p:nvPr>
@@ -2892,8 +2921,8 @@
       </p:grpSpPr>
       <p:sp>
         <p:nvSpPr>
-          <p:cNvPr id="56" name="Shape 56"/>
-          <p:cNvSpPr/>
+          <p:cNvPr id="56" name="Title Text"/>
+          <p:cNvSpPr txBox="1"/>
           <p:nvPr>
             <p:ph type="title"/>
           </p:nvPr>
@@ -2916,8 +2945,8 @@
       </p:sp>
       <p:sp>
         <p:nvSpPr>
-          <p:cNvPr id="57" name="Shape 57"/>
-          <p:cNvSpPr/>
+          <p:cNvPr id="57" name="Body Level One…"/>
+          <p:cNvSpPr txBox="1"/>
           <p:nvPr>
             <p:ph type="body" idx="1"/>
           </p:nvPr>
@@ -2964,8 +2993,8 @@
       </p:sp>
       <p:sp>
         <p:nvSpPr>
-          <p:cNvPr id="58" name="Shape 58"/>
-          <p:cNvSpPr/>
+          <p:cNvPr id="58" name="Slide Number"/>
+          <p:cNvSpPr txBox="1"/>
           <p:nvPr>
             <p:ph type="sldNum" sz="quarter" idx="2"/>
           </p:nvPr>
@@ -3012,7 +3041,7 @@
       </p:grpSpPr>
       <p:sp>
         <p:nvSpPr>
-          <p:cNvPr id="65" name="Shape 65"/>
+          <p:cNvPr id="65" name="Image"/>
           <p:cNvSpPr/>
           <p:nvPr>
             <p:ph type="pic" sz="half" idx="13"/>
@@ -3039,8 +3068,8 @@
       </p:sp>
       <p:sp>
         <p:nvSpPr>
-          <p:cNvPr id="66" name="Shape 66"/>
-          <p:cNvSpPr/>
+          <p:cNvPr id="66" name="Title Text"/>
+          <p:cNvSpPr txBox="1"/>
           <p:nvPr>
             <p:ph type="title"/>
           </p:nvPr>
@@ -3063,8 +3092,8 @@
       </p:sp>
       <p:sp>
         <p:nvSpPr>
-          <p:cNvPr id="67" name="Shape 67"/>
-          <p:cNvSpPr/>
+          <p:cNvPr id="67" name="Body Level One…"/>
+          <p:cNvSpPr txBox="1"/>
           <p:nvPr>
             <p:ph type="body" sz="half" idx="1"/>
           </p:nvPr>
@@ -3146,8 +3175,8 @@
       </p:sp>
       <p:sp>
         <p:nvSpPr>
-          <p:cNvPr id="68" name="Shape 68"/>
-          <p:cNvSpPr/>
+          <p:cNvPr id="68" name="Slide Number"/>
+          <p:cNvSpPr txBox="1"/>
           <p:nvPr>
             <p:ph type="sldNum" sz="quarter" idx="2"/>
           </p:nvPr>
@@ -3194,8 +3223,8 @@
       </p:grpSpPr>
       <p:sp>
         <p:nvSpPr>
-          <p:cNvPr id="75" name="Shape 75"/>
-          <p:cNvSpPr/>
+          <p:cNvPr id="75" name="Body Level One…"/>
+          <p:cNvSpPr txBox="1"/>
           <p:nvPr>
             <p:ph type="body" idx="1"/>
           </p:nvPr>
@@ -3246,8 +3275,8 @@
       </p:sp>
       <p:sp>
         <p:nvSpPr>
-          <p:cNvPr id="76" name="Shape 76"/>
-          <p:cNvSpPr/>
+          <p:cNvPr id="76" name="Slide Number"/>
+          <p:cNvSpPr txBox="1"/>
           <p:nvPr>
             <p:ph type="sldNum" sz="quarter" idx="2"/>
           </p:nvPr>
@@ -3294,7 +3323,7 @@
       </p:grpSpPr>
       <p:sp>
         <p:nvSpPr>
-          <p:cNvPr id="83" name="Shape 83"/>
+          <p:cNvPr id="83" name="Image"/>
           <p:cNvSpPr/>
           <p:nvPr>
             <p:ph type="pic" sz="quarter" idx="13"/>
@@ -3321,7 +3350,7 @@
       </p:sp>
       <p:sp>
         <p:nvSpPr>
-          <p:cNvPr id="84" name="Shape 84"/>
+          <p:cNvPr id="84" name="Image"/>
           <p:cNvSpPr/>
           <p:nvPr>
             <p:ph type="pic" sz="quarter" idx="14"/>
@@ -3348,7 +3377,7 @@
       </p:sp>
       <p:sp>
         <p:nvSpPr>
-          <p:cNvPr id="85" name="Shape 85"/>
+          <p:cNvPr id="85" name="Image"/>
           <p:cNvSpPr/>
           <p:nvPr>
             <p:ph type="pic" sz="half" idx="15"/>
@@ -3375,8 +3404,8 @@
       </p:sp>
       <p:sp>
         <p:nvSpPr>
-          <p:cNvPr id="86" name="Shape 86"/>
-          <p:cNvSpPr/>
+          <p:cNvPr id="86" name="Slide Number"/>
+          <p:cNvSpPr txBox="1"/>
           <p:nvPr>
             <p:ph type="sldNum" sz="quarter" idx="2"/>
           </p:nvPr>
@@ -3430,8 +3459,8 @@
       </p:grpSpPr>
       <p:sp>
         <p:nvSpPr>
-          <p:cNvPr id="2" name="Shape 2"/>
-          <p:cNvSpPr/>
+          <p:cNvPr id="2" name="Title Text"/>
+          <p:cNvSpPr txBox="1"/>
           <p:nvPr>
             <p:ph type="title"/>
           </p:nvPr>
@@ -3468,8 +3497,8 @@
       </p:sp>
       <p:sp>
         <p:nvSpPr>
-          <p:cNvPr id="3" name="Shape 3"/>
-          <p:cNvSpPr/>
+          <p:cNvPr id="3" name="Body Level One…"/>
+          <p:cNvSpPr txBox="1"/>
           <p:nvPr>
             <p:ph type="body" idx="1"/>
           </p:nvPr>
@@ -3530,8 +3559,8 @@
       </p:sp>
       <p:sp>
         <p:nvSpPr>
-          <p:cNvPr id="4" name="Shape 4"/>
-          <p:cNvSpPr/>
+          <p:cNvPr id="4" name="Slide Number"/>
+          <p:cNvSpPr txBox="1"/>
           <p:nvPr>
             <p:ph type="sldNum" sz="quarter" idx="2"/>
           </p:nvPr>
@@ -4399,13 +4428,17 @@
       </p:grpSpPr>
       <p:sp>
         <p:nvSpPr>
-          <p:cNvPr id="119" name="Shape 119"/>
-          <p:cNvSpPr/>
+          <p:cNvPr id="119" name="Data Structures an Introduction"/>
+          <p:cNvSpPr txBox="1"/>
           <p:nvPr>
             <p:ph type="ctrTitle"/>
           </p:nvPr>
         </p:nvSpPr>
         <p:spPr>
+          <a:xfrm>
+            <a:off x="540138" y="988060"/>
+            <a:ext cx="11924524" cy="3978159"/>
+          </a:xfrm>
           <a:prstGeom prst="rect">
             <a:avLst/>
           </a:prstGeom>
@@ -4413,8 +4446,8 @@
         <p:txBody>
           <a:bodyPr/>
           <a:lstStyle>
-            <a:lvl1pPr defTabSz="525779">
-              <a:defRPr b="1" sz="9000"/>
+            <a:lvl1pPr>
+              <a:defRPr b="1" sz="10000"/>
             </a:lvl1pPr>
           </a:lstStyle>
           <a:p>
@@ -4427,16 +4460,16 @@
       </p:sp>
       <p:sp>
         <p:nvSpPr>
-          <p:cNvPr id="120" name="Shape 120"/>
-          <p:cNvSpPr/>
+          <p:cNvPr id="120" name="William Fiset"/>
+          <p:cNvSpPr txBox="1"/>
           <p:nvPr>
             <p:ph type="subTitle" sz="quarter" idx="1"/>
           </p:nvPr>
         </p:nvSpPr>
         <p:spPr>
           <a:xfrm>
-            <a:off x="1270000" y="5422900"/>
-            <a:ext cx="10464800" cy="1130300"/>
+            <a:off x="1270000" y="6059869"/>
+            <a:ext cx="10464800" cy="1130301"/>
           </a:xfrm>
           <a:prstGeom prst="rect">
             <a:avLst/>
@@ -4485,8 +4518,8 @@
       </p:grpSpPr>
       <p:sp>
         <p:nvSpPr>
-          <p:cNvPr id="161" name="Shape 161"/>
-          <p:cNvSpPr/>
+          <p:cNvPr id="164" name="Big-O Notation"/>
+          <p:cNvSpPr txBox="1"/>
           <p:nvPr>
             <p:ph type="title"/>
           </p:nvPr>
@@ -4499,28 +4532,28 @@
         <p:txBody>
           <a:bodyPr/>
           <a:lstStyle>
-            <a:lvl1pPr defTabSz="549148">
-              <a:defRPr sz="7519"/>
+            <a:lvl1pPr>
+              <a:defRPr b="1"/>
             </a:lvl1pPr>
           </a:lstStyle>
           <a:p>
             <a:pPr/>
             <a:r>
-              <a:t>Complexity Analysis</a:t>
-            </a:r>
-          </a:p>
-        </p:txBody>
-      </p:sp>
-      <p:sp>
-        <p:nvSpPr>
-          <p:cNvPr id="162" name="Shape 162"/>
-          <p:cNvSpPr/>
+              <a:t>Big-O Notation</a:t>
+            </a:r>
+          </a:p>
+        </p:txBody>
+      </p:sp>
+      <p:sp>
+        <p:nvSpPr>
+          <p:cNvPr id="165" name="Big-O notation gives an upper bound of the computational complexity of an algorithm in the worst case.…"/>
+          <p:cNvSpPr txBox="1"/>
           <p:nvPr/>
         </p:nvSpPr>
         <p:spPr>
           <a:xfrm>
-            <a:off x="657893" y="2815710"/>
-            <a:ext cx="10979100" cy="2438401"/>
+            <a:off x="-95742" y="2885517"/>
+            <a:ext cx="13196285" cy="4991101"/>
           </a:xfrm>
           <a:prstGeom prst="rect">
             <a:avLst/>
@@ -4538,88 +4571,71 @@
           <a:bodyPr lIns="50800" tIns="50800" rIns="50800" bIns="50800" anchor="ctr">
             <a:spAutoFit/>
           </a:bodyPr>
-          <a:lstStyle>
-            <a:lvl1pPr>
-              <a:defRPr sz="4000"/>
-            </a:lvl1pPr>
-          </a:lstStyle>
-          <a:p>
-            <a:pPr/>
-            <a:r>
-              <a:t>As programmers, we often find ourselves asking the same two questions over and over again:</a:t>
-            </a:r>
-          </a:p>
-        </p:txBody>
-      </p:sp>
-      <p:sp>
-        <p:nvSpPr>
-          <p:cNvPr id="163" name="Shape 163"/>
-          <p:cNvSpPr/>
-          <p:nvPr/>
-        </p:nvSpPr>
-        <p:spPr>
-          <a:xfrm>
-            <a:off x="1682723" y="5316781"/>
-            <a:ext cx="9639354" cy="3835401"/>
-          </a:xfrm>
-          <a:prstGeom prst="rect">
-            <a:avLst/>
-          </a:prstGeom>
-          <a:ln w="12700">
-            <a:miter lim="400000"/>
-          </a:ln>
-          <a:extLst>
-            <a:ext uri="{C572A759-6A51-4108-AA02-DFA0A04FC94B}">
-              <ma14:wrappingTextBoxFlag xmlns:ma14="http://schemas.microsoft.com/office/mac/drawingml/2011/main" val="1"/>
-            </a:ext>
-          </a:extLst>
-        </p:spPr>
-        <p:txBody>
-          <a:bodyPr lIns="50800" tIns="50800" rIns="50800" bIns="50800" anchor="ctr">
-            <a:spAutoFit/>
-          </a:bodyPr>
           <a:lstStyle/>
           <a:p>
             <a:pPr>
-              <a:defRPr sz="4200"/>
+              <a:defRPr sz="4700"/>
             </a:pPr>
             <a:r>
-              <a:t>How much </a:t>
+              <a:t>Big-O notation gives an upper bound of the computational complexity of an algorithm in the </a:t>
             </a:r>
             <a:r>
               <a:rPr b="1">
                 <a:solidFill>
-                  <a:schemeClr val="accent6"/>
+                  <a:schemeClr val="accent5">
+                    <a:hueOff val="101205"/>
+                    <a:satOff val="-13598"/>
+                    <a:lumOff val="23877"/>
+                  </a:schemeClr>
                 </a:solidFill>
               </a:rPr>
-              <a:t>time</a:t>
-            </a:r>
-            <a:r>
-              <a:t> does this algorithm need to finish?</a:t>
+              <a:t>worst</a:t>
+            </a:r>
+            <a:r>
+              <a:t> case. </a:t>
             </a:r>
           </a:p>
           <a:p>
             <a:pPr>
-              <a:defRPr sz="4200"/>
+              <a:defRPr sz="4700"/>
             </a:pPr>
           </a:p>
           <a:p>
             <a:pPr>
-              <a:defRPr sz="4200"/>
+              <a:defRPr sz="4700"/>
             </a:pPr>
             <a:r>
-              <a:t>How much </a:t>
+              <a:t>This helps us quantify performance of algorithms as the input size becomes </a:t>
             </a:r>
             <a:r>
               <a:rPr b="1">
                 <a:solidFill>
-                  <a:schemeClr val="accent6"/>
+                  <a:schemeClr val="accent5">
+                    <a:hueOff val="101205"/>
+                    <a:satOff val="-13598"/>
+                    <a:lumOff val="23877"/>
+                  </a:schemeClr>
                 </a:solidFill>
               </a:rPr>
-              <a:t>space</a:t>
-            </a:r>
-            <a:r>
-              <a:t> does this algorithm need for its computation?</a:t>
+              <a:t>arbitrarily</a:t>
+            </a:r>
+            <a:r>
+              <a:t> </a:t>
+            </a:r>
+            <a:r>
+              <a:rPr b="1">
+                <a:solidFill>
+                  <a:schemeClr val="accent5">
+                    <a:hueOff val="101205"/>
+                    <a:satOff val="-13598"/>
+                    <a:lumOff val="23877"/>
+                  </a:schemeClr>
+                </a:solidFill>
+              </a:rPr>
+              <a:t>large</a:t>
+            </a:r>
+            <a:r>
+              <a:t>.</a:t>
             </a:r>
           </a:p>
         </p:txBody>
@@ -4652,8 +4668,8 @@
       </p:grpSpPr>
       <p:sp>
         <p:nvSpPr>
-          <p:cNvPr id="167" name="Shape 167"/>
-          <p:cNvSpPr/>
+          <p:cNvPr id="169" name="Big-O Notation"/>
+          <p:cNvSpPr txBox="1"/>
           <p:nvPr>
             <p:ph type="title"/>
           </p:nvPr>
@@ -4665,7 +4681,11 @@
         </p:spPr>
         <p:txBody>
           <a:bodyPr/>
-          <a:lstStyle/>
+          <a:lstStyle>
+            <a:lvl1pPr>
+              <a:defRPr b="1"/>
+            </a:lvl1pPr>
+          </a:lstStyle>
           <a:p>
             <a:pPr/>
             <a:r>
@@ -4676,14 +4696,14 @@
       </p:sp>
       <p:sp>
         <p:nvSpPr>
-          <p:cNvPr id="168" name="Shape 168"/>
-          <p:cNvSpPr/>
+          <p:cNvPr id="170" name="n - The size of the input…"/>
+          <p:cNvSpPr txBox="1"/>
           <p:nvPr/>
         </p:nvSpPr>
         <p:spPr>
           <a:xfrm>
-            <a:off x="952500" y="2730499"/>
-            <a:ext cx="11099801" cy="4292601"/>
+            <a:off x="693292" y="2331266"/>
+            <a:ext cx="11618217" cy="990601"/>
           </a:xfrm>
           <a:prstGeom prst="rect">
             <a:avLst/>
@@ -4704,55 +4724,283 @@
           <a:lstStyle/>
           <a:p>
             <a:pPr>
-              <a:defRPr sz="4700"/>
+              <a:defRPr sz="3000"/>
             </a:pPr>
             <a:r>
-              <a:t>Big-O Notation gives an upper bound of the complexity in the </a:t>
+              <a:t>n - The size of the input</a:t>
+            </a:r>
+          </a:p>
+          <a:p>
+            <a:pPr>
+              <a:defRPr sz="3000"/>
+            </a:pPr>
+            <a:r>
+              <a:t>Complexities ordered in from smallest to largest</a:t>
+            </a:r>
+          </a:p>
+        </p:txBody>
+      </p:sp>
+      <p:sp>
+        <p:nvSpPr>
+          <p:cNvPr id="171" name="Constant Time: O(1)…"/>
+          <p:cNvSpPr txBox="1"/>
+          <p:nvPr/>
+        </p:nvSpPr>
+        <p:spPr>
+          <a:xfrm>
+            <a:off x="-726119" y="3776311"/>
+            <a:ext cx="13160837" cy="5486401"/>
+          </a:xfrm>
+          <a:prstGeom prst="rect">
+            <a:avLst/>
+          </a:prstGeom>
+          <a:ln w="12700">
+            <a:miter lim="400000"/>
+          </a:ln>
+          <a:extLst>
+            <a:ext uri="{C572A759-6A51-4108-AA02-DFA0A04FC94B}">
+              <ma14:wrappingTextBoxFlag xmlns:ma14="http://schemas.microsoft.com/office/mac/drawingml/2011/main" val="1"/>
+            </a:ext>
+          </a:extLst>
+        </p:spPr>
+        <p:txBody>
+          <a:bodyPr lIns="50800" tIns="50800" rIns="50800" bIns="50800" anchor="ctr">
+            <a:spAutoFit/>
+          </a:bodyPr>
+          <a:lstStyle/>
+          <a:p>
+            <a:pPr>
+              <a:defRPr sz="4500"/>
+            </a:pPr>
+            <a:r>
+              <a:t>Constant Time: </a:t>
             </a:r>
             <a:r>
               <a:rPr b="1">
                 <a:solidFill>
-                  <a:schemeClr val="accent5">
-                    <a:hueOff val="101205"/>
-                    <a:satOff val="-13598"/>
-                    <a:lumOff val="23877"/>
+                  <a:schemeClr val="accent4">
+                    <a:hueOff val="102361"/>
+                    <a:satOff val="14118"/>
+                    <a:lumOff val="10675"/>
                   </a:schemeClr>
                 </a:solidFill>
               </a:rPr>
-              <a:t>worst</a:t>
-            </a:r>
-            <a:r>
-              <a:t> case, helping to quantify performance as the input size becomes </a:t>
+              <a:t>O(1)</a:t>
+            </a:r>
+          </a:p>
+          <a:p>
+            <a:pPr>
+              <a:defRPr sz="4500"/>
+            </a:pPr>
+            <a:r>
+              <a:t>  Logarithmic Time: </a:t>
             </a:r>
             <a:r>
               <a:rPr b="1">
                 <a:solidFill>
-                  <a:schemeClr val="accent5">
-                    <a:hueOff val="101205"/>
-                    <a:satOff val="-13598"/>
-                    <a:lumOff val="23877"/>
+                  <a:schemeClr val="accent4">
+                    <a:hueOff val="102361"/>
+                    <a:satOff val="14118"/>
+                    <a:lumOff val="10675"/>
                   </a:schemeClr>
                 </a:solidFill>
               </a:rPr>
-              <a:t>arbitrarily</a:t>
-            </a:r>
-            <a:r>
-              <a:t> </a:t>
+              <a:t>O(log(n))</a:t>
+            </a:r>
+          </a:p>
+          <a:p>
+            <a:pPr>
+              <a:defRPr sz="4500"/>
+            </a:pPr>
+            <a:r>
+              <a:t>  Linear Time: </a:t>
             </a:r>
             <a:r>
               <a:rPr b="1">
                 <a:solidFill>
-                  <a:schemeClr val="accent5">
-                    <a:hueOff val="101205"/>
-                    <a:satOff val="-13598"/>
-                    <a:lumOff val="23877"/>
+                  <a:schemeClr val="accent4">
+                    <a:hueOff val="102361"/>
+                    <a:satOff val="14118"/>
+                    <a:lumOff val="10675"/>
                   </a:schemeClr>
                 </a:solidFill>
               </a:rPr>
-              <a:t>large</a:t>
-            </a:r>
-            <a:r>
-              <a:t>.</a:t>
+              <a:t>O(n)</a:t>
+            </a:r>
+          </a:p>
+          <a:p>
+            <a:pPr>
+              <a:defRPr sz="4500"/>
+            </a:pPr>
+            <a:r>
+              <a:t>  Linearithmic Time: </a:t>
+            </a:r>
+            <a:r>
+              <a:rPr b="1">
+                <a:solidFill>
+                  <a:schemeClr val="accent4">
+                    <a:hueOff val="102361"/>
+                    <a:satOff val="14118"/>
+                    <a:lumOff val="10675"/>
+                  </a:schemeClr>
+                </a:solidFill>
+              </a:rPr>
+              <a:t>O(nlog(n))</a:t>
+            </a:r>
+          </a:p>
+          <a:p>
+            <a:pPr>
+              <a:defRPr sz="4500"/>
+            </a:pPr>
+            <a:r>
+              <a:t>Quadratic Time: </a:t>
+            </a:r>
+            <a:r>
+              <a:rPr b="1">
+                <a:solidFill>
+                  <a:schemeClr val="accent4">
+                    <a:hueOff val="102361"/>
+                    <a:satOff val="14118"/>
+                    <a:lumOff val="10675"/>
+                  </a:schemeClr>
+                </a:solidFill>
+              </a:rPr>
+              <a:t>O(n</a:t>
+            </a:r>
+            <a:r>
+              <a:rPr b="1" baseline="31999">
+                <a:solidFill>
+                  <a:schemeClr val="accent4">
+                    <a:hueOff val="102361"/>
+                    <a:satOff val="14118"/>
+                    <a:lumOff val="10675"/>
+                  </a:schemeClr>
+                </a:solidFill>
+              </a:rPr>
+              <a:t>2</a:t>
+            </a:r>
+            <a:r>
+              <a:rPr b="1">
+                <a:solidFill>
+                  <a:schemeClr val="accent4">
+                    <a:hueOff val="102361"/>
+                    <a:satOff val="14118"/>
+                    <a:lumOff val="10675"/>
+                  </a:schemeClr>
+                </a:solidFill>
+              </a:rPr>
+              <a:t>)</a:t>
+            </a:r>
+          </a:p>
+          <a:p>
+            <a:pPr>
+              <a:defRPr sz="4500"/>
+            </a:pPr>
+            <a:r>
+              <a:t>    Cubic Time: </a:t>
+            </a:r>
+            <a:r>
+              <a:rPr b="1">
+                <a:solidFill>
+                  <a:schemeClr val="accent4">
+                    <a:hueOff val="102361"/>
+                    <a:satOff val="14118"/>
+                    <a:lumOff val="10675"/>
+                  </a:schemeClr>
+                </a:solidFill>
+              </a:rPr>
+              <a:t>O(n</a:t>
+            </a:r>
+            <a:r>
+              <a:rPr b="1" baseline="31999">
+                <a:solidFill>
+                  <a:schemeClr val="accent4">
+                    <a:hueOff val="102361"/>
+                    <a:satOff val="14118"/>
+                    <a:lumOff val="10675"/>
+                  </a:schemeClr>
+                </a:solidFill>
+              </a:rPr>
+              <a:t>3</a:t>
+            </a:r>
+            <a:r>
+              <a:rPr b="1">
+                <a:solidFill>
+                  <a:schemeClr val="accent4">
+                    <a:hueOff val="102361"/>
+                    <a:satOff val="14118"/>
+                    <a:lumOff val="10675"/>
+                  </a:schemeClr>
+                </a:solidFill>
+              </a:rPr>
+              <a:t>)</a:t>
+            </a:r>
+          </a:p>
+          <a:p>
+            <a:pPr>
+              <a:defRPr sz="4500"/>
+            </a:pPr>
+            <a:r>
+              <a:t>     Exponential Time: </a:t>
+            </a:r>
+            <a:r>
+              <a:rPr b="1">
+                <a:solidFill>
+                  <a:schemeClr val="accent4">
+                    <a:hueOff val="102361"/>
+                    <a:satOff val="14118"/>
+                    <a:lumOff val="10675"/>
+                  </a:schemeClr>
+                </a:solidFill>
+              </a:rPr>
+              <a:t>O(b</a:t>
+            </a:r>
+            <a:r>
+              <a:rPr b="1" baseline="31999">
+                <a:solidFill>
+                  <a:schemeClr val="accent4">
+                    <a:hueOff val="102361"/>
+                    <a:satOff val="14118"/>
+                    <a:lumOff val="10675"/>
+                  </a:schemeClr>
+                </a:solidFill>
+              </a:rPr>
+              <a:t>n</a:t>
+            </a:r>
+            <a:r>
+              <a:rPr b="1">
+                <a:solidFill>
+                  <a:schemeClr val="accent4">
+                    <a:hueOff val="102361"/>
+                    <a:satOff val="14118"/>
+                    <a:lumOff val="10675"/>
+                  </a:schemeClr>
+                </a:solidFill>
+              </a:rPr>
+              <a:t>)</a:t>
+            </a:r>
+            <a:r>
+              <a:t>, b &gt; 1</a:t>
+            </a:r>
+          </a:p>
+          <a:p>
+            <a:pPr>
+              <a:defRPr sz="4500"/>
+            </a:pPr>
+            <a:r>
+              <a:t>Factorial Time: </a:t>
+            </a:r>
+            <a:r>
+              <a:rPr b="1">
+                <a:solidFill>
+                  <a:schemeClr val="accent4">
+                    <a:hueOff val="102361"/>
+                    <a:satOff val="14118"/>
+                    <a:lumOff val="10675"/>
+                  </a:schemeClr>
+                </a:solidFill>
+              </a:rPr>
+              <a:t>O(n!)</a:t>
             </a:r>
           </a:p>
         </p:txBody>
@@ -4785,8 +5033,8 @@
       </p:grpSpPr>
       <p:sp>
         <p:nvSpPr>
-          <p:cNvPr id="172" name="Shape 172"/>
-          <p:cNvSpPr/>
+          <p:cNvPr id="175" name="Big-O Properties"/>
+          <p:cNvSpPr txBox="1"/>
           <p:nvPr>
             <p:ph type="title"/>
           </p:nvPr>
@@ -4798,25 +5046,29 @@
         </p:spPr>
         <p:txBody>
           <a:bodyPr/>
-          <a:lstStyle/>
-          <a:p>
-            <a:pPr/>
-            <a:r>
-              <a:t>Big-O Notation</a:t>
-            </a:r>
-          </a:p>
-        </p:txBody>
-      </p:sp>
-      <p:sp>
-        <p:nvSpPr>
-          <p:cNvPr id="173" name="Shape 173"/>
-          <p:cNvSpPr/>
+          <a:lstStyle>
+            <a:lvl1pPr>
+              <a:defRPr b="1"/>
+            </a:lvl1pPr>
+          </a:lstStyle>
+          <a:p>
+            <a:pPr/>
+            <a:r>
+              <a:t>Big-O Properties</a:t>
+            </a:r>
+          </a:p>
+        </p:txBody>
+      </p:sp>
+      <p:sp>
+        <p:nvSpPr>
+          <p:cNvPr id="176" name="Practical examples coming up don’t worry :)"/>
+          <p:cNvSpPr txBox="1"/>
           <p:nvPr/>
         </p:nvSpPr>
         <p:spPr>
           <a:xfrm>
-            <a:off x="373733" y="2371076"/>
-            <a:ext cx="11618216" cy="990601"/>
+            <a:off x="1184770" y="8869332"/>
+            <a:ext cx="10635259" cy="584201"/>
           </a:xfrm>
           <a:prstGeom prst="rect">
             <a:avLst/>
@@ -4831,38 +5083,32 @@
           </a:extLst>
         </p:spPr>
         <p:txBody>
-          <a:bodyPr lIns="50800" tIns="50800" rIns="50800" bIns="50800" anchor="ctr">
+          <a:bodyPr wrap="none" lIns="50800" tIns="50800" rIns="50800" bIns="50800" anchor="ctr">
             <a:spAutoFit/>
           </a:bodyPr>
-          <a:lstStyle/>
-          <a:p>
-            <a:pPr>
-              <a:defRPr sz="3000"/>
-            </a:pPr>
-            <a:r>
-              <a:t>n - The size of the input</a:t>
-            </a:r>
-          </a:p>
-          <a:p>
-            <a:pPr>
-              <a:defRPr sz="3000"/>
-            </a:pPr>
-            <a:r>
-              <a:t>Complexities ordered in from smallest to largest</a:t>
-            </a:r>
-          </a:p>
-        </p:txBody>
-      </p:sp>
-      <p:sp>
-        <p:nvSpPr>
-          <p:cNvPr id="174" name="Shape 174"/>
-          <p:cNvSpPr/>
+          <a:lstStyle>
+            <a:lvl1pPr>
+              <a:defRPr sz="3200"/>
+            </a:lvl1pPr>
+          </a:lstStyle>
+          <a:p>
+            <a:pPr/>
+            <a:r>
+              <a:t>Practical examples coming up don’t worry :)</a:t>
+            </a:r>
+          </a:p>
+        </p:txBody>
+      </p:sp>
+      <p:sp>
+        <p:nvSpPr>
+          <p:cNvPr id="177" name="O(cn) = O(n), c &gt; 0"/>
+          <p:cNvSpPr txBox="1"/>
           <p:nvPr/>
         </p:nvSpPr>
         <p:spPr>
           <a:xfrm>
-            <a:off x="-726119" y="3776311"/>
-            <a:ext cx="13160837" cy="5486401"/>
+            <a:off x="2063870" y="3140616"/>
+            <a:ext cx="8096772" cy="622301"/>
           </a:xfrm>
           <a:prstGeom prst="rect">
             <a:avLst/>
@@ -4877,56 +5123,21 @@
           </a:extLst>
         </p:spPr>
         <p:txBody>
-          <a:bodyPr lIns="50800" tIns="50800" rIns="50800" bIns="50800" anchor="ctr">
+          <a:bodyPr wrap="none" lIns="50800" tIns="50800" rIns="50800" bIns="50800" anchor="ctr">
             <a:spAutoFit/>
           </a:bodyPr>
           <a:lstStyle/>
           <a:p>
-            <a:pPr>
-              <a:defRPr sz="4500"/>
-            </a:pPr>
-            <a:r>
-              <a:t>Constant Time: </a:t>
-            </a:r>
-            <a:r>
-              <a:rPr b="1">
-                <a:solidFill>
-                  <a:schemeClr val="accent4">
-                    <a:hueOff val="102361"/>
-                    <a:satOff val="14118"/>
-                    <a:lumOff val="10675"/>
-                  </a:schemeClr>
-                </a:solidFill>
-              </a:rPr>
-              <a:t>O(1)</a:t>
-            </a:r>
-          </a:p>
-          <a:p>
-            <a:pPr>
-              <a:defRPr sz="4500"/>
-            </a:pPr>
-            <a:r>
-              <a:t>  Logarithmic Time: </a:t>
-            </a:r>
-            <a:r>
-              <a:rPr b="1">
-                <a:solidFill>
-                  <a:schemeClr val="accent4">
-                    <a:hueOff val="102361"/>
-                    <a:satOff val="14118"/>
-                    <a:lumOff val="10675"/>
-                  </a:schemeClr>
-                </a:solidFill>
-              </a:rPr>
-              <a:t>O(log(n))</a:t>
-            </a:r>
-          </a:p>
-          <a:p>
-            <a:pPr>
-              <a:defRPr sz="4500"/>
-            </a:pPr>
-            <a:r>
-              <a:t>  Linear Time: </a:t>
+            <a:pPr/>
+            <a:r>
+              <a:t>          </a:t>
+            </a:r>
+            <a:r>
+              <a:rPr b="1"/>
+              <a:t>O(cn)</a:t>
+            </a:r>
+            <a:r>
+              <a:t> = </a:t>
             </a:r>
             <a:r>
               <a:rPr b="1">
@@ -4940,13 +5151,97 @@
               </a:rPr>
               <a:t>O(n)</a:t>
             </a:r>
-          </a:p>
-          <a:p>
-            <a:pPr>
-              <a:defRPr sz="4500"/>
-            </a:pPr>
-            <a:r>
-              <a:t>  Linearithmic Time: </a:t>
+            <a:r>
+              <a:t>, c &gt; 0</a:t>
+            </a:r>
+          </a:p>
+        </p:txBody>
+      </p:sp>
+      <p:sp>
+        <p:nvSpPr>
+          <p:cNvPr id="178" name="Let f be a function that describes the running time of a particular algorithm for an input of size n:…"/>
+          <p:cNvSpPr txBox="1"/>
+          <p:nvPr/>
+        </p:nvSpPr>
+        <p:spPr>
+          <a:xfrm>
+            <a:off x="1291948" y="4490532"/>
+            <a:ext cx="10420904" cy="4267201"/>
+          </a:xfrm>
+          <a:prstGeom prst="rect">
+            <a:avLst/>
+          </a:prstGeom>
+          <a:ln w="12700">
+            <a:miter lim="400000"/>
+          </a:ln>
+          <a:extLst>
+            <a:ext uri="{C572A759-6A51-4108-AA02-DFA0A04FC94B}">
+              <ma14:wrappingTextBoxFlag xmlns:ma14="http://schemas.microsoft.com/office/mac/drawingml/2011/main" val="1"/>
+            </a:ext>
+          </a:extLst>
+        </p:spPr>
+        <p:txBody>
+          <a:bodyPr lIns="50800" tIns="50800" rIns="50800" bIns="50800" anchor="ctr">
+            <a:spAutoFit/>
+          </a:bodyPr>
+          <a:lstStyle/>
+          <a:p>
+            <a:pPr/>
+            <a:r>
+              <a:t>Let f be a function that describes the running time of a particular algorithm for an input of size n: </a:t>
+            </a:r>
+          </a:p>
+          <a:p>
+            <a:pPr/>
+          </a:p>
+          <a:p>
+            <a:pPr/>
+            <a:r>
+              <a:t>f(n) = 7log(n)</a:t>
+            </a:r>
+            <a:r>
+              <a:rPr baseline="31999"/>
+              <a:t>3</a:t>
+            </a:r>
+            <a:r>
+              <a:t> + 15n</a:t>
+            </a:r>
+            <a:r>
+              <a:rPr baseline="31999"/>
+              <a:t>2</a:t>
+            </a:r>
+            <a:r>
+              <a:t> + 2n</a:t>
+            </a:r>
+            <a:r>
+              <a:rPr baseline="31999"/>
+              <a:t>3</a:t>
+            </a:r>
+            <a:r>
+              <a:t> + 8</a:t>
+            </a:r>
+            <a:endParaRPr baseline="31999"/>
+          </a:p>
+          <a:p>
+            <a:pPr/>
+            <a:endParaRPr b="1">
+              <a:solidFill>
+                <a:schemeClr val="accent4">
+                  <a:hueOff val="102361"/>
+                  <a:satOff val="14118"/>
+                  <a:lumOff val="10675"/>
+                </a:schemeClr>
+              </a:solidFill>
+            </a:endParaRPr>
+          </a:p>
+          <a:p>
+            <a:pPr/>
+            <a:r>
+              <a:t>O(f(n))</a:t>
+            </a:r>
+            <a:r>
+              <a:rPr b="1"/>
+              <a:t> =</a:t>
             </a:r>
             <a:r>
               <a:rPr b="1">
@@ -4958,27 +5253,7 @@
                   </a:schemeClr>
                 </a:solidFill>
               </a:rPr>
-              <a:t>O(nlog(n))</a:t>
-            </a:r>
-          </a:p>
-          <a:p>
-            <a:pPr>
-              <a:defRPr sz="4500"/>
-            </a:pPr>
-            <a:r>
-              <a:t>  Quadric Time: </a:t>
-            </a:r>
-            <a:r>
-              <a:rPr b="1">
-                <a:solidFill>
-                  <a:schemeClr val="accent4">
-                    <a:hueOff val="102361"/>
-                    <a:satOff val="14118"/>
-                    <a:lumOff val="10675"/>
-                  </a:schemeClr>
-                </a:solidFill>
-              </a:rPr>
-              <a:t>O(n</a:t>
+              <a:t> O(n</a:t>
             </a:r>
             <a:r>
               <a:rPr b="1" baseline="31999">
@@ -4990,7 +5265,7 @@
                   </a:schemeClr>
                 </a:solidFill>
               </a:rPr>
-              <a:t>2</a:t>
+              <a:t>3</a:t>
             </a:r>
             <a:r>
               <a:rPr b="1">
@@ -5004,13 +5279,54 @@
               </a:rPr>
               <a:t>)</a:t>
             </a:r>
-          </a:p>
-          <a:p>
-            <a:pPr>
-              <a:defRPr sz="4500"/>
-            </a:pPr>
-            <a:r>
-              <a:t>    Cubic Time: </a:t>
+            <a:endParaRPr b="1">
+              <a:solidFill>
+                <a:schemeClr val="accent4">
+                  <a:hueOff val="102361"/>
+                  <a:satOff val="14118"/>
+                  <a:lumOff val="10675"/>
+                </a:schemeClr>
+              </a:solidFill>
+            </a:endParaRPr>
+          </a:p>
+        </p:txBody>
+      </p:sp>
+      <p:sp>
+        <p:nvSpPr>
+          <p:cNvPr id="179" name="O(n + c) = O(n)"/>
+          <p:cNvSpPr txBox="1"/>
+          <p:nvPr/>
+        </p:nvSpPr>
+        <p:spPr>
+          <a:xfrm>
+            <a:off x="3990673" y="2487328"/>
+            <a:ext cx="4243166" cy="622301"/>
+          </a:xfrm>
+          <a:prstGeom prst="rect">
+            <a:avLst/>
+          </a:prstGeom>
+          <a:ln w="12700">
+            <a:miter lim="400000"/>
+          </a:ln>
+          <a:extLst>
+            <a:ext uri="{C572A759-6A51-4108-AA02-DFA0A04FC94B}">
+              <ma14:wrappingTextBoxFlag xmlns:ma14="http://schemas.microsoft.com/office/mac/drawingml/2011/main" val="1"/>
+            </a:ext>
+          </a:extLst>
+        </p:spPr>
+        <p:txBody>
+          <a:bodyPr wrap="none" lIns="50800" tIns="50800" rIns="50800" bIns="50800" anchor="ctr">
+            <a:spAutoFit/>
+          </a:bodyPr>
+          <a:lstStyle/>
+          <a:p>
+            <a:pPr/>
+            <a:r>
+              <a:rPr b="1"/>
+              <a:t>O(n + c)</a:t>
+            </a:r>
+            <a:r>
+              <a:t> = </a:t>
             </a:r>
             <a:r>
               <a:rPr b="1">
@@ -5022,98 +5338,7 @@
                   </a:schemeClr>
                 </a:solidFill>
               </a:rPr>
-              <a:t>O(n</a:t>
-            </a:r>
-            <a:r>
-              <a:rPr b="1" baseline="31999">
-                <a:solidFill>
-                  <a:schemeClr val="accent4">
-                    <a:hueOff val="102361"/>
-                    <a:satOff val="14118"/>
-                    <a:lumOff val="10675"/>
-                  </a:schemeClr>
-                </a:solidFill>
-              </a:rPr>
-              <a:t>3</a:t>
-            </a:r>
-            <a:r>
-              <a:rPr b="1">
-                <a:solidFill>
-                  <a:schemeClr val="accent4">
-                    <a:hueOff val="102361"/>
-                    <a:satOff val="14118"/>
-                    <a:lumOff val="10675"/>
-                  </a:schemeClr>
-                </a:solidFill>
-              </a:rPr>
-              <a:t>)</a:t>
-            </a:r>
-          </a:p>
-          <a:p>
-            <a:pPr>
-              <a:defRPr sz="4500"/>
-            </a:pPr>
-            <a:r>
-              <a:t>     Exponential Time: </a:t>
-            </a:r>
-            <a:r>
-              <a:rPr b="1">
-                <a:solidFill>
-                  <a:schemeClr val="accent4">
-                    <a:hueOff val="102361"/>
-                    <a:satOff val="14118"/>
-                    <a:lumOff val="10675"/>
-                  </a:schemeClr>
-                </a:solidFill>
-              </a:rPr>
-              <a:t>O(b</a:t>
-            </a:r>
-            <a:r>
-              <a:rPr b="1" baseline="31999">
-                <a:solidFill>
-                  <a:schemeClr val="accent4">
-                    <a:hueOff val="102361"/>
-                    <a:satOff val="14118"/>
-                    <a:lumOff val="10675"/>
-                  </a:schemeClr>
-                </a:solidFill>
-              </a:rPr>
-              <a:t>n</a:t>
-            </a:r>
-            <a:r>
-              <a:rPr b="1">
-                <a:solidFill>
-                  <a:schemeClr val="accent4">
-                    <a:hueOff val="102361"/>
-                    <a:satOff val="14118"/>
-                    <a:lumOff val="10675"/>
-                  </a:schemeClr>
-                </a:solidFill>
-              </a:rPr>
-              <a:t>)</a:t>
-            </a:r>
-            <a:r>
-              <a:t>, b &gt; 1</a:t>
-            </a:r>
-          </a:p>
-          <a:p>
-            <a:pPr>
-              <a:defRPr sz="4500"/>
-            </a:pPr>
-            <a:r>
-              <a:t>Factorial Time: </a:t>
-            </a:r>
-            <a:r>
-              <a:rPr b="1">
-                <a:solidFill>
-                  <a:schemeClr val="accent4">
-                    <a:hueOff val="102361"/>
-                    <a:satOff val="14118"/>
-                    <a:lumOff val="10675"/>
-                  </a:schemeClr>
-                </a:solidFill>
-              </a:rPr>
-              <a:t>O(n!)</a:t>
+              <a:t>O(n)</a:t>
             </a:r>
           </a:p>
         </p:txBody>
@@ -5146,8 +5371,8 @@
       </p:grpSpPr>
       <p:sp>
         <p:nvSpPr>
-          <p:cNvPr id="178" name="Shape 178"/>
-          <p:cNvSpPr/>
+          <p:cNvPr id="183" name="Big-O Examples"/>
+          <p:cNvSpPr txBox="1"/>
           <p:nvPr>
             <p:ph type="title"/>
           </p:nvPr>
@@ -5159,25 +5384,29 @@
         </p:spPr>
         <p:txBody>
           <a:bodyPr/>
-          <a:lstStyle/>
-          <a:p>
-            <a:pPr/>
-            <a:r>
-              <a:t>Big-O Properties</a:t>
-            </a:r>
-          </a:p>
-        </p:txBody>
-      </p:sp>
-      <p:sp>
-        <p:nvSpPr>
-          <p:cNvPr id="179" name="Shape 179"/>
-          <p:cNvSpPr/>
+          <a:lstStyle>
+            <a:lvl1pPr>
+              <a:defRPr b="1"/>
+            </a:lvl1pPr>
+          </a:lstStyle>
+          <a:p>
+            <a:pPr/>
+            <a:r>
+              <a:t>Big-O Examples</a:t>
+            </a:r>
+          </a:p>
+        </p:txBody>
+      </p:sp>
+      <p:sp>
+        <p:nvSpPr>
+          <p:cNvPr id="184" name="a := 1…"/>
+          <p:cNvSpPr txBox="1"/>
           <p:nvPr/>
         </p:nvSpPr>
         <p:spPr>
           <a:xfrm>
-            <a:off x="1184770" y="8869332"/>
-            <a:ext cx="10635259" cy="584201"/>
+            <a:off x="714434" y="5693529"/>
+            <a:ext cx="4701928" cy="2311401"/>
           </a:xfrm>
           <a:prstGeom prst="rect">
             <a:avLst/>
@@ -5195,29 +5424,43 @@
           <a:bodyPr wrap="none" lIns="50800" tIns="50800" rIns="50800" bIns="50800" anchor="ctr">
             <a:spAutoFit/>
           </a:bodyPr>
-          <a:lstStyle>
-            <a:lvl1pPr>
-              <a:defRPr sz="3200"/>
-            </a:lvl1pPr>
-          </a:lstStyle>
-          <a:p>
-            <a:pPr/>
-            <a:r>
-              <a:t>Practical examples coming up don’t worry :)</a:t>
-            </a:r>
-          </a:p>
-        </p:txBody>
-      </p:sp>
-      <p:sp>
-        <p:nvSpPr>
-          <p:cNvPr id="180" name="Shape 180"/>
-          <p:cNvSpPr/>
+          <a:lstStyle/>
+          <a:p>
+            <a:pPr algn="l">
+              <a:defRPr sz="5000"/>
+            </a:pPr>
+            <a:r>
+              <a:t>a := 1</a:t>
+            </a:r>
+          </a:p>
+          <a:p>
+            <a:pPr algn="l">
+              <a:defRPr sz="5000"/>
+            </a:pPr>
+            <a:r>
+              <a:t>b := 2</a:t>
+            </a:r>
+          </a:p>
+          <a:p>
+            <a:pPr algn="l">
+              <a:defRPr sz="5000"/>
+            </a:pPr>
+            <a:r>
+              <a:t>c := a + 5*b</a:t>
+            </a:r>
+          </a:p>
+        </p:txBody>
+      </p:sp>
+      <p:sp>
+        <p:nvSpPr>
+          <p:cNvPr id="185" name="The following run in constant time: O(1)"/>
+          <p:cNvSpPr txBox="1"/>
           <p:nvPr/>
         </p:nvSpPr>
         <p:spPr>
           <a:xfrm>
-            <a:off x="2063870" y="3140616"/>
-            <a:ext cx="8096772" cy="622301"/>
+            <a:off x="634255" y="3312420"/>
+            <a:ext cx="11736290" cy="660401"/>
           </a:xfrm>
           <a:prstGeom prst="rect">
             <a:avLst/>
@@ -5237,16 +5480,18 @@
           </a:bodyPr>
           <a:lstStyle/>
           <a:p>
-            <a:pPr/>
-            <a:r>
-              <a:t>          </a:t>
-            </a:r>
-            <a:r>
-              <a:rPr b="1"/>
-              <a:t>O(cn)</a:t>
-            </a:r>
-            <a:r>
-              <a:t> = </a:t>
+            <a:pPr>
+              <a:defRPr sz="3800"/>
+            </a:pPr>
+            <a:r>
+              <a:t>The following run in </a:t>
+            </a:r>
+            <a:r>
+              <a:rPr u="sng"/>
+              <a:t>constant</a:t>
+            </a:r>
+            <a:r>
+              <a:t> time: </a:t>
             </a:r>
             <a:r>
               <a:rPr b="1">
@@ -5258,24 +5503,21 @@
                   </a:schemeClr>
                 </a:solidFill>
               </a:rPr>
-              <a:t>O(n)</a:t>
-            </a:r>
-            <a:r>
-              <a:t>, c &gt; 0</a:t>
-            </a:r>
-          </a:p>
-        </p:txBody>
-      </p:sp>
-      <p:sp>
-        <p:nvSpPr>
-          <p:cNvPr id="181" name="Shape 181"/>
-          <p:cNvSpPr/>
+              <a:t>O(1)</a:t>
+            </a:r>
+          </a:p>
+        </p:txBody>
+      </p:sp>
+      <p:sp>
+        <p:nvSpPr>
+          <p:cNvPr id="186" name="i := 0…"/>
+          <p:cNvSpPr txBox="1"/>
           <p:nvPr/>
         </p:nvSpPr>
         <p:spPr>
           <a:xfrm>
-            <a:off x="1291948" y="4490532"/>
-            <a:ext cx="10420904" cy="4267201"/>
+            <a:off x="6475903" y="5551102"/>
+            <a:ext cx="6231137" cy="3048001"/>
           </a:xfrm>
           <a:prstGeom prst="rect">
             <a:avLst/>
@@ -5290,164 +5532,64 @@
           </a:extLst>
         </p:spPr>
         <p:txBody>
-          <a:bodyPr lIns="50800" tIns="50800" rIns="50800" bIns="50800" anchor="ctr">
-            <a:spAutoFit/>
-          </a:bodyPr>
-          <a:lstStyle/>
-          <a:p>
-            <a:pPr/>
-            <a:r>
-              <a:t>Let f be a function that describes the running time of a particular algorithm for an input of size n: </a:t>
-            </a:r>
-          </a:p>
-          <a:p>
-            <a:pPr/>
-          </a:p>
-          <a:p>
-            <a:pPr/>
-            <a:r>
-              <a:t>f(n) = 7log(n)</a:t>
-            </a:r>
-            <a:r>
-              <a:rPr baseline="31999"/>
-              <a:t>3</a:t>
-            </a:r>
-            <a:r>
-              <a:t> + 15n</a:t>
-            </a:r>
-            <a:r>
-              <a:rPr baseline="31999"/>
-              <a:t>2</a:t>
-            </a:r>
-            <a:r>
-              <a:t> + 2n</a:t>
-            </a:r>
-            <a:r>
-              <a:rPr baseline="31999"/>
-              <a:t>3</a:t>
-            </a:r>
-            <a:r>
-              <a:t> + 8</a:t>
-            </a:r>
-            <a:endParaRPr baseline="31999"/>
-          </a:p>
-          <a:p>
-            <a:pPr/>
-            <a:endParaRPr b="1">
-              <a:solidFill>
-                <a:schemeClr val="accent4">
-                  <a:hueOff val="102361"/>
-                  <a:satOff val="14118"/>
-                  <a:lumOff val="10675"/>
-                </a:schemeClr>
-              </a:solidFill>
-            </a:endParaRPr>
-          </a:p>
-          <a:p>
-            <a:pPr/>
-            <a:r>
-              <a:t>O(f(n))</a:t>
-            </a:r>
-            <a:r>
-              <a:rPr b="1"/>
-              <a:t> =</a:t>
-            </a:r>
-            <a:r>
-              <a:rPr b="1">
-                <a:solidFill>
-                  <a:schemeClr val="accent4">
-                    <a:hueOff val="102361"/>
-                    <a:satOff val="14118"/>
-                    <a:lumOff val="10675"/>
-                  </a:schemeClr>
-                </a:solidFill>
-              </a:rPr>
-              <a:t> O(n</a:t>
-            </a:r>
-            <a:r>
-              <a:rPr b="1" baseline="31999">
-                <a:solidFill>
-                  <a:schemeClr val="accent4">
-                    <a:hueOff val="102361"/>
-                    <a:satOff val="14118"/>
-                    <a:lumOff val="10675"/>
-                  </a:schemeClr>
-                </a:solidFill>
-              </a:rPr>
-              <a:t>3</a:t>
-            </a:r>
-            <a:r>
-              <a:rPr b="1">
-                <a:solidFill>
-                  <a:schemeClr val="accent4">
-                    <a:hueOff val="102361"/>
-                    <a:satOff val="14118"/>
-                    <a:lumOff val="10675"/>
-                  </a:schemeClr>
-                </a:solidFill>
-              </a:rPr>
-              <a:t>)</a:t>
-            </a:r>
-            <a:endParaRPr b="1">
-              <a:solidFill>
-                <a:schemeClr val="accent4">
-                  <a:hueOff val="102361"/>
-                  <a:satOff val="14118"/>
-                  <a:lumOff val="10675"/>
-                </a:schemeClr>
-              </a:solidFill>
-            </a:endParaRPr>
-          </a:p>
-        </p:txBody>
-      </p:sp>
-      <p:sp>
-        <p:nvSpPr>
-          <p:cNvPr id="182" name="Shape 182"/>
-          <p:cNvSpPr/>
-          <p:nvPr/>
-        </p:nvSpPr>
-        <p:spPr>
-          <a:xfrm>
-            <a:off x="3990673" y="2487328"/>
-            <a:ext cx="4243166" cy="622301"/>
-          </a:xfrm>
-          <a:prstGeom prst="rect">
-            <a:avLst/>
-          </a:prstGeom>
-          <a:ln w="12700">
-            <a:miter lim="400000"/>
-          </a:ln>
-          <a:extLst>
-            <a:ext uri="{C572A759-6A51-4108-AA02-DFA0A04FC94B}">
-              <ma14:wrappingTextBoxFlag xmlns:ma14="http://schemas.microsoft.com/office/mac/drawingml/2011/main" val="1"/>
-            </a:ext>
-          </a:extLst>
-        </p:spPr>
-        <p:txBody>
           <a:bodyPr wrap="none" lIns="50800" tIns="50800" rIns="50800" bIns="50800" anchor="ctr">
             <a:spAutoFit/>
           </a:bodyPr>
           <a:lstStyle/>
           <a:p>
-            <a:pPr/>
-            <a:r>
-              <a:rPr b="1"/>
-              <a:t>O(n + c)</a:t>
-            </a:r>
-            <a:r>
-              <a:t> = </a:t>
-            </a:r>
-            <a:r>
-              <a:rPr b="1">
+            <a:pPr algn="l">
+              <a:defRPr sz="5000"/>
+            </a:pPr>
+            <a:r>
+              <a:t>i := 0</a:t>
+            </a:r>
+          </a:p>
+          <a:p>
+            <a:pPr algn="l">
+              <a:defRPr sz="5000"/>
+            </a:pPr>
+            <a:r>
+              <a:rPr>
                 <a:solidFill>
-                  <a:schemeClr val="accent4">
-                    <a:hueOff val="102361"/>
-                    <a:satOff val="14118"/>
-                    <a:lumOff val="10675"/>
+                  <a:schemeClr val="accent5">
+                    <a:hueOff val="101205"/>
+                    <a:satOff val="-13598"/>
+                    <a:lumOff val="23877"/>
                   </a:schemeClr>
                 </a:solidFill>
               </a:rPr>
-              <a:t>O(n)</a:t>
+              <a:t>While</a:t>
+            </a:r>
+            <a:r>
+              <a:t> i &lt; 11 </a:t>
+            </a:r>
+            <a:r>
+              <a:rPr>
+                <a:solidFill>
+                  <a:schemeClr val="accent5">
+                    <a:hueOff val="101205"/>
+                    <a:satOff val="-13598"/>
+                    <a:lumOff val="23877"/>
+                  </a:schemeClr>
+                </a:solidFill>
+              </a:rPr>
+              <a:t>Do</a:t>
+            </a:r>
+          </a:p>
+          <a:p>
+            <a:pPr algn="l">
+              <a:defRPr sz="5000"/>
+            </a:pPr>
+            <a:r>
+              <a:t>    i = i + 1</a:t>
+            </a:r>
+          </a:p>
+          <a:p>
+            <a:pPr algn="l">
+              <a:defRPr sz="5000"/>
+            </a:pPr>
+            <a:r>
+              <a:t>   </a:t>
             </a:r>
           </a:p>
         </p:txBody>
@@ -5480,8 +5622,8 @@
       </p:grpSpPr>
       <p:sp>
         <p:nvSpPr>
-          <p:cNvPr id="186" name="Shape 186"/>
-          <p:cNvSpPr/>
+          <p:cNvPr id="190" name="Big-O Examples"/>
+          <p:cNvSpPr txBox="1"/>
           <p:nvPr>
             <p:ph type="title"/>
           </p:nvPr>
@@ -5493,7 +5635,11 @@
         </p:spPr>
         <p:txBody>
           <a:bodyPr/>
-          <a:lstStyle/>
+          <a:lstStyle>
+            <a:lvl1pPr>
+              <a:defRPr b="1"/>
+            </a:lvl1pPr>
+          </a:lstStyle>
           <a:p>
             <a:pPr/>
             <a:r>
@@ -5504,125 +5650,14 @@
       </p:sp>
       <p:sp>
         <p:nvSpPr>
-          <p:cNvPr id="187" name="Shape 187"/>
-          <p:cNvSpPr/>
+          <p:cNvPr id="191" name="i := 0…"/>
+          <p:cNvSpPr txBox="1"/>
           <p:nvPr/>
         </p:nvSpPr>
         <p:spPr>
           <a:xfrm>
-            <a:off x="714434" y="5693529"/>
-            <a:ext cx="4701928" cy="2311401"/>
-          </a:xfrm>
-          <a:prstGeom prst="rect">
-            <a:avLst/>
-          </a:prstGeom>
-          <a:ln w="12700">
-            <a:miter lim="400000"/>
-          </a:ln>
-          <a:extLst>
-            <a:ext uri="{C572A759-6A51-4108-AA02-DFA0A04FC94B}">
-              <ma14:wrappingTextBoxFlag xmlns:ma14="http://schemas.microsoft.com/office/mac/drawingml/2011/main" val="1"/>
-            </a:ext>
-          </a:extLst>
-        </p:spPr>
-        <p:txBody>
-          <a:bodyPr wrap="none" lIns="50800" tIns="50800" rIns="50800" bIns="50800" anchor="ctr">
-            <a:spAutoFit/>
-          </a:bodyPr>
-          <a:lstStyle/>
-          <a:p>
-            <a:pPr algn="l">
-              <a:defRPr sz="5000"/>
-            </a:pPr>
-            <a:r>
-              <a:t>a := 1</a:t>
-            </a:r>
-          </a:p>
-          <a:p>
-            <a:pPr algn="l">
-              <a:defRPr sz="5000"/>
-            </a:pPr>
-            <a:r>
-              <a:t>b := 2</a:t>
-            </a:r>
-          </a:p>
-          <a:p>
-            <a:pPr algn="l">
-              <a:defRPr sz="5000"/>
-            </a:pPr>
-            <a:r>
-              <a:t>c := a + 5*b</a:t>
-            </a:r>
-          </a:p>
-        </p:txBody>
-      </p:sp>
-      <p:sp>
-        <p:nvSpPr>
-          <p:cNvPr id="188" name="Shape 188"/>
-          <p:cNvSpPr/>
-          <p:nvPr/>
-        </p:nvSpPr>
-        <p:spPr>
-          <a:xfrm>
-            <a:off x="634255" y="3312420"/>
-            <a:ext cx="11736290" cy="660401"/>
-          </a:xfrm>
-          <a:prstGeom prst="rect">
-            <a:avLst/>
-          </a:prstGeom>
-          <a:ln w="12700">
-            <a:miter lim="400000"/>
-          </a:ln>
-          <a:extLst>
-            <a:ext uri="{C572A759-6A51-4108-AA02-DFA0A04FC94B}">
-              <ma14:wrappingTextBoxFlag xmlns:ma14="http://schemas.microsoft.com/office/mac/drawingml/2011/main" val="1"/>
-            </a:ext>
-          </a:extLst>
-        </p:spPr>
-        <p:txBody>
-          <a:bodyPr wrap="none" lIns="50800" tIns="50800" rIns="50800" bIns="50800" anchor="ctr">
-            <a:spAutoFit/>
-          </a:bodyPr>
-          <a:lstStyle/>
-          <a:p>
-            <a:pPr>
-              <a:defRPr sz="3800"/>
-            </a:pPr>
-            <a:r>
-              <a:t>The following run in </a:t>
-            </a:r>
-            <a:r>
-              <a:rPr u="sng"/>
-              <a:t>constant</a:t>
-            </a:r>
-            <a:r>
-              <a:t> time: </a:t>
-            </a:r>
-            <a:r>
-              <a:rPr b="1">
-                <a:solidFill>
-                  <a:schemeClr val="accent4">
-                    <a:hueOff val="102361"/>
-                    <a:satOff val="14118"/>
-                    <a:lumOff val="10675"/>
-                  </a:schemeClr>
-                </a:solidFill>
-              </a:rPr>
-              <a:t>O(1)</a:t>
-            </a:r>
-          </a:p>
-        </p:txBody>
-      </p:sp>
-      <p:sp>
-        <p:nvSpPr>
-          <p:cNvPr id="189" name="Shape 189"/>
-          <p:cNvSpPr/>
-          <p:nvPr/>
-        </p:nvSpPr>
-        <p:spPr>
-          <a:xfrm>
-            <a:off x="6475903" y="5551102"/>
-            <a:ext cx="6231137" cy="3048001"/>
+            <a:off x="446564" y="5222561"/>
+            <a:ext cx="5848834" cy="3048001"/>
           </a:xfrm>
           <a:prstGeom prst="rect">
             <a:avLst/>
@@ -5666,7 +5701,7 @@
               <a:t>While</a:t>
             </a:r>
             <a:r>
-              <a:t> i &lt; 11 </a:t>
+              <a:t> i &lt; n </a:t>
             </a:r>
             <a:r>
               <a:rPr>
@@ -5695,6 +5730,257 @@
             </a:pPr>
             <a:r>
               <a:t>   </a:t>
+            </a:r>
+          </a:p>
+        </p:txBody>
+      </p:sp>
+      <p:sp>
+        <p:nvSpPr>
+          <p:cNvPr id="192" name="The following run in linear time: O(n)"/>
+          <p:cNvSpPr txBox="1"/>
+          <p:nvPr/>
+        </p:nvSpPr>
+        <p:spPr>
+          <a:xfrm>
+            <a:off x="924805" y="3312420"/>
+            <a:ext cx="11155190" cy="660401"/>
+          </a:xfrm>
+          <a:prstGeom prst="rect">
+            <a:avLst/>
+          </a:prstGeom>
+          <a:ln w="12700">
+            <a:miter lim="400000"/>
+          </a:ln>
+          <a:extLst>
+            <a:ext uri="{C572A759-6A51-4108-AA02-DFA0A04FC94B}">
+              <ma14:wrappingTextBoxFlag xmlns:ma14="http://schemas.microsoft.com/office/mac/drawingml/2011/main" val="1"/>
+            </a:ext>
+          </a:extLst>
+        </p:spPr>
+        <p:txBody>
+          <a:bodyPr wrap="none" lIns="50800" tIns="50800" rIns="50800" bIns="50800" anchor="ctr">
+            <a:spAutoFit/>
+          </a:bodyPr>
+          <a:lstStyle/>
+          <a:p>
+            <a:pPr>
+              <a:defRPr sz="3800"/>
+            </a:pPr>
+            <a:r>
+              <a:t>The following run in </a:t>
+            </a:r>
+            <a:r>
+              <a:rPr u="sng"/>
+              <a:t>linear</a:t>
+            </a:r>
+            <a:r>
+              <a:t> time: </a:t>
+            </a:r>
+            <a:r>
+              <a:rPr b="1">
+                <a:solidFill>
+                  <a:schemeClr val="accent4">
+                    <a:hueOff val="102361"/>
+                    <a:satOff val="14118"/>
+                    <a:lumOff val="10675"/>
+                  </a:schemeClr>
+                </a:solidFill>
+              </a:rPr>
+              <a:t>O(n)</a:t>
+            </a:r>
+          </a:p>
+        </p:txBody>
+      </p:sp>
+      <p:sp>
+        <p:nvSpPr>
+          <p:cNvPr id="193" name="i := 0…"/>
+          <p:cNvSpPr txBox="1"/>
+          <p:nvPr/>
+        </p:nvSpPr>
+        <p:spPr>
+          <a:xfrm>
+            <a:off x="7217402" y="5222561"/>
+            <a:ext cx="5848834" cy="3048001"/>
+          </a:xfrm>
+          <a:prstGeom prst="rect">
+            <a:avLst/>
+          </a:prstGeom>
+          <a:ln w="12700">
+            <a:miter lim="400000"/>
+          </a:ln>
+          <a:extLst>
+            <a:ext uri="{C572A759-6A51-4108-AA02-DFA0A04FC94B}">
+              <ma14:wrappingTextBoxFlag xmlns:ma14="http://schemas.microsoft.com/office/mac/drawingml/2011/main" val="1"/>
+            </a:ext>
+          </a:extLst>
+        </p:spPr>
+        <p:txBody>
+          <a:bodyPr wrap="none" lIns="50800" tIns="50800" rIns="50800" bIns="50800" anchor="ctr">
+            <a:spAutoFit/>
+          </a:bodyPr>
+          <a:lstStyle/>
+          <a:p>
+            <a:pPr algn="l">
+              <a:defRPr sz="5000"/>
+            </a:pPr>
+            <a:r>
+              <a:t>i := 0</a:t>
+            </a:r>
+          </a:p>
+          <a:p>
+            <a:pPr algn="l">
+              <a:defRPr sz="5000"/>
+            </a:pPr>
+            <a:r>
+              <a:rPr>
+                <a:solidFill>
+                  <a:schemeClr val="accent5">
+                    <a:hueOff val="101205"/>
+                    <a:satOff val="-13598"/>
+                    <a:lumOff val="23877"/>
+                  </a:schemeClr>
+                </a:solidFill>
+              </a:rPr>
+              <a:t>While</a:t>
+            </a:r>
+            <a:r>
+              <a:t> i &lt; n </a:t>
+            </a:r>
+            <a:r>
+              <a:rPr>
+                <a:solidFill>
+                  <a:schemeClr val="accent5">
+                    <a:hueOff val="101205"/>
+                    <a:satOff val="-13598"/>
+                    <a:lumOff val="23877"/>
+                  </a:schemeClr>
+                </a:solidFill>
+              </a:rPr>
+              <a:t>Do</a:t>
+            </a:r>
+          </a:p>
+          <a:p>
+            <a:pPr algn="l">
+              <a:defRPr sz="5000"/>
+            </a:pPr>
+            <a:r>
+              <a:t>    i = i + 3</a:t>
+            </a:r>
+          </a:p>
+          <a:p>
+            <a:pPr algn="l">
+              <a:defRPr sz="5000"/>
+            </a:pPr>
+            <a:r>
+              <a:t>   </a:t>
+            </a:r>
+          </a:p>
+        </p:txBody>
+      </p:sp>
+      <p:sp>
+        <p:nvSpPr>
+          <p:cNvPr id="194" name="f(n) = n…"/>
+          <p:cNvSpPr txBox="1"/>
+          <p:nvPr/>
+        </p:nvSpPr>
+        <p:spPr>
+          <a:xfrm>
+            <a:off x="1387027" y="7980867"/>
+            <a:ext cx="3967908" cy="1143001"/>
+          </a:xfrm>
+          <a:prstGeom prst="rect">
+            <a:avLst/>
+          </a:prstGeom>
+          <a:ln w="12700">
+            <a:miter lim="400000"/>
+          </a:ln>
+          <a:extLst>
+            <a:ext uri="{C572A759-6A51-4108-AA02-DFA0A04FC94B}">
+              <ma14:wrappingTextBoxFlag xmlns:ma14="http://schemas.microsoft.com/office/mac/drawingml/2011/main" val="1"/>
+            </a:ext>
+          </a:extLst>
+        </p:spPr>
+        <p:txBody>
+          <a:bodyPr wrap="none" lIns="50800" tIns="50800" rIns="50800" bIns="50800" anchor="ctr">
+            <a:spAutoFit/>
+          </a:bodyPr>
+          <a:lstStyle/>
+          <a:p>
+            <a:pPr/>
+            <a:r>
+              <a:t>f(n) = n</a:t>
+            </a:r>
+          </a:p>
+          <a:p>
+            <a:pPr/>
+            <a:r>
+              <a:t>O(f(n)) = </a:t>
+            </a:r>
+            <a:r>
+              <a:rPr b="1">
+                <a:solidFill>
+                  <a:schemeClr val="accent4">
+                    <a:hueOff val="102361"/>
+                    <a:satOff val="14118"/>
+                    <a:lumOff val="10675"/>
+                  </a:schemeClr>
+                </a:solidFill>
+              </a:rPr>
+              <a:t>O(n)</a:t>
+            </a:r>
+          </a:p>
+        </p:txBody>
+      </p:sp>
+      <p:sp>
+        <p:nvSpPr>
+          <p:cNvPr id="195" name="f(n) = n/3…"/>
+          <p:cNvSpPr txBox="1"/>
+          <p:nvPr/>
+        </p:nvSpPr>
+        <p:spPr>
+          <a:xfrm>
+            <a:off x="8157865" y="7980867"/>
+            <a:ext cx="3967908" cy="1143001"/>
+          </a:xfrm>
+          <a:prstGeom prst="rect">
+            <a:avLst/>
+          </a:prstGeom>
+          <a:ln w="12700">
+            <a:miter lim="400000"/>
+          </a:ln>
+          <a:extLst>
+            <a:ext uri="{C572A759-6A51-4108-AA02-DFA0A04FC94B}">
+              <ma14:wrappingTextBoxFlag xmlns:ma14="http://schemas.microsoft.com/office/mac/drawingml/2011/main" val="1"/>
+            </a:ext>
+          </a:extLst>
+        </p:spPr>
+        <p:txBody>
+          <a:bodyPr wrap="none" lIns="50800" tIns="50800" rIns="50800" bIns="50800" anchor="ctr">
+            <a:spAutoFit/>
+          </a:bodyPr>
+          <a:lstStyle/>
+          <a:p>
+            <a:pPr/>
+            <a:r>
+              <a:t>f(n) = n/3</a:t>
+            </a:r>
+          </a:p>
+          <a:p>
+            <a:pPr/>
+            <a:r>
+              <a:t>O(f(n)) = </a:t>
+            </a:r>
+            <a:r>
+              <a:rPr b="1">
+                <a:solidFill>
+                  <a:schemeClr val="accent4">
+                    <a:hueOff val="102361"/>
+                    <a:satOff val="14118"/>
+                    <a:lumOff val="10675"/>
+                  </a:schemeClr>
+                </a:solidFill>
+              </a:rPr>
+              <a:t>O(n)</a:t>
             </a:r>
           </a:p>
         </p:txBody>
@@ -5727,8 +6013,8 @@
       </p:grpSpPr>
       <p:sp>
         <p:nvSpPr>
-          <p:cNvPr id="193" name="Shape 193"/>
-          <p:cNvSpPr/>
+          <p:cNvPr id="199" name="Big-O Examples"/>
+          <p:cNvSpPr txBox="1"/>
           <p:nvPr>
             <p:ph type="title"/>
           </p:nvPr>
@@ -5740,7 +6026,11 @@
         </p:spPr>
         <p:txBody>
           <a:bodyPr/>
-          <a:lstStyle/>
+          <a:lstStyle>
+            <a:lvl1pPr>
+              <a:defRPr b="1"/>
+            </a:lvl1pPr>
+          </a:lstStyle>
           <a:p>
             <a:pPr/>
             <a:r>
@@ -5751,14 +6041,14 @@
       </p:sp>
       <p:sp>
         <p:nvSpPr>
-          <p:cNvPr id="194" name="Shape 194"/>
-          <p:cNvSpPr/>
+          <p:cNvPr id="200" name="For (i := 0 ; i &lt; n; i = i + 1)"/>
+          <p:cNvSpPr txBox="1"/>
           <p:nvPr/>
         </p:nvSpPr>
         <p:spPr>
           <a:xfrm>
-            <a:off x="446564" y="5222561"/>
-            <a:ext cx="5848834" cy="3048001"/>
+            <a:off x="1464280" y="4508500"/>
+            <a:ext cx="8922545" cy="1143001"/>
           </a:xfrm>
           <a:prstGeom prst="rect">
             <a:avLst/>
@@ -5778,17 +6068,61 @@
           </a:bodyPr>
           <a:lstStyle/>
           <a:p>
-            <a:pPr algn="l">
-              <a:defRPr sz="5000"/>
-            </a:pPr>
-            <a:r>
-              <a:t>i := 0</a:t>
-            </a:r>
-          </a:p>
-          <a:p>
-            <a:pPr algn="l">
-              <a:defRPr sz="5000"/>
-            </a:pPr>
+            <a:pPr algn="l"/>
+            <a:r>
+              <a:rPr b="1">
+                <a:solidFill>
+                  <a:schemeClr val="accent5">
+                    <a:hueOff val="101205"/>
+                    <a:satOff val="-13598"/>
+                    <a:lumOff val="23877"/>
+                  </a:schemeClr>
+                </a:solidFill>
+              </a:rPr>
+              <a:t>For</a:t>
+            </a:r>
+            <a:r>
+              <a:t> (i := 0 ; i &lt; n; i = i + 1)</a:t>
+            </a:r>
+          </a:p>
+          <a:p>
+            <a:pPr algn="l"/>
+            <a:r>
+              <a:t>   </a:t>
+            </a:r>
+          </a:p>
+        </p:txBody>
+      </p:sp>
+      <p:sp>
+        <p:nvSpPr>
+          <p:cNvPr id="201" name="For (j := 0 ; j &lt; n; j = j + 1)"/>
+          <p:cNvSpPr txBox="1"/>
+          <p:nvPr/>
+        </p:nvSpPr>
+        <p:spPr>
+          <a:xfrm>
+            <a:off x="2617975" y="5141360"/>
+            <a:ext cx="8922545" cy="1143001"/>
+          </a:xfrm>
+          <a:prstGeom prst="rect">
+            <a:avLst/>
+          </a:prstGeom>
+          <a:ln w="12700">
+            <a:miter lim="400000"/>
+          </a:ln>
+          <a:extLst>
+            <a:ext uri="{C572A759-6A51-4108-AA02-DFA0A04FC94B}">
+              <ma14:wrappingTextBoxFlag xmlns:ma14="http://schemas.microsoft.com/office/mac/drawingml/2011/main" val="1"/>
+            </a:ext>
+          </a:extLst>
+        </p:spPr>
+        <p:txBody>
+          <a:bodyPr wrap="none" lIns="50800" tIns="50800" rIns="50800" bIns="50800" anchor="ctr">
+            <a:spAutoFit/>
+          </a:bodyPr>
+          <a:lstStyle/>
+          <a:p>
+            <a:pPr algn="l"/>
             <a:r>
               <a:rPr>
                 <a:solidFill>
@@ -5799,13 +6133,10 @@
                   </a:schemeClr>
                 </a:solidFill>
               </a:rPr>
-              <a:t>While</a:t>
-            </a:r>
-            <a:r>
-              <a:t> i &lt; n </a:t>
-            </a:r>
-            <a:r>
-              <a:rPr>
+              <a:t>F</a:t>
+            </a:r>
+            <a:r>
+              <a:rPr b="1">
                 <a:solidFill>
                   <a:schemeClr val="accent5">
                     <a:hueOff val="101205"/>
@@ -5814,21 +6145,14 @@
                   </a:schemeClr>
                 </a:solidFill>
               </a:rPr>
-              <a:t>Do</a:t>
-            </a:r>
-          </a:p>
-          <a:p>
-            <a:pPr algn="l">
-              <a:defRPr sz="5000"/>
-            </a:pPr>
-            <a:r>
-              <a:t>    i = i + 1</a:t>
-            </a:r>
-          </a:p>
-          <a:p>
-            <a:pPr algn="l">
-              <a:defRPr sz="5000"/>
-            </a:pPr>
+              <a:t>or</a:t>
+            </a:r>
+            <a:r>
+              <a:t> (j := 0 ; j &lt; n; j = j + 1)</a:t>
+            </a:r>
+          </a:p>
+          <a:p>
+            <a:pPr algn="l"/>
             <a:r>
               <a:t>   </a:t>
             </a:r>
@@ -5837,14 +6161,14 @@
       </p:sp>
       <p:sp>
         <p:nvSpPr>
-          <p:cNvPr id="195" name="Shape 195"/>
-          <p:cNvSpPr/>
+          <p:cNvPr id="202" name="For (i := 0 ; i &lt; n; i = i + 1)"/>
+          <p:cNvSpPr txBox="1"/>
           <p:nvPr/>
         </p:nvSpPr>
         <p:spPr>
           <a:xfrm>
-            <a:off x="924805" y="3312420"/>
-            <a:ext cx="11155190" cy="660401"/>
+            <a:off x="1464280" y="7423243"/>
+            <a:ext cx="8922545" cy="1143001"/>
           </a:xfrm>
           <a:prstGeom prst="rect">
             <a:avLst/>
@@ -5864,18 +6188,147 @@
           </a:bodyPr>
           <a:lstStyle/>
           <a:p>
-            <a:pPr>
-              <a:defRPr sz="3800"/>
-            </a:pPr>
-            <a:r>
-              <a:t>The following run in </a:t>
-            </a:r>
-            <a:r>
-              <a:rPr u="sng"/>
-              <a:t>linear</a:t>
-            </a:r>
-            <a:r>
-              <a:t> time: </a:t>
+            <a:pPr algn="l"/>
+            <a:r>
+              <a:rPr b="1">
+                <a:solidFill>
+                  <a:schemeClr val="accent5">
+                    <a:hueOff val="101205"/>
+                    <a:satOff val="-13598"/>
+                    <a:lumOff val="23877"/>
+                  </a:schemeClr>
+                </a:solidFill>
+              </a:rPr>
+              <a:t>For</a:t>
+            </a:r>
+            <a:r>
+              <a:t> (i := 0 ; i &lt; n; i = i + 1)</a:t>
+            </a:r>
+          </a:p>
+          <a:p>
+            <a:pPr algn="l"/>
+            <a:r>
+              <a:t>   </a:t>
+            </a:r>
+          </a:p>
+        </p:txBody>
+      </p:sp>
+      <p:sp>
+        <p:nvSpPr>
+          <p:cNvPr id="203" name="For (j := i ; j &lt; n; j = j + 1)"/>
+          <p:cNvSpPr txBox="1"/>
+          <p:nvPr/>
+        </p:nvSpPr>
+        <p:spPr>
+          <a:xfrm>
+            <a:off x="2617975" y="8109043"/>
+            <a:ext cx="8922545" cy="1143001"/>
+          </a:xfrm>
+          <a:prstGeom prst="rect">
+            <a:avLst/>
+          </a:prstGeom>
+          <a:ln w="12700">
+            <a:miter lim="400000"/>
+          </a:ln>
+          <a:extLst>
+            <a:ext uri="{C572A759-6A51-4108-AA02-DFA0A04FC94B}">
+              <ma14:wrappingTextBoxFlag xmlns:ma14="http://schemas.microsoft.com/office/mac/drawingml/2011/main" val="1"/>
+            </a:ext>
+          </a:extLst>
+        </p:spPr>
+        <p:txBody>
+          <a:bodyPr wrap="none" lIns="50800" tIns="50800" rIns="50800" bIns="50800" anchor="ctr">
+            <a:spAutoFit/>
+          </a:bodyPr>
+          <a:lstStyle/>
+          <a:p>
+            <a:pPr algn="l"/>
+            <a:r>
+              <a:rPr b="1">
+                <a:solidFill>
+                  <a:schemeClr val="accent5">
+                    <a:hueOff val="101205"/>
+                    <a:satOff val="-13598"/>
+                    <a:lumOff val="23877"/>
+                  </a:schemeClr>
+                </a:solidFill>
+              </a:rPr>
+              <a:t>For</a:t>
+            </a:r>
+            <a:r>
+              <a:t> (j := i ; j &lt; n; j = j + 1)</a:t>
+            </a:r>
+          </a:p>
+          <a:p>
+            <a:pPr algn="l"/>
+            <a:r>
+              <a:t>   </a:t>
+            </a:r>
+          </a:p>
+        </p:txBody>
+      </p:sp>
+      <p:sp>
+        <p:nvSpPr>
+          <p:cNvPr id="204" name="Both of the following run in quadratic time.…"/>
+          <p:cNvSpPr txBox="1"/>
+          <p:nvPr/>
+        </p:nvSpPr>
+        <p:spPr>
+          <a:xfrm>
+            <a:off x="114324" y="2050956"/>
+            <a:ext cx="12776151" cy="2184401"/>
+          </a:xfrm>
+          <a:prstGeom prst="rect">
+            <a:avLst/>
+          </a:prstGeom>
+          <a:ln w="12700">
+            <a:miter lim="400000"/>
+          </a:ln>
+          <a:extLst>
+            <a:ext uri="{C572A759-6A51-4108-AA02-DFA0A04FC94B}">
+              <ma14:wrappingTextBoxFlag xmlns:ma14="http://schemas.microsoft.com/office/mac/drawingml/2011/main" val="1"/>
+            </a:ext>
+          </a:extLst>
+        </p:spPr>
+        <p:txBody>
+          <a:bodyPr wrap="none" lIns="50800" tIns="50800" rIns="50800" bIns="50800" anchor="ctr">
+            <a:spAutoFit/>
+          </a:bodyPr>
+          <a:lstStyle/>
+          <a:p>
+            <a:pPr/>
+            <a:r>
+              <a:t>Both of the following run in quadratic time. </a:t>
+            </a:r>
+          </a:p>
+          <a:p>
+            <a:pPr/>
+            <a:r>
+              <a:t>The first may be obvious since </a:t>
+            </a:r>
+            <a:r>
+              <a:rPr i="1"/>
+              <a:t>n</a:t>
+            </a:r>
+            <a:r>
+              <a:t> work done</a:t>
+            </a:r>
+          </a:p>
+          <a:p>
+            <a:pPr/>
+            <a:r>
+              <a:rPr i="1"/>
+              <a:t>n</a:t>
+            </a:r>
+            <a:r>
+              <a:t> times is </a:t>
+            </a:r>
+            <a:r>
+              <a:rPr i="1"/>
+              <a:t>n*n</a:t>
+            </a:r>
+            <a:r>
+              <a:t> = </a:t>
             </a:r>
             <a:r>
               <a:rPr b="1">
@@ -5887,135 +6340,19 @@
                   </a:schemeClr>
                 </a:solidFill>
               </a:rPr>
-              <a:t>O(n)</a:t>
-            </a:r>
-          </a:p>
-        </p:txBody>
-      </p:sp>
-      <p:sp>
-        <p:nvSpPr>
-          <p:cNvPr id="196" name="Shape 196"/>
-          <p:cNvSpPr/>
-          <p:nvPr/>
-        </p:nvSpPr>
-        <p:spPr>
-          <a:xfrm>
-            <a:off x="7217402" y="5222561"/>
-            <a:ext cx="5848834" cy="3048001"/>
-          </a:xfrm>
-          <a:prstGeom prst="rect">
-            <a:avLst/>
-          </a:prstGeom>
-          <a:ln w="12700">
-            <a:miter lim="400000"/>
-          </a:ln>
-          <a:extLst>
-            <a:ext uri="{C572A759-6A51-4108-AA02-DFA0A04FC94B}">
-              <ma14:wrappingTextBoxFlag xmlns:ma14="http://schemas.microsoft.com/office/mac/drawingml/2011/main" val="1"/>
-            </a:ext>
-          </a:extLst>
-        </p:spPr>
-        <p:txBody>
-          <a:bodyPr wrap="none" lIns="50800" tIns="50800" rIns="50800" bIns="50800" anchor="ctr">
-            <a:spAutoFit/>
-          </a:bodyPr>
-          <a:lstStyle/>
-          <a:p>
-            <a:pPr algn="l">
-              <a:defRPr sz="5000"/>
-            </a:pPr>
-            <a:r>
-              <a:t>i := 0</a:t>
-            </a:r>
-          </a:p>
-          <a:p>
-            <a:pPr algn="l">
-              <a:defRPr sz="5000"/>
-            </a:pPr>
-            <a:r>
-              <a:rPr>
+              <a:t>O(n</a:t>
+            </a:r>
+            <a:r>
+              <a:rPr b="1" baseline="31999">
                 <a:solidFill>
-                  <a:schemeClr val="accent5">
-                    <a:hueOff val="101205"/>
-                    <a:satOff val="-13598"/>
-                    <a:lumOff val="23877"/>
+                  <a:schemeClr val="accent4">
+                    <a:hueOff val="102361"/>
+                    <a:satOff val="14118"/>
+                    <a:lumOff val="10675"/>
                   </a:schemeClr>
                 </a:solidFill>
               </a:rPr>
-              <a:t>While</a:t>
-            </a:r>
-            <a:r>
-              <a:t> i &lt; n </a:t>
-            </a:r>
-            <a:r>
-              <a:rPr>
-                <a:solidFill>
-                  <a:schemeClr val="accent5">
-                    <a:hueOff val="101205"/>
-                    <a:satOff val="-13598"/>
-                    <a:lumOff val="23877"/>
-                  </a:schemeClr>
-                </a:solidFill>
-              </a:rPr>
-              <a:t>Do</a:t>
-            </a:r>
-          </a:p>
-          <a:p>
-            <a:pPr algn="l">
-              <a:defRPr sz="5000"/>
-            </a:pPr>
-            <a:r>
-              <a:t>    i = i + 3</a:t>
-            </a:r>
-          </a:p>
-          <a:p>
-            <a:pPr algn="l">
-              <a:defRPr sz="5000"/>
-            </a:pPr>
-            <a:r>
-              <a:t>   </a:t>
-            </a:r>
-          </a:p>
-        </p:txBody>
-      </p:sp>
-      <p:sp>
-        <p:nvSpPr>
-          <p:cNvPr id="197" name="Shape 197"/>
-          <p:cNvSpPr/>
-          <p:nvPr/>
-        </p:nvSpPr>
-        <p:spPr>
-          <a:xfrm>
-            <a:off x="1387027" y="7980867"/>
-            <a:ext cx="3967908" cy="1143001"/>
-          </a:xfrm>
-          <a:prstGeom prst="rect">
-            <a:avLst/>
-          </a:prstGeom>
-          <a:ln w="12700">
-            <a:miter lim="400000"/>
-          </a:ln>
-          <a:extLst>
-            <a:ext uri="{C572A759-6A51-4108-AA02-DFA0A04FC94B}">
-              <ma14:wrappingTextBoxFlag xmlns:ma14="http://schemas.microsoft.com/office/mac/drawingml/2011/main" val="1"/>
-            </a:ext>
-          </a:extLst>
-        </p:spPr>
-        <p:txBody>
-          <a:bodyPr wrap="none" lIns="50800" tIns="50800" rIns="50800" bIns="50800" anchor="ctr">
-            <a:spAutoFit/>
-          </a:bodyPr>
-          <a:lstStyle/>
-          <a:p>
-            <a:pPr/>
-            <a:r>
-              <a:t>f(n) = n</a:t>
-            </a:r>
-          </a:p>
-          <a:p>
-            <a:pPr/>
-            <a:r>
-              <a:t>O(f(n)) = </a:t>
+              <a:t>2</a:t>
             </a:r>
             <a:r>
               <a:rPr b="1">
@@ -6027,21 +6364,24 @@
                   </a:schemeClr>
                 </a:solidFill>
               </a:rPr>
-              <a:t>O(n)</a:t>
-            </a:r>
-          </a:p>
-        </p:txBody>
-      </p:sp>
-      <p:sp>
-        <p:nvSpPr>
-          <p:cNvPr id="198" name="Shape 198"/>
-          <p:cNvSpPr/>
+              <a:t>)</a:t>
+            </a:r>
+            <a:r>
+              <a:t>, but what about the second one?</a:t>
+            </a:r>
+          </a:p>
+        </p:txBody>
+      </p:sp>
+      <p:sp>
+        <p:nvSpPr>
+          <p:cNvPr id="205" name="^ replaced 0 with i"/>
+          <p:cNvSpPr txBox="1"/>
           <p:nvPr/>
         </p:nvSpPr>
         <p:spPr>
           <a:xfrm>
-            <a:off x="8157865" y="7980867"/>
-            <a:ext cx="3967908" cy="1143001"/>
+            <a:off x="5396987" y="8746449"/>
+            <a:ext cx="5344195" cy="622301"/>
           </a:xfrm>
           <a:prstGeom prst="rect">
             <a:avLst/>
@@ -6059,17 +6399,56 @@
           <a:bodyPr wrap="none" lIns="50800" tIns="50800" rIns="50800" bIns="50800" anchor="ctr">
             <a:spAutoFit/>
           </a:bodyPr>
+          <a:lstStyle>
+            <a:lvl1pPr algn="l"/>
+          </a:lstStyle>
+          <a:p>
+            <a:pPr/>
+            <a:r>
+              <a:t>^ replaced 0 with i</a:t>
+            </a:r>
+          </a:p>
+        </p:txBody>
+      </p:sp>
+      <p:sp>
+        <p:nvSpPr>
+          <p:cNvPr id="206" name="f(n) = n*n = n2, O(f(n)) = O(n2)"/>
+          <p:cNvSpPr txBox="1"/>
+          <p:nvPr/>
+        </p:nvSpPr>
+        <p:spPr>
+          <a:xfrm>
+            <a:off x="2132880" y="6179753"/>
+            <a:ext cx="8739040" cy="622301"/>
+          </a:xfrm>
+          <a:prstGeom prst="rect">
+            <a:avLst/>
+          </a:prstGeom>
+          <a:ln w="12700">
+            <a:miter lim="400000"/>
+          </a:ln>
+          <a:extLst>
+            <a:ext uri="{C572A759-6A51-4108-AA02-DFA0A04FC94B}">
+              <ma14:wrappingTextBoxFlag xmlns:ma14="http://schemas.microsoft.com/office/mac/drawingml/2011/main" val="1"/>
+            </a:ext>
+          </a:extLst>
+        </p:spPr>
+        <p:txBody>
+          <a:bodyPr wrap="none" lIns="50800" tIns="50800" rIns="50800" bIns="50800" anchor="ctr">
+            <a:spAutoFit/>
+          </a:bodyPr>
           <a:lstStyle/>
           <a:p>
             <a:pPr/>
             <a:r>
-              <a:t>f(n) = n/3</a:t>
-            </a:r>
-          </a:p>
-          <a:p>
-            <a:pPr/>
-            <a:r>
-              <a:t>O(f(n)) = </a:t>
+              <a:t>f(n) = n*n = n</a:t>
+            </a:r>
+            <a:r>
+              <a:rPr baseline="31999"/>
+              <a:t>2</a:t>
+            </a:r>
+            <a:r>
+              <a:t>, O(f(n)) = </a:t>
             </a:r>
             <a:r>
               <a:rPr b="1">
@@ -6081,7 +6460,31 @@
                   </a:schemeClr>
                 </a:solidFill>
               </a:rPr>
-              <a:t>O(n)</a:t>
+              <a:t>O(n</a:t>
+            </a:r>
+            <a:r>
+              <a:rPr b="1" baseline="31999">
+                <a:solidFill>
+                  <a:schemeClr val="accent4">
+                    <a:hueOff val="102361"/>
+                    <a:satOff val="14118"/>
+                    <a:lumOff val="10675"/>
+                  </a:schemeClr>
+                </a:solidFill>
+              </a:rPr>
+              <a:t>2</a:t>
+            </a:r>
+            <a:r>
+              <a:rPr b="1">
+                <a:solidFill>
+                  <a:schemeClr val="accent4">
+                    <a:hueOff val="102361"/>
+                    <a:satOff val="14118"/>
+                    <a:lumOff val="10675"/>
+                  </a:schemeClr>
+                </a:solidFill>
+              </a:rPr>
+              <a:t>)</a:t>
             </a:r>
           </a:p>
         </p:txBody>
@@ -6114,8 +6517,8 @@
       </p:grpSpPr>
       <p:sp>
         <p:nvSpPr>
-          <p:cNvPr id="202" name="Shape 202"/>
-          <p:cNvSpPr/>
+          <p:cNvPr id="208" name="Big-O Examples"/>
+          <p:cNvSpPr txBox="1"/>
           <p:nvPr>
             <p:ph type="title"/>
           </p:nvPr>
@@ -6127,24 +6530,237 @@
         </p:spPr>
         <p:txBody>
           <a:bodyPr/>
+          <a:lstStyle>
+            <a:lvl1pPr>
+              <a:defRPr b="1"/>
+            </a:lvl1pPr>
+          </a:lstStyle>
+          <a:p>
+            <a:pPr/>
+            <a:r>
+              <a:t>Big-O Examples</a:t>
+            </a:r>
+          </a:p>
+        </p:txBody>
+      </p:sp>
+      <p:sp>
+        <p:nvSpPr>
+          <p:cNvPr id="209" name="For a moment just focus on the second loop.…"/>
+          <p:cNvSpPr txBox="1"/>
+          <p:nvPr/>
+        </p:nvSpPr>
+        <p:spPr>
+          <a:xfrm>
+            <a:off x="585607" y="2284796"/>
+            <a:ext cx="11833586" cy="4673601"/>
+          </a:xfrm>
+          <a:prstGeom prst="rect">
+            <a:avLst/>
+          </a:prstGeom>
+          <a:ln w="12700">
+            <a:miter lim="400000"/>
+          </a:ln>
+          <a:extLst>
+            <a:ext uri="{C572A759-6A51-4108-AA02-DFA0A04FC94B}">
+              <ma14:wrappingTextBoxFlag xmlns:ma14="http://schemas.microsoft.com/office/mac/drawingml/2011/main" val="1"/>
+            </a:ext>
+          </a:extLst>
+        </p:spPr>
+        <p:txBody>
+          <a:bodyPr lIns="50800" tIns="50800" rIns="50800" bIns="50800" anchor="ctr">
+            <a:spAutoFit/>
+          </a:bodyPr>
           <a:lstStyle/>
           <a:p>
-            <a:pPr/>
-            <a:r>
-              <a:t>Big-O Examples</a:t>
-            </a:r>
-          </a:p>
-        </p:txBody>
-      </p:sp>
-      <p:sp>
-        <p:nvSpPr>
-          <p:cNvPr id="203" name="Shape 203"/>
-          <p:cNvSpPr/>
+            <a:pPr>
+              <a:defRPr sz="3100"/>
+            </a:pPr>
+            <a:r>
+              <a:t>For a moment just focus on the second loop.</a:t>
+            </a:r>
+          </a:p>
+          <a:p>
+            <a:pPr>
+              <a:defRPr sz="3100"/>
+            </a:pPr>
+            <a:r>
+              <a:t>Since </a:t>
+            </a:r>
+            <a:r>
+              <a:rPr i="1"/>
+              <a:t>i</a:t>
+            </a:r>
+            <a:r>
+              <a:t> goes from [0,n) the amount of looping</a:t>
+            </a:r>
+          </a:p>
+          <a:p>
+            <a:pPr>
+              <a:defRPr sz="3100"/>
+            </a:pPr>
+            <a:r>
+              <a:t>done is directly determined by what </a:t>
+            </a:r>
+            <a:r>
+              <a:rPr i="1"/>
+              <a:t>i</a:t>
+            </a:r>
+            <a:r>
+              <a:t> is.</a:t>
+            </a:r>
+          </a:p>
+          <a:p>
+            <a:pPr>
+              <a:defRPr sz="3100"/>
+            </a:pPr>
+            <a:r>
+              <a:t>Remark that if </a:t>
+            </a:r>
+            <a:r>
+              <a:rPr b="1" i="1"/>
+              <a:t>i=0</a:t>
+            </a:r>
+            <a:r>
+              <a:t>, we do </a:t>
+            </a:r>
+            <a:r>
+              <a:rPr i="1"/>
+              <a:t>n</a:t>
+            </a:r>
+            <a:r>
+              <a:t> work, if </a:t>
+            </a:r>
+            <a:r>
+              <a:rPr i="1"/>
+              <a:t>i=1</a:t>
+            </a:r>
+            <a:r>
+              <a:t>, we do </a:t>
+            </a:r>
+            <a:r>
+              <a:rPr i="1"/>
+              <a:t>n-1</a:t>
+            </a:r>
+            <a:r>
+              <a:t> work, if </a:t>
+            </a:r>
+            <a:r>
+              <a:rPr i="1"/>
+              <a:t>i=2</a:t>
+            </a:r>
+            <a:r>
+              <a:t>, we do </a:t>
+            </a:r>
+            <a:r>
+              <a:rPr i="1"/>
+              <a:t>n-2</a:t>
+            </a:r>
+            <a:r>
+              <a:t> work, etc…</a:t>
+            </a:r>
+          </a:p>
+          <a:p>
+            <a:pPr>
+              <a:defRPr sz="3100"/>
+            </a:pPr>
+          </a:p>
+          <a:p>
+            <a:pPr>
+              <a:defRPr sz="3100"/>
+            </a:pPr>
+            <a:r>
+              <a:t>So the question then becomes what is:</a:t>
+            </a:r>
+          </a:p>
+          <a:p>
+            <a:pPr>
+              <a:defRPr sz="3100"/>
+            </a:pPr>
+            <a:r>
+              <a:rPr i="1"/>
+              <a:t>(n) + (n-1) + (n-2) + (n-3) + … + 3 + 2 + 1</a:t>
+            </a:r>
+            <a:r>
+              <a:t>?</a:t>
+            </a:r>
+          </a:p>
+          <a:p>
+            <a:pPr>
+              <a:defRPr sz="3100"/>
+            </a:pPr>
+            <a:r>
+              <a:t>Remarkably this turns out to be </a:t>
+            </a:r>
+            <a:r>
+              <a:rPr i="1"/>
+              <a:t>n(n+1)/2</a:t>
+            </a:r>
+            <a:r>
+              <a:t>, so</a:t>
+            </a:r>
+          </a:p>
+          <a:p>
+            <a:pPr>
+              <a:defRPr sz="3100"/>
+            </a:pPr>
+            <a:r>
+              <a:t>O(n(n+1)/2) = O(n</a:t>
+            </a:r>
+            <a:r>
+              <a:rPr baseline="31999"/>
+              <a:t>2</a:t>
+            </a:r>
+            <a:r>
+              <a:t>/2 + n/2) = </a:t>
+            </a:r>
+            <a:r>
+              <a:rPr b="1">
+                <a:solidFill>
+                  <a:schemeClr val="accent4">
+                    <a:hueOff val="102361"/>
+                    <a:satOff val="14118"/>
+                    <a:lumOff val="10675"/>
+                  </a:schemeClr>
+                </a:solidFill>
+              </a:rPr>
+              <a:t>O(n</a:t>
+            </a:r>
+            <a:r>
+              <a:rPr b="1" baseline="31999">
+                <a:solidFill>
+                  <a:schemeClr val="accent4">
+                    <a:hueOff val="102361"/>
+                    <a:satOff val="14118"/>
+                    <a:lumOff val="10675"/>
+                  </a:schemeClr>
+                </a:solidFill>
+              </a:rPr>
+              <a:t>2</a:t>
+            </a:r>
+            <a:r>
+              <a:rPr b="1">
+                <a:solidFill>
+                  <a:schemeClr val="accent4">
+                    <a:hueOff val="102361"/>
+                    <a:satOff val="14118"/>
+                    <a:lumOff val="10675"/>
+                  </a:schemeClr>
+                </a:solidFill>
+              </a:rPr>
+              <a:t>)</a:t>
+            </a:r>
+          </a:p>
+        </p:txBody>
+      </p:sp>
+      <p:sp>
+        <p:nvSpPr>
+          <p:cNvPr id="210" name="For (i := 0 ; i &lt; n; i = i + 1)"/>
+          <p:cNvSpPr txBox="1"/>
           <p:nvPr/>
         </p:nvSpPr>
         <p:spPr>
           <a:xfrm>
-            <a:off x="1464280" y="4508500"/>
+            <a:off x="1464280" y="7461343"/>
             <a:ext cx="8922545" cy="1143001"/>
           </a:xfrm>
           <a:prstGeom prst="rect">
@@ -6192,79 +6808,13 @@
       </p:sp>
       <p:sp>
         <p:nvSpPr>
-          <p:cNvPr id="204" name="Shape 204"/>
-          <p:cNvSpPr/>
+          <p:cNvPr id="211" name="For (j := i ; j &lt; n; j = j + 1)"/>
+          <p:cNvSpPr txBox="1"/>
           <p:nvPr/>
         </p:nvSpPr>
         <p:spPr>
           <a:xfrm>
-            <a:off x="2617975" y="5141360"/>
-            <a:ext cx="8922545" cy="1143001"/>
-          </a:xfrm>
-          <a:prstGeom prst="rect">
-            <a:avLst/>
-          </a:prstGeom>
-          <a:ln w="12700">
-            <a:miter lim="400000"/>
-          </a:ln>
-          <a:extLst>
-            <a:ext uri="{C572A759-6A51-4108-AA02-DFA0A04FC94B}">
-              <ma14:wrappingTextBoxFlag xmlns:ma14="http://schemas.microsoft.com/office/mac/drawingml/2011/main" val="1"/>
-            </a:ext>
-          </a:extLst>
-        </p:spPr>
-        <p:txBody>
-          <a:bodyPr wrap="none" lIns="50800" tIns="50800" rIns="50800" bIns="50800" anchor="ctr">
-            <a:spAutoFit/>
-          </a:bodyPr>
-          <a:lstStyle/>
-          <a:p>
-            <a:pPr algn="l"/>
-            <a:r>
-              <a:rPr>
-                <a:solidFill>
-                  <a:schemeClr val="accent5">
-                    <a:hueOff val="101205"/>
-                    <a:satOff val="-13598"/>
-                    <a:lumOff val="23877"/>
-                  </a:schemeClr>
-                </a:solidFill>
-              </a:rPr>
-              <a:t>F</a:t>
-            </a:r>
-            <a:r>
-              <a:rPr b="1">
-                <a:solidFill>
-                  <a:schemeClr val="accent5">
-                    <a:hueOff val="101205"/>
-                    <a:satOff val="-13598"/>
-                    <a:lumOff val="23877"/>
-                  </a:schemeClr>
-                </a:solidFill>
-              </a:rPr>
-              <a:t>or</a:t>
-            </a:r>
-            <a:r>
-              <a:t> (j := 0 ; j &lt; n; j = j + 1)</a:t>
-            </a:r>
-          </a:p>
-          <a:p>
-            <a:pPr algn="l"/>
-            <a:r>
-              <a:t>   </a:t>
-            </a:r>
-          </a:p>
-        </p:txBody>
-      </p:sp>
-      <p:sp>
-        <p:nvSpPr>
-          <p:cNvPr id="205" name="Shape 205"/>
-          <p:cNvSpPr/>
-          <p:nvPr/>
-        </p:nvSpPr>
-        <p:spPr>
-          <a:xfrm>
-            <a:off x="1464280" y="7423243"/>
+            <a:off x="2617975" y="8109043"/>
             <a:ext cx="8922545" cy="1143001"/>
           </a:xfrm>
           <a:prstGeom prst="rect">
@@ -6299,289 +6849,13 @@
               <a:t>For</a:t>
             </a:r>
             <a:r>
-              <a:t> (i := 0 ; i &lt; n; i = i + 1)</a:t>
+              <a:t> (j := i ; j &lt; n; j = j + 1)</a:t>
             </a:r>
           </a:p>
           <a:p>
             <a:pPr algn="l"/>
             <a:r>
               <a:t>   </a:t>
-            </a:r>
-          </a:p>
-        </p:txBody>
-      </p:sp>
-      <p:sp>
-        <p:nvSpPr>
-          <p:cNvPr id="206" name="Shape 206"/>
-          <p:cNvSpPr/>
-          <p:nvPr/>
-        </p:nvSpPr>
-        <p:spPr>
-          <a:xfrm>
-            <a:off x="2617975" y="8109043"/>
-            <a:ext cx="8922545" cy="1143001"/>
-          </a:xfrm>
-          <a:prstGeom prst="rect">
-            <a:avLst/>
-          </a:prstGeom>
-          <a:ln w="12700">
-            <a:miter lim="400000"/>
-          </a:ln>
-          <a:extLst>
-            <a:ext uri="{C572A759-6A51-4108-AA02-DFA0A04FC94B}">
-              <ma14:wrappingTextBoxFlag xmlns:ma14="http://schemas.microsoft.com/office/mac/drawingml/2011/main" val="1"/>
-            </a:ext>
-          </a:extLst>
-        </p:spPr>
-        <p:txBody>
-          <a:bodyPr wrap="none" lIns="50800" tIns="50800" rIns="50800" bIns="50800" anchor="ctr">
-            <a:spAutoFit/>
-          </a:bodyPr>
-          <a:lstStyle/>
-          <a:p>
-            <a:pPr algn="l"/>
-            <a:r>
-              <a:rPr b="1">
-                <a:solidFill>
-                  <a:schemeClr val="accent5">
-                    <a:hueOff val="101205"/>
-                    <a:satOff val="-13598"/>
-                    <a:lumOff val="23877"/>
-                  </a:schemeClr>
-                </a:solidFill>
-              </a:rPr>
-              <a:t>For</a:t>
-            </a:r>
-            <a:r>
-              <a:t> (j := i ; j &lt; n; j = j + 1)</a:t>
-            </a:r>
-          </a:p>
-          <a:p>
-            <a:pPr algn="l"/>
-            <a:r>
-              <a:t>   </a:t>
-            </a:r>
-          </a:p>
-        </p:txBody>
-      </p:sp>
-      <p:sp>
-        <p:nvSpPr>
-          <p:cNvPr id="207" name="Shape 207"/>
-          <p:cNvSpPr/>
-          <p:nvPr/>
-        </p:nvSpPr>
-        <p:spPr>
-          <a:xfrm>
-            <a:off x="114324" y="2050956"/>
-            <a:ext cx="12776151" cy="2184401"/>
-          </a:xfrm>
-          <a:prstGeom prst="rect">
-            <a:avLst/>
-          </a:prstGeom>
-          <a:ln w="12700">
-            <a:miter lim="400000"/>
-          </a:ln>
-          <a:extLst>
-            <a:ext uri="{C572A759-6A51-4108-AA02-DFA0A04FC94B}">
-              <ma14:wrappingTextBoxFlag xmlns:ma14="http://schemas.microsoft.com/office/mac/drawingml/2011/main" val="1"/>
-            </a:ext>
-          </a:extLst>
-        </p:spPr>
-        <p:txBody>
-          <a:bodyPr wrap="none" lIns="50800" tIns="50800" rIns="50800" bIns="50800" anchor="ctr">
-            <a:spAutoFit/>
-          </a:bodyPr>
-          <a:lstStyle/>
-          <a:p>
-            <a:pPr/>
-            <a:r>
-              <a:t>Both of the following run in quadratic time. </a:t>
-            </a:r>
-          </a:p>
-          <a:p>
-            <a:pPr/>
-            <a:r>
-              <a:t>The first may be obvious since </a:t>
-            </a:r>
-            <a:r>
-              <a:rPr i="1"/>
-              <a:t>n</a:t>
-            </a:r>
-            <a:r>
-              <a:t> work done</a:t>
-            </a:r>
-          </a:p>
-          <a:p>
-            <a:pPr/>
-            <a:r>
-              <a:rPr i="1"/>
-              <a:t>n</a:t>
-            </a:r>
-            <a:r>
-              <a:t> times is </a:t>
-            </a:r>
-            <a:r>
-              <a:rPr i="1"/>
-              <a:t>n*n</a:t>
-            </a:r>
-            <a:r>
-              <a:t> = </a:t>
-            </a:r>
-            <a:r>
-              <a:rPr b="1">
-                <a:solidFill>
-                  <a:schemeClr val="accent4">
-                    <a:hueOff val="102361"/>
-                    <a:satOff val="14118"/>
-                    <a:lumOff val="10675"/>
-                  </a:schemeClr>
-                </a:solidFill>
-              </a:rPr>
-              <a:t>O(n</a:t>
-            </a:r>
-            <a:r>
-              <a:rPr b="1" baseline="31999">
-                <a:solidFill>
-                  <a:schemeClr val="accent4">
-                    <a:hueOff val="102361"/>
-                    <a:satOff val="14118"/>
-                    <a:lumOff val="10675"/>
-                  </a:schemeClr>
-                </a:solidFill>
-              </a:rPr>
-              <a:t>2</a:t>
-            </a:r>
-            <a:r>
-              <a:rPr b="1">
-                <a:solidFill>
-                  <a:schemeClr val="accent4">
-                    <a:hueOff val="102361"/>
-                    <a:satOff val="14118"/>
-                    <a:lumOff val="10675"/>
-                  </a:schemeClr>
-                </a:solidFill>
-              </a:rPr>
-              <a:t>)</a:t>
-            </a:r>
-            <a:r>
-              <a:t>, but what about the second one?</a:t>
-            </a:r>
-          </a:p>
-        </p:txBody>
-      </p:sp>
-      <p:sp>
-        <p:nvSpPr>
-          <p:cNvPr id="208" name="Shape 208"/>
-          <p:cNvSpPr/>
-          <p:nvPr/>
-        </p:nvSpPr>
-        <p:spPr>
-          <a:xfrm>
-            <a:off x="5396987" y="8746449"/>
-            <a:ext cx="5344195" cy="622301"/>
-          </a:xfrm>
-          <a:prstGeom prst="rect">
-            <a:avLst/>
-          </a:prstGeom>
-          <a:ln w="12700">
-            <a:miter lim="400000"/>
-          </a:ln>
-          <a:extLst>
-            <a:ext uri="{C572A759-6A51-4108-AA02-DFA0A04FC94B}">
-              <ma14:wrappingTextBoxFlag xmlns:ma14="http://schemas.microsoft.com/office/mac/drawingml/2011/main" val="1"/>
-            </a:ext>
-          </a:extLst>
-        </p:spPr>
-        <p:txBody>
-          <a:bodyPr wrap="none" lIns="50800" tIns="50800" rIns="50800" bIns="50800" anchor="ctr">
-            <a:spAutoFit/>
-          </a:bodyPr>
-          <a:lstStyle>
-            <a:lvl1pPr algn="l"/>
-          </a:lstStyle>
-          <a:p>
-            <a:pPr/>
-            <a:r>
-              <a:t>^ replaced 0 with i</a:t>
-            </a:r>
-          </a:p>
-        </p:txBody>
-      </p:sp>
-      <p:sp>
-        <p:nvSpPr>
-          <p:cNvPr id="209" name="Shape 209"/>
-          <p:cNvSpPr/>
-          <p:nvPr/>
-        </p:nvSpPr>
-        <p:spPr>
-          <a:xfrm>
-            <a:off x="2132880" y="6179753"/>
-            <a:ext cx="8739040" cy="622301"/>
-          </a:xfrm>
-          <a:prstGeom prst="rect">
-            <a:avLst/>
-          </a:prstGeom>
-          <a:ln w="12700">
-            <a:miter lim="400000"/>
-          </a:ln>
-          <a:extLst>
-            <a:ext uri="{C572A759-6A51-4108-AA02-DFA0A04FC94B}">
-              <ma14:wrappingTextBoxFlag xmlns:ma14="http://schemas.microsoft.com/office/mac/drawingml/2011/main" val="1"/>
-            </a:ext>
-          </a:extLst>
-        </p:spPr>
-        <p:txBody>
-          <a:bodyPr wrap="none" lIns="50800" tIns="50800" rIns="50800" bIns="50800" anchor="ctr">
-            <a:spAutoFit/>
-          </a:bodyPr>
-          <a:lstStyle/>
-          <a:p>
-            <a:pPr/>
-            <a:r>
-              <a:t>f(n) = n*n = n</a:t>
-            </a:r>
-            <a:r>
-              <a:rPr baseline="31999"/>
-              <a:t>2</a:t>
-            </a:r>
-            <a:r>
-              <a:t>, O(f(n)) = </a:t>
-            </a:r>
-            <a:r>
-              <a:rPr b="1">
-                <a:solidFill>
-                  <a:schemeClr val="accent4">
-                    <a:hueOff val="102361"/>
-                    <a:satOff val="14118"/>
-                    <a:lumOff val="10675"/>
-                  </a:schemeClr>
-                </a:solidFill>
-              </a:rPr>
-              <a:t>O(n</a:t>
-            </a:r>
-            <a:r>
-              <a:rPr b="1" baseline="31999">
-                <a:solidFill>
-                  <a:schemeClr val="accent4">
-                    <a:hueOff val="102361"/>
-                    <a:satOff val="14118"/>
-                    <a:lumOff val="10675"/>
-                  </a:schemeClr>
-                </a:solidFill>
-              </a:rPr>
-              <a:t>2</a:t>
-            </a:r>
-            <a:r>
-              <a:rPr b="1">
-                <a:solidFill>
-                  <a:schemeClr val="accent4">
-                    <a:hueOff val="102361"/>
-                    <a:satOff val="14118"/>
-                    <a:lumOff val="10675"/>
-                  </a:schemeClr>
-                </a:solidFill>
-              </a:rPr>
-              <a:t>)</a:t>
             </a:r>
           </a:p>
         </p:txBody>
@@ -6614,8 +6888,8 @@
       </p:grpSpPr>
       <p:sp>
         <p:nvSpPr>
-          <p:cNvPr id="211" name="Shape 211"/>
-          <p:cNvSpPr/>
+          <p:cNvPr id="213" name="Big-O Examples"/>
+          <p:cNvSpPr txBox="1"/>
           <p:nvPr>
             <p:ph type="title"/>
           </p:nvPr>
@@ -6627,7 +6901,11 @@
         </p:spPr>
         <p:txBody>
           <a:bodyPr/>
-          <a:lstStyle/>
+          <a:lstStyle>
+            <a:lvl1pPr>
+              <a:defRPr b="1"/>
+            </a:lvl1pPr>
+          </a:lstStyle>
           <a:p>
             <a:pPr/>
             <a:r>
@@ -6638,14 +6916,14 @@
       </p:sp>
       <p:sp>
         <p:nvSpPr>
-          <p:cNvPr id="212" name="Shape 212"/>
-          <p:cNvSpPr/>
+          <p:cNvPr id="214" name="Suppose we have a sorted array and we want to find the index of a particular value in the array, if it exists. What is the time complexity of the following algorithm?"/>
+          <p:cNvSpPr txBox="1"/>
           <p:nvPr/>
         </p:nvSpPr>
         <p:spPr>
           <a:xfrm>
-            <a:off x="585607" y="2284796"/>
-            <a:ext cx="11833586" cy="4673601"/>
+            <a:off x="585607" y="2280626"/>
+            <a:ext cx="11833586" cy="1930401"/>
           </a:xfrm>
           <a:prstGeom prst="rect">
             <a:avLst/>
@@ -6663,373 +6941,6 @@
           <a:bodyPr lIns="50800" tIns="50800" rIns="50800" bIns="50800" anchor="ctr">
             <a:spAutoFit/>
           </a:bodyPr>
-          <a:lstStyle/>
-          <a:p>
-            <a:pPr>
-              <a:defRPr sz="3100"/>
-            </a:pPr>
-            <a:r>
-              <a:t>For a moment just focus on the second loop.</a:t>
-            </a:r>
-          </a:p>
-          <a:p>
-            <a:pPr>
-              <a:defRPr sz="3100"/>
-            </a:pPr>
-            <a:r>
-              <a:t>Since </a:t>
-            </a:r>
-            <a:r>
-              <a:rPr i="1"/>
-              <a:t>i</a:t>
-            </a:r>
-            <a:r>
-              <a:t> goes from [0,n) the amount of looping</a:t>
-            </a:r>
-          </a:p>
-          <a:p>
-            <a:pPr>
-              <a:defRPr sz="3100"/>
-            </a:pPr>
-            <a:r>
-              <a:t>done is directly determined by what </a:t>
-            </a:r>
-            <a:r>
-              <a:rPr i="1"/>
-              <a:t>i</a:t>
-            </a:r>
-            <a:r>
-              <a:t> is.</a:t>
-            </a:r>
-          </a:p>
-          <a:p>
-            <a:pPr>
-              <a:defRPr sz="3100"/>
-            </a:pPr>
-            <a:r>
-              <a:t>Remark that if </a:t>
-            </a:r>
-            <a:r>
-              <a:rPr b="1" i="1"/>
-              <a:t>i=0</a:t>
-            </a:r>
-            <a:r>
-              <a:t>, we do </a:t>
-            </a:r>
-            <a:r>
-              <a:rPr i="1"/>
-              <a:t>n</a:t>
-            </a:r>
-            <a:r>
-              <a:t> work, if </a:t>
-            </a:r>
-            <a:r>
-              <a:rPr i="1"/>
-              <a:t>i=1</a:t>
-            </a:r>
-            <a:r>
-              <a:t>, we do </a:t>
-            </a:r>
-            <a:r>
-              <a:rPr i="1"/>
-              <a:t>n-1</a:t>
-            </a:r>
-            <a:r>
-              <a:t> work, if </a:t>
-            </a:r>
-            <a:r>
-              <a:rPr i="1"/>
-              <a:t>i=2</a:t>
-            </a:r>
-            <a:r>
-              <a:t>, we do </a:t>
-            </a:r>
-            <a:r>
-              <a:rPr i="1"/>
-              <a:t>n-2</a:t>
-            </a:r>
-            <a:r>
-              <a:t> work, etc…</a:t>
-            </a:r>
-          </a:p>
-          <a:p>
-            <a:pPr>
-              <a:defRPr sz="3100"/>
-            </a:pPr>
-          </a:p>
-          <a:p>
-            <a:pPr>
-              <a:defRPr sz="3100"/>
-            </a:pPr>
-            <a:r>
-              <a:t>So the question then becomes what is:</a:t>
-            </a:r>
-          </a:p>
-          <a:p>
-            <a:pPr>
-              <a:defRPr sz="3100"/>
-            </a:pPr>
-            <a:r>
-              <a:rPr i="1"/>
-              <a:t>(n) + (n-1) + (n-2) + (n-3) + … + 3 + 2 + 1</a:t>
-            </a:r>
-            <a:r>
-              <a:t>?</a:t>
-            </a:r>
-          </a:p>
-          <a:p>
-            <a:pPr>
-              <a:defRPr sz="3100"/>
-            </a:pPr>
-            <a:r>
-              <a:t>Remarkably this turns out to be </a:t>
-            </a:r>
-            <a:r>
-              <a:rPr i="1"/>
-              <a:t>n(n+1)/2</a:t>
-            </a:r>
-            <a:r>
-              <a:t>, so</a:t>
-            </a:r>
-          </a:p>
-          <a:p>
-            <a:pPr>
-              <a:defRPr sz="3100"/>
-            </a:pPr>
-            <a:r>
-              <a:t>O(n(n+1)/2) = O(n</a:t>
-            </a:r>
-            <a:r>
-              <a:rPr baseline="31999"/>
-              <a:t>2</a:t>
-            </a:r>
-            <a:r>
-              <a:t>/2 + n/2) = </a:t>
-            </a:r>
-            <a:r>
-              <a:rPr b="1">
-                <a:solidFill>
-                  <a:schemeClr val="accent4">
-                    <a:hueOff val="102361"/>
-                    <a:satOff val="14118"/>
-                    <a:lumOff val="10675"/>
-                  </a:schemeClr>
-                </a:solidFill>
-              </a:rPr>
-              <a:t>O(n</a:t>
-            </a:r>
-            <a:r>
-              <a:rPr b="1" baseline="31999">
-                <a:solidFill>
-                  <a:schemeClr val="accent4">
-                    <a:hueOff val="102361"/>
-                    <a:satOff val="14118"/>
-                    <a:lumOff val="10675"/>
-                  </a:schemeClr>
-                </a:solidFill>
-              </a:rPr>
-              <a:t>2</a:t>
-            </a:r>
-            <a:r>
-              <a:rPr b="1">
-                <a:solidFill>
-                  <a:schemeClr val="accent4">
-                    <a:hueOff val="102361"/>
-                    <a:satOff val="14118"/>
-                    <a:lumOff val="10675"/>
-                  </a:schemeClr>
-                </a:solidFill>
-              </a:rPr>
-              <a:t>)</a:t>
-            </a:r>
-          </a:p>
-        </p:txBody>
-      </p:sp>
-      <p:sp>
-        <p:nvSpPr>
-          <p:cNvPr id="213" name="Shape 213"/>
-          <p:cNvSpPr/>
-          <p:nvPr/>
-        </p:nvSpPr>
-        <p:spPr>
-          <a:xfrm>
-            <a:off x="1464280" y="7461343"/>
-            <a:ext cx="8922545" cy="1143001"/>
-          </a:xfrm>
-          <a:prstGeom prst="rect">
-            <a:avLst/>
-          </a:prstGeom>
-          <a:ln w="12700">
-            <a:miter lim="400000"/>
-          </a:ln>
-          <a:extLst>
-            <a:ext uri="{C572A759-6A51-4108-AA02-DFA0A04FC94B}">
-              <ma14:wrappingTextBoxFlag xmlns:ma14="http://schemas.microsoft.com/office/mac/drawingml/2011/main" val="1"/>
-            </a:ext>
-          </a:extLst>
-        </p:spPr>
-        <p:txBody>
-          <a:bodyPr wrap="none" lIns="50800" tIns="50800" rIns="50800" bIns="50800" anchor="ctr">
-            <a:spAutoFit/>
-          </a:bodyPr>
-          <a:lstStyle/>
-          <a:p>
-            <a:pPr algn="l"/>
-            <a:r>
-              <a:rPr b="1">
-                <a:solidFill>
-                  <a:schemeClr val="accent5">
-                    <a:hueOff val="101205"/>
-                    <a:satOff val="-13598"/>
-                    <a:lumOff val="23877"/>
-                  </a:schemeClr>
-                </a:solidFill>
-              </a:rPr>
-              <a:t>For</a:t>
-            </a:r>
-            <a:r>
-              <a:t> (i := 0 ; i &lt; n; i = i + 1)</a:t>
-            </a:r>
-          </a:p>
-          <a:p>
-            <a:pPr algn="l"/>
-            <a:r>
-              <a:t>   </a:t>
-            </a:r>
-          </a:p>
-        </p:txBody>
-      </p:sp>
-      <p:sp>
-        <p:nvSpPr>
-          <p:cNvPr id="214" name="Shape 214"/>
-          <p:cNvSpPr/>
-          <p:nvPr/>
-        </p:nvSpPr>
-        <p:spPr>
-          <a:xfrm>
-            <a:off x="2617975" y="8109043"/>
-            <a:ext cx="8922545" cy="1143001"/>
-          </a:xfrm>
-          <a:prstGeom prst="rect">
-            <a:avLst/>
-          </a:prstGeom>
-          <a:ln w="12700">
-            <a:miter lim="400000"/>
-          </a:ln>
-          <a:extLst>
-            <a:ext uri="{C572A759-6A51-4108-AA02-DFA0A04FC94B}">
-              <ma14:wrappingTextBoxFlag xmlns:ma14="http://schemas.microsoft.com/office/mac/drawingml/2011/main" val="1"/>
-            </a:ext>
-          </a:extLst>
-        </p:spPr>
-        <p:txBody>
-          <a:bodyPr wrap="none" lIns="50800" tIns="50800" rIns="50800" bIns="50800" anchor="ctr">
-            <a:spAutoFit/>
-          </a:bodyPr>
-          <a:lstStyle/>
-          <a:p>
-            <a:pPr algn="l"/>
-            <a:r>
-              <a:rPr b="1">
-                <a:solidFill>
-                  <a:schemeClr val="accent5">
-                    <a:hueOff val="101205"/>
-                    <a:satOff val="-13598"/>
-                    <a:lumOff val="23877"/>
-                  </a:schemeClr>
-                </a:solidFill>
-              </a:rPr>
-              <a:t>For</a:t>
-            </a:r>
-            <a:r>
-              <a:t> (j := i ; j &lt; n; j = j + 1)</a:t>
-            </a:r>
-          </a:p>
-          <a:p>
-            <a:pPr algn="l"/>
-            <a:r>
-              <a:t>   </a:t>
-            </a:r>
-          </a:p>
-        </p:txBody>
-      </p:sp>
-    </p:spTree>
-  </p:cSld>
-  <p:clrMapOvr>
-    <a:masterClrMapping/>
-  </p:clrMapOvr>
-  <p:transition xmlns:p14="http://schemas.microsoft.com/office/powerpoint/2010/main" spd="med" advClick="1"/>
-</p:sld>
-</file>
-
-<file path=ppt/slides/slide18.xml><?xml version="1.0" encoding="utf-8"?>
-<p:sld xmlns:a="http://schemas.openxmlformats.org/drawingml/2006/main" xmlns:r="http://schemas.openxmlformats.org/officeDocument/2006/relationships" xmlns:p="http://schemas.openxmlformats.org/presentationml/2006/main" showMasterSp="1" showMasterPhAnim="1">
-  <p:cSld>
-    <p:spTree>
-      <p:nvGrpSpPr>
-        <p:cNvPr id="1" name=""/>
-        <p:cNvGrpSpPr/>
-        <p:nvPr/>
-      </p:nvGrpSpPr>
-      <p:grpSpPr>
-        <a:xfrm>
-          <a:off x="0" y="0"/>
-          <a:ext cx="0" cy="0"/>
-          <a:chOff x="0" y="0"/>
-          <a:chExt cx="0" cy="0"/>
-        </a:xfrm>
-      </p:grpSpPr>
-      <p:sp>
-        <p:nvSpPr>
-          <p:cNvPr id="216" name="Shape 216"/>
-          <p:cNvSpPr/>
-          <p:nvPr>
-            <p:ph type="title"/>
-          </p:nvPr>
-        </p:nvSpPr>
-        <p:spPr>
-          <a:prstGeom prst="rect">
-            <a:avLst/>
-          </a:prstGeom>
-        </p:spPr>
-        <p:txBody>
-          <a:bodyPr/>
-          <a:lstStyle/>
-          <a:p>
-            <a:pPr/>
-            <a:r>
-              <a:t>Big-O Examples</a:t>
-            </a:r>
-          </a:p>
-        </p:txBody>
-      </p:sp>
-      <p:sp>
-        <p:nvSpPr>
-          <p:cNvPr id="217" name="Shape 217"/>
-          <p:cNvSpPr/>
-          <p:nvPr/>
-        </p:nvSpPr>
-        <p:spPr>
-          <a:xfrm>
-            <a:off x="585607" y="2280626"/>
-            <a:ext cx="11833586" cy="1930401"/>
-          </a:xfrm>
-          <a:prstGeom prst="rect">
-            <a:avLst/>
-          </a:prstGeom>
-          <a:ln w="12700">
-            <a:miter lim="400000"/>
-          </a:ln>
-          <a:extLst>
-            <a:ext uri="{C572A759-6A51-4108-AA02-DFA0A04FC94B}">
-              <ma14:wrappingTextBoxFlag xmlns:ma14="http://schemas.microsoft.com/office/mac/drawingml/2011/main" val="1"/>
-            </a:ext>
-          </a:extLst>
-        </p:spPr>
-        <p:txBody>
-          <a:bodyPr lIns="50800" tIns="50800" rIns="50800" bIns="50800" anchor="ctr">
-            <a:spAutoFit/>
-          </a:bodyPr>
           <a:lstStyle>
             <a:lvl1pPr>
               <a:defRPr sz="3100"/>
@@ -7045,8 +6956,8 @@
       </p:sp>
       <p:sp>
         <p:nvSpPr>
-          <p:cNvPr id="218" name="Shape 218"/>
-          <p:cNvSpPr/>
+          <p:cNvPr id="215" name="low  := 0…"/>
+          <p:cNvSpPr txBox="1"/>
           <p:nvPr/>
         </p:nvSpPr>
         <p:spPr>
@@ -7258,8 +7169,8 @@
       </p:sp>
       <p:sp>
         <p:nvSpPr>
-          <p:cNvPr id="219" name="Shape 219"/>
-          <p:cNvSpPr/>
+          <p:cNvPr id="216" name="Ans: O(log2(n)) = O(log(n))"/>
+          <p:cNvSpPr txBox="1"/>
           <p:nvPr/>
         </p:nvSpPr>
         <p:spPr>
@@ -7352,7 +7263,7 @@
                                       <p:cBhvr>
                                         <p:cTn id="6" fill="hold"/>
                                         <p:tgtEl>
-                                          <p:spTgt spid="219"/>
+                                          <p:spTgt spid="216"/>
                                         </p:tgtEl>
                                         <p:attrNameLst>
                                           <p:attrName>style.visibility</p:attrName>
@@ -7393,13 +7304,13 @@
       </p:par>
     </p:tnLst>
     <p:bldLst>
-      <p:bldP build="whole" bldLvl="1" animBg="1" rev="0" advAuto="0" spid="219" grpId="1"/>
+      <p:bldP build="whole" bldLvl="1" animBg="1" rev="0" advAuto="0" spid="216" grpId="1"/>
     </p:bldLst>
   </p:timing>
 </p:sld>
 </file>
 
-<file path=ppt/slides/slide19.xml><?xml version="1.0" encoding="utf-8"?>
+<file path=ppt/slides/slide18.xml><?xml version="1.0" encoding="utf-8"?>
 <p:sld xmlns:a="http://schemas.openxmlformats.org/drawingml/2006/main" xmlns:r="http://schemas.openxmlformats.org/officeDocument/2006/relationships" xmlns:p="http://schemas.openxmlformats.org/presentationml/2006/main" showMasterSp="1" showMasterPhAnim="1">
   <p:cSld>
     <p:spTree>
@@ -7418,8 +7329,8 @@
       </p:grpSpPr>
       <p:sp>
         <p:nvSpPr>
-          <p:cNvPr id="223" name="Shape 223"/>
-          <p:cNvSpPr/>
+          <p:cNvPr id="220" name="Big-O Examples"/>
+          <p:cNvSpPr txBox="1"/>
           <p:nvPr>
             <p:ph type="title"/>
           </p:nvPr>
@@ -7431,7 +7342,11 @@
         </p:spPr>
         <p:txBody>
           <a:bodyPr/>
-          <a:lstStyle/>
+          <a:lstStyle>
+            <a:lvl1pPr>
+              <a:defRPr b="1"/>
+            </a:lvl1pPr>
+          </a:lstStyle>
           <a:p>
             <a:pPr/>
             <a:r>
@@ -7442,8 +7357,8 @@
       </p:sp>
       <p:sp>
         <p:nvSpPr>
-          <p:cNvPr id="224" name="Shape 224"/>
-          <p:cNvSpPr/>
+          <p:cNvPr id="221" name="i := 0…"/>
+          <p:cNvSpPr txBox="1"/>
           <p:nvPr/>
         </p:nvSpPr>
         <p:spPr>
@@ -7672,8 +7587,8 @@
       </p:sp>
       <p:sp>
         <p:nvSpPr>
-          <p:cNvPr id="225" name="Shape 225"/>
-          <p:cNvSpPr/>
+          <p:cNvPr id="222" name="f(n) = n * (3n + 2n) = 5n2…"/>
+          <p:cNvSpPr txBox="1"/>
           <p:nvPr/>
         </p:nvSpPr>
         <p:spPr>
@@ -7791,7 +7706,7 @@
                                       <p:cBhvr>
                                         <p:cTn id="6" fill="hold"/>
                                         <p:tgtEl>
-                                          <p:spTgt spid="225"/>
+                                          <p:spTgt spid="222"/>
                                         </p:tgtEl>
                                         <p:attrNameLst>
                                           <p:attrName>style.visibility</p:attrName>
@@ -7832,13 +7747,13 @@
       </p:par>
     </p:tnLst>
     <p:bldLst>
-      <p:bldP build="whole" bldLvl="1" animBg="1" rev="0" advAuto="0" spid="225" grpId="1"/>
+      <p:bldP build="whole" bldLvl="1" animBg="1" rev="0" advAuto="0" spid="222" grpId="1"/>
     </p:bldLst>
   </p:timing>
 </p:sld>
 </file>
 
-<file path=ppt/slides/slide2.xml><?xml version="1.0" encoding="utf-8"?>
+<file path=ppt/slides/slide19.xml><?xml version="1.0" encoding="utf-8"?>
 <p:sld xmlns:a="http://schemas.openxmlformats.org/drawingml/2006/main" xmlns:r="http://schemas.openxmlformats.org/officeDocument/2006/relationships" xmlns:p="http://schemas.openxmlformats.org/presentationml/2006/main" showMasterSp="1" showMasterPhAnim="1">
   <p:cSld>
     <p:spTree>
@@ -7857,8 +7772,8 @@
       </p:grpSpPr>
       <p:sp>
         <p:nvSpPr>
-          <p:cNvPr id="124" name="Shape 124"/>
-          <p:cNvSpPr/>
+          <p:cNvPr id="226" name="Big-O Examples"/>
+          <p:cNvSpPr txBox="1"/>
           <p:nvPr>
             <p:ph type="title"/>
           </p:nvPr>
@@ -7878,155 +7793,6 @@
           <a:p>
             <a:pPr/>
             <a:r>
-              <a:t>Outline</a:t>
-            </a:r>
-          </a:p>
-        </p:txBody>
-      </p:sp>
-      <p:sp>
-        <p:nvSpPr>
-          <p:cNvPr id="125" name="Shape 125"/>
-          <p:cNvSpPr/>
-          <p:nvPr>
-            <p:ph type="body" idx="1"/>
-          </p:nvPr>
-        </p:nvSpPr>
-        <p:spPr>
-          <a:xfrm>
-            <a:off x="952500" y="1721660"/>
-            <a:ext cx="11099800" cy="7695079"/>
-          </a:xfrm>
-          <a:prstGeom prst="rect">
-            <a:avLst/>
-          </a:prstGeom>
-        </p:spPr>
-        <p:txBody>
-          <a:bodyPr/>
-          <a:lstStyle/>
-          <a:p>
-            <a:pPr marL="360045" indent="-360045" defTabSz="473201">
-              <a:spcBef>
-                <a:spcPts val="3200"/>
-              </a:spcBef>
-              <a:defRPr sz="3807"/>
-            </a:pPr>
-            <a:r>
-              <a:t>Discussion</a:t>
-            </a:r>
-          </a:p>
-          <a:p>
-            <a:pPr lvl="1" marL="805363" indent="-445318" defTabSz="473201">
-              <a:spcBef>
-                <a:spcPts val="3200"/>
-              </a:spcBef>
-              <a:defRPr sz="3807"/>
-            </a:pPr>
-            <a:r>
-              <a:t>What is a Data Structure?</a:t>
-            </a:r>
-          </a:p>
-          <a:p>
-            <a:pPr lvl="1" marL="805363" indent="-445318" defTabSz="473201">
-              <a:spcBef>
-                <a:spcPts val="3200"/>
-              </a:spcBef>
-              <a:defRPr sz="3807"/>
-            </a:pPr>
-            <a:r>
-              <a:t>Why do we want data structures?</a:t>
-            </a:r>
-          </a:p>
-          <a:p>
-            <a:pPr marL="360045" indent="-360045" defTabSz="473201">
-              <a:spcBef>
-                <a:spcPts val="3200"/>
-              </a:spcBef>
-              <a:defRPr sz="3807"/>
-            </a:pPr>
-            <a:r>
-              <a:t>Abstract Data Type (ADT) vs. Data Structure</a:t>
-            </a:r>
-          </a:p>
-          <a:p>
-            <a:pPr lvl="1" marL="720090" indent="-360045" defTabSz="473201">
-              <a:spcBef>
-                <a:spcPts val="3200"/>
-              </a:spcBef>
-              <a:defRPr sz="3807"/>
-            </a:pPr>
-            <a:r>
-              <a:t>Concrete examples</a:t>
-            </a:r>
-          </a:p>
-          <a:p>
-            <a:pPr marL="360045" indent="-360045" defTabSz="473201">
-              <a:spcBef>
-                <a:spcPts val="3200"/>
-              </a:spcBef>
-              <a:defRPr sz="3807"/>
-            </a:pPr>
-            <a:r>
-              <a:t>Introduction to Big-O notation and  computational complexity</a:t>
-            </a:r>
-          </a:p>
-          <a:p>
-            <a:pPr lvl="1" marL="720090" indent="-360045" defTabSz="473201">
-              <a:spcBef>
-                <a:spcPts val="3200"/>
-              </a:spcBef>
-              <a:defRPr sz="3807"/>
-            </a:pPr>
-            <a:r>
-              <a:t>Lots and lots of examples</a:t>
-            </a:r>
-          </a:p>
-        </p:txBody>
-      </p:sp>
-    </p:spTree>
-  </p:cSld>
-  <p:clrMapOvr>
-    <a:masterClrMapping/>
-  </p:clrMapOvr>
-  <p:transition xmlns:p14="http://schemas.microsoft.com/office/powerpoint/2010/main" spd="med" advClick="1"/>
-</p:sld>
-</file>
-
-<file path=ppt/slides/slide20.xml><?xml version="1.0" encoding="utf-8"?>
-<p:sld xmlns:a="http://schemas.openxmlformats.org/drawingml/2006/main" xmlns:r="http://schemas.openxmlformats.org/officeDocument/2006/relationships" xmlns:p="http://schemas.openxmlformats.org/presentationml/2006/main" showMasterSp="1" showMasterPhAnim="1">
-  <p:cSld>
-    <p:spTree>
-      <p:nvGrpSpPr>
-        <p:cNvPr id="1" name=""/>
-        <p:cNvGrpSpPr/>
-        <p:nvPr/>
-      </p:nvGrpSpPr>
-      <p:grpSpPr>
-        <a:xfrm>
-          <a:off x="0" y="0"/>
-          <a:ext cx="0" cy="0"/>
-          <a:chOff x="0" y="0"/>
-          <a:chExt cx="0" cy="0"/>
-        </a:xfrm>
-      </p:grpSpPr>
-      <p:sp>
-        <p:nvSpPr>
-          <p:cNvPr id="229" name="Shape 229"/>
-          <p:cNvSpPr/>
-          <p:nvPr>
-            <p:ph type="title"/>
-          </p:nvPr>
-        </p:nvSpPr>
-        <p:spPr>
-          <a:prstGeom prst="rect">
-            <a:avLst/>
-          </a:prstGeom>
-        </p:spPr>
-        <p:txBody>
-          <a:bodyPr/>
-          <a:lstStyle/>
-          <a:p>
-            <a:pPr/>
-            <a:r>
               <a:t>Big-O Examples</a:t>
             </a:r>
           </a:p>
@@ -8034,8 +7800,8 @@
       </p:sp>
       <p:sp>
         <p:nvSpPr>
-          <p:cNvPr id="230" name="Shape 230"/>
-          <p:cNvSpPr/>
+          <p:cNvPr id="227" name="i := 0…"/>
+          <p:cNvSpPr txBox="1"/>
           <p:nvPr/>
         </p:nvSpPr>
         <p:spPr>
@@ -8264,8 +8030,8 @@
       </p:sp>
       <p:sp>
         <p:nvSpPr>
-          <p:cNvPr id="231" name="Shape 231"/>
-          <p:cNvSpPr/>
+          <p:cNvPr id="228" name="f(n) = 3n * (40 + n3/2) = 3n/40 + 3n4/2…"/>
+          <p:cNvSpPr txBox="1"/>
           <p:nvPr/>
         </p:nvSpPr>
         <p:spPr>
@@ -8393,7 +8159,7 @@
                                       <p:cBhvr>
                                         <p:cTn id="6" fill="hold"/>
                                         <p:tgtEl>
-                                          <p:spTgt spid="231"/>
+                                          <p:spTgt spid="228"/>
                                         </p:tgtEl>
                                         <p:attrNameLst>
                                           <p:attrName>style.visibility</p:attrName>
@@ -8434,9 +8200,312 @@
       </p:par>
     </p:tnLst>
     <p:bldLst>
-      <p:bldP build="whole" bldLvl="1" animBg="1" rev="0" advAuto="0" spid="231" grpId="1"/>
+      <p:bldP build="whole" bldLvl="1" animBg="1" rev="0" advAuto="0" spid="228" grpId="1"/>
     </p:bldLst>
   </p:timing>
+</p:sld>
+</file>
+
+<file path=ppt/slides/slide2.xml><?xml version="1.0" encoding="utf-8"?>
+<p:sld xmlns:a="http://schemas.openxmlformats.org/drawingml/2006/main" xmlns:r="http://schemas.openxmlformats.org/officeDocument/2006/relationships" xmlns:p="http://schemas.openxmlformats.org/presentationml/2006/main" showMasterSp="1" showMasterPhAnim="1">
+  <p:cSld>
+    <p:spTree>
+      <p:nvGrpSpPr>
+        <p:cNvPr id="1" name=""/>
+        <p:cNvGrpSpPr/>
+        <p:nvPr/>
+      </p:nvGrpSpPr>
+      <p:grpSpPr>
+        <a:xfrm>
+          <a:off x="0" y="0"/>
+          <a:ext cx="0" cy="0"/>
+          <a:chOff x="0" y="0"/>
+          <a:chExt cx="0" cy="0"/>
+        </a:xfrm>
+      </p:grpSpPr>
+      <p:sp>
+        <p:nvSpPr>
+          <p:cNvPr id="124" name="What is a Data Structure?"/>
+          <p:cNvSpPr txBox="1"/>
+          <p:nvPr>
+            <p:ph type="title"/>
+          </p:nvPr>
+        </p:nvSpPr>
+        <p:spPr>
+          <a:xfrm>
+            <a:off x="-1" y="771537"/>
+            <a:ext cx="13004801" cy="1491137"/>
+          </a:xfrm>
+          <a:prstGeom prst="rect">
+            <a:avLst/>
+          </a:prstGeom>
+        </p:spPr>
+        <p:txBody>
+          <a:bodyPr/>
+          <a:lstStyle/>
+          <a:p>
+            <a:pPr defTabSz="490727">
+              <a:defRPr b="1" sz="6719"/>
+            </a:pPr>
+            <a:r>
+              <a:t>What is a </a:t>
+            </a:r>
+            <a:r>
+              <a:t>Data Structure</a:t>
+            </a:r>
+            <a:r>
+              <a:t>?</a:t>
+            </a:r>
+          </a:p>
+        </p:txBody>
+      </p:sp>
+      <p:sp>
+        <p:nvSpPr>
+          <p:cNvPr id="125" name="A data structure (DS) is a way of organizing data so that it can be used effectively."/>
+          <p:cNvSpPr txBox="1"/>
+          <p:nvPr/>
+        </p:nvSpPr>
+        <p:spPr>
+          <a:xfrm>
+            <a:off x="-208347" y="3958252"/>
+            <a:ext cx="13235452" cy="2235201"/>
+          </a:xfrm>
+          <a:prstGeom prst="rect">
+            <a:avLst/>
+          </a:prstGeom>
+          <a:ln w="12700">
+            <a:miter lim="400000"/>
+          </a:ln>
+          <a:extLst>
+            <a:ext uri="{C572A759-6A51-4108-AA02-DFA0A04FC94B}">
+              <ma14:wrappingTextBoxFlag xmlns:ma14="http://schemas.microsoft.com/office/mac/drawingml/2011/main" val="1"/>
+            </a:ext>
+          </a:extLst>
+        </p:spPr>
+        <p:txBody>
+          <a:bodyPr lIns="50800" tIns="50800" rIns="50800" bIns="50800" anchor="ctr">
+            <a:spAutoFit/>
+          </a:bodyPr>
+          <a:lstStyle/>
+          <a:p>
+            <a:pPr>
+              <a:defRPr sz="4800"/>
+            </a:pPr>
+            <a:r>
+              <a:t>A </a:t>
+            </a:r>
+            <a:r>
+              <a:rPr b="1">
+                <a:solidFill>
+                  <a:schemeClr val="accent2">
+                    <a:satOff val="-13916"/>
+                    <a:lumOff val="13989"/>
+                  </a:schemeClr>
+                </a:solidFill>
+              </a:rPr>
+              <a:t>data structure</a:t>
+            </a:r>
+            <a:r>
+              <a:t> (DS) is a way of organizing data so that it can be used effectively.</a:t>
+            </a:r>
+          </a:p>
+        </p:txBody>
+      </p:sp>
+    </p:spTree>
+  </p:cSld>
+  <p:clrMapOvr>
+    <a:masterClrMapping/>
+  </p:clrMapOvr>
+  <p:transition xmlns:p14="http://schemas.microsoft.com/office/powerpoint/2010/main" spd="med" advClick="1"/>
+</p:sld>
+</file>
+
+<file path=ppt/slides/slide20.xml><?xml version="1.0" encoding="utf-8"?>
+<p:sld xmlns:a="http://schemas.openxmlformats.org/drawingml/2006/main" xmlns:r="http://schemas.openxmlformats.org/officeDocument/2006/relationships" xmlns:p="http://schemas.openxmlformats.org/presentationml/2006/main" showMasterSp="1" showMasterPhAnim="1">
+  <p:cSld>
+    <p:spTree>
+      <p:nvGrpSpPr>
+        <p:cNvPr id="1" name=""/>
+        <p:cNvGrpSpPr/>
+        <p:nvPr/>
+      </p:nvGrpSpPr>
+      <p:grpSpPr>
+        <a:xfrm>
+          <a:off x="0" y="0"/>
+          <a:ext cx="0" cy="0"/>
+          <a:chOff x="0" y="0"/>
+          <a:chExt cx="0" cy="0"/>
+        </a:xfrm>
+      </p:grpSpPr>
+      <p:sp>
+        <p:nvSpPr>
+          <p:cNvPr id="232" name="Big-O Examples"/>
+          <p:cNvSpPr txBox="1"/>
+          <p:nvPr>
+            <p:ph type="title"/>
+          </p:nvPr>
+        </p:nvSpPr>
+        <p:spPr>
+          <a:prstGeom prst="rect">
+            <a:avLst/>
+          </a:prstGeom>
+        </p:spPr>
+        <p:txBody>
+          <a:bodyPr/>
+          <a:lstStyle>
+            <a:lvl1pPr>
+              <a:defRPr b="1"/>
+            </a:lvl1pPr>
+          </a:lstStyle>
+          <a:p>
+            <a:pPr/>
+            <a:r>
+              <a:t>Big-O Examples</a:t>
+            </a:r>
+          </a:p>
+        </p:txBody>
+      </p:sp>
+      <p:sp>
+        <p:nvSpPr>
+          <p:cNvPr id="233" name="Finding all subsets of a set - O(2n)…"/>
+          <p:cNvSpPr txBox="1"/>
+          <p:nvPr/>
+        </p:nvSpPr>
+        <p:spPr>
+          <a:xfrm>
+            <a:off x="251953" y="3428933"/>
+            <a:ext cx="12500894" cy="4267201"/>
+          </a:xfrm>
+          <a:prstGeom prst="rect">
+            <a:avLst/>
+          </a:prstGeom>
+          <a:ln w="12700">
+            <a:miter lim="400000"/>
+          </a:ln>
+          <a:extLst>
+            <a:ext uri="{C572A759-6A51-4108-AA02-DFA0A04FC94B}">
+              <ma14:wrappingTextBoxFlag xmlns:ma14="http://schemas.microsoft.com/office/mac/drawingml/2011/main" val="1"/>
+            </a:ext>
+          </a:extLst>
+        </p:spPr>
+        <p:txBody>
+          <a:bodyPr wrap="none" lIns="50800" tIns="50800" rIns="50800" bIns="50800" anchor="ctr">
+            <a:spAutoFit/>
+          </a:bodyPr>
+          <a:lstStyle/>
+          <a:p>
+            <a:pPr/>
+            <a:r>
+              <a:t>Finding all subsets of a set - </a:t>
+            </a:r>
+            <a:r>
+              <a:rPr b="1">
+                <a:solidFill>
+                  <a:schemeClr val="accent4">
+                    <a:hueOff val="102361"/>
+                    <a:satOff val="14118"/>
+                    <a:lumOff val="10675"/>
+                  </a:schemeClr>
+                </a:solidFill>
+              </a:rPr>
+              <a:t>O(2</a:t>
+            </a:r>
+            <a:r>
+              <a:rPr b="1" baseline="31999">
+                <a:solidFill>
+                  <a:schemeClr val="accent4">
+                    <a:hueOff val="102361"/>
+                    <a:satOff val="14118"/>
+                    <a:lumOff val="10675"/>
+                  </a:schemeClr>
+                </a:solidFill>
+              </a:rPr>
+              <a:t>n</a:t>
+            </a:r>
+            <a:r>
+              <a:rPr b="1">
+                <a:solidFill>
+                  <a:schemeClr val="accent4">
+                    <a:hueOff val="102361"/>
+                    <a:satOff val="14118"/>
+                    <a:lumOff val="10675"/>
+                  </a:schemeClr>
+                </a:solidFill>
+              </a:rPr>
+              <a:t>)</a:t>
+            </a:r>
+          </a:p>
+          <a:p>
+            <a:pPr/>
+          </a:p>
+          <a:p>
+            <a:pPr/>
+            <a:r>
+              <a:t>Finding all permutations of a string - </a:t>
+            </a:r>
+            <a:r>
+              <a:rPr b="1">
+                <a:solidFill>
+                  <a:schemeClr val="accent4">
+                    <a:hueOff val="102361"/>
+                    <a:satOff val="14118"/>
+                    <a:lumOff val="10675"/>
+                  </a:schemeClr>
+                </a:solidFill>
+              </a:rPr>
+              <a:t>O(n!)</a:t>
+            </a:r>
+          </a:p>
+          <a:p>
+            <a:pPr/>
+          </a:p>
+          <a:p>
+            <a:pPr/>
+            <a:r>
+              <a:t>Sorting using mergesort - </a:t>
+            </a:r>
+            <a:r>
+              <a:rPr b="1">
+                <a:solidFill>
+                  <a:schemeClr val="accent4">
+                    <a:hueOff val="102361"/>
+                    <a:satOff val="14118"/>
+                    <a:lumOff val="10675"/>
+                  </a:schemeClr>
+                </a:solidFill>
+              </a:rPr>
+              <a:t>O(nlog(n))</a:t>
+            </a:r>
+          </a:p>
+          <a:p>
+            <a:pPr/>
+          </a:p>
+          <a:p>
+            <a:pPr/>
+            <a:r>
+              <a:t>Iterating over all the cells in a matrix of size n by m - </a:t>
+            </a:r>
+            <a:r>
+              <a:rPr b="1">
+                <a:solidFill>
+                  <a:schemeClr val="accent4">
+                    <a:hueOff val="102361"/>
+                    <a:satOff val="14118"/>
+                    <a:lumOff val="10675"/>
+                  </a:schemeClr>
+                </a:solidFill>
+              </a:rPr>
+              <a:t>O(nm)</a:t>
+            </a:r>
+          </a:p>
+        </p:txBody>
+      </p:sp>
+    </p:spTree>
+  </p:cSld>
+  <p:clrMapOvr>
+    <a:masterClrMapping/>
+  </p:clrMapOvr>
+  <p:transition xmlns:p14="http://schemas.microsoft.com/office/powerpoint/2010/main" spd="med" advClick="1"/>
 </p:sld>
 </file>
 
@@ -8457,358 +8526,6 @@
           <a:chExt cx="0" cy="0"/>
         </a:xfrm>
       </p:grpSpPr>
-      <p:sp>
-        <p:nvSpPr>
-          <p:cNvPr id="235" name="Shape 235"/>
-          <p:cNvSpPr/>
-          <p:nvPr>
-            <p:ph type="title"/>
-          </p:nvPr>
-        </p:nvSpPr>
-        <p:spPr>
-          <a:prstGeom prst="rect">
-            <a:avLst/>
-          </a:prstGeom>
-        </p:spPr>
-        <p:txBody>
-          <a:bodyPr/>
-          <a:lstStyle/>
-          <a:p>
-            <a:pPr/>
-            <a:r>
-              <a:t>Big-O Examples</a:t>
-            </a:r>
-          </a:p>
-        </p:txBody>
-      </p:sp>
-      <p:sp>
-        <p:nvSpPr>
-          <p:cNvPr id="236" name="Shape 236"/>
-          <p:cNvSpPr/>
-          <p:nvPr/>
-        </p:nvSpPr>
-        <p:spPr>
-          <a:xfrm>
-            <a:off x="251953" y="3428933"/>
-            <a:ext cx="12500894" cy="4267201"/>
-          </a:xfrm>
-          <a:prstGeom prst="rect">
-            <a:avLst/>
-          </a:prstGeom>
-          <a:ln w="12700">
-            <a:miter lim="400000"/>
-          </a:ln>
-          <a:extLst>
-            <a:ext uri="{C572A759-6A51-4108-AA02-DFA0A04FC94B}">
-              <ma14:wrappingTextBoxFlag xmlns:ma14="http://schemas.microsoft.com/office/mac/drawingml/2011/main" val="1"/>
-            </a:ext>
-          </a:extLst>
-        </p:spPr>
-        <p:txBody>
-          <a:bodyPr wrap="none" lIns="50800" tIns="50800" rIns="50800" bIns="50800" anchor="ctr">
-            <a:spAutoFit/>
-          </a:bodyPr>
-          <a:lstStyle/>
-          <a:p>
-            <a:pPr/>
-            <a:r>
-              <a:t>Finding all subsets of a set - </a:t>
-            </a:r>
-            <a:r>
-              <a:rPr b="1">
-                <a:solidFill>
-                  <a:schemeClr val="accent4">
-                    <a:hueOff val="102361"/>
-                    <a:satOff val="14118"/>
-                    <a:lumOff val="10675"/>
-                  </a:schemeClr>
-                </a:solidFill>
-              </a:rPr>
-              <a:t>O(2</a:t>
-            </a:r>
-            <a:r>
-              <a:rPr b="1" baseline="31999">
-                <a:solidFill>
-                  <a:schemeClr val="accent4">
-                    <a:hueOff val="102361"/>
-                    <a:satOff val="14118"/>
-                    <a:lumOff val="10675"/>
-                  </a:schemeClr>
-                </a:solidFill>
-              </a:rPr>
-              <a:t>n</a:t>
-            </a:r>
-            <a:r>
-              <a:rPr b="1">
-                <a:solidFill>
-                  <a:schemeClr val="accent4">
-                    <a:hueOff val="102361"/>
-                    <a:satOff val="14118"/>
-                    <a:lumOff val="10675"/>
-                  </a:schemeClr>
-                </a:solidFill>
-              </a:rPr>
-              <a:t>)</a:t>
-            </a:r>
-          </a:p>
-          <a:p>
-            <a:pPr/>
-          </a:p>
-          <a:p>
-            <a:pPr/>
-            <a:r>
-              <a:t>Finding all permutations of a string - </a:t>
-            </a:r>
-            <a:r>
-              <a:rPr b="1">
-                <a:solidFill>
-                  <a:schemeClr val="accent4">
-                    <a:hueOff val="102361"/>
-                    <a:satOff val="14118"/>
-                    <a:lumOff val="10675"/>
-                  </a:schemeClr>
-                </a:solidFill>
-              </a:rPr>
-              <a:t>O(n!)</a:t>
-            </a:r>
-          </a:p>
-          <a:p>
-            <a:pPr/>
-          </a:p>
-          <a:p>
-            <a:pPr/>
-            <a:r>
-              <a:t>Sorting using mergesort - </a:t>
-            </a:r>
-            <a:r>
-              <a:rPr b="1">
-                <a:solidFill>
-                  <a:schemeClr val="accent4">
-                    <a:hueOff val="102361"/>
-                    <a:satOff val="14118"/>
-                    <a:lumOff val="10675"/>
-                  </a:schemeClr>
-                </a:solidFill>
-              </a:rPr>
-              <a:t>O(nlog(n))</a:t>
-            </a:r>
-          </a:p>
-          <a:p>
-            <a:pPr/>
-          </a:p>
-          <a:p>
-            <a:pPr/>
-            <a:r>
-              <a:t>Iterating over all the cells in a matrix of size n by m - </a:t>
-            </a:r>
-            <a:r>
-              <a:rPr b="1">
-                <a:solidFill>
-                  <a:schemeClr val="accent4">
-                    <a:hueOff val="102361"/>
-                    <a:satOff val="14118"/>
-                    <a:lumOff val="10675"/>
-                  </a:schemeClr>
-                </a:solidFill>
-              </a:rPr>
-              <a:t>O(nm)</a:t>
-            </a:r>
-          </a:p>
-        </p:txBody>
-      </p:sp>
-    </p:spTree>
-  </p:cSld>
-  <p:clrMapOvr>
-    <a:masterClrMapping/>
-  </p:clrMapOvr>
-  <p:transition xmlns:p14="http://schemas.microsoft.com/office/powerpoint/2010/main" spd="med" advClick="1"/>
-</p:sld>
-</file>
-
-<file path=ppt/slides/slide22.xml><?xml version="1.0" encoding="utf-8"?>
-<p:sld xmlns:a="http://schemas.openxmlformats.org/drawingml/2006/main" xmlns:r="http://schemas.openxmlformats.org/officeDocument/2006/relationships" xmlns:p="http://schemas.openxmlformats.org/presentationml/2006/main" showMasterSp="1" showMasterPhAnim="1">
-  <p:cSld>
-    <p:spTree>
-      <p:nvGrpSpPr>
-        <p:cNvPr id="1" name=""/>
-        <p:cNvGrpSpPr/>
-        <p:nvPr/>
-      </p:nvGrpSpPr>
-      <p:grpSpPr>
-        <a:xfrm>
-          <a:off x="0" y="0"/>
-          <a:ext cx="0" cy="0"/>
-          <a:chOff x="0" y="0"/>
-          <a:chExt cx="0" cy="0"/>
-        </a:xfrm>
-      </p:grpSpPr>
-      <p:sp>
-        <p:nvSpPr>
-          <p:cNvPr id="238" name="Shape 238"/>
-          <p:cNvSpPr/>
-          <p:nvPr>
-            <p:ph type="title"/>
-          </p:nvPr>
-        </p:nvSpPr>
-        <p:spPr>
-          <a:xfrm>
-            <a:off x="952500" y="266700"/>
-            <a:ext cx="11099800" cy="2159000"/>
-          </a:xfrm>
-          <a:prstGeom prst="rect">
-            <a:avLst/>
-          </a:prstGeom>
-        </p:spPr>
-        <p:txBody>
-          <a:bodyPr/>
-          <a:lstStyle/>
-          <a:p>
-            <a:pPr/>
-            <a:r>
-              <a:t>Contact Info</a:t>
-            </a:r>
-          </a:p>
-        </p:txBody>
-      </p:sp>
-      <p:sp>
-        <p:nvSpPr>
-          <p:cNvPr id="239" name="Shape 239"/>
-          <p:cNvSpPr/>
-          <p:nvPr/>
-        </p:nvSpPr>
-        <p:spPr>
-          <a:xfrm>
-            <a:off x="527211" y="2749549"/>
-            <a:ext cx="11950378" cy="2184401"/>
-          </a:xfrm>
-          <a:prstGeom prst="rect">
-            <a:avLst/>
-          </a:prstGeom>
-          <a:ln w="12700">
-            <a:miter lim="400000"/>
-          </a:ln>
-          <a:extLst>
-            <a:ext uri="{C572A759-6A51-4108-AA02-DFA0A04FC94B}">
-              <ma14:wrappingTextBoxFlag xmlns:ma14="http://schemas.microsoft.com/office/mac/drawingml/2011/main" val="1"/>
-            </a:ext>
-          </a:extLst>
-        </p:spPr>
-        <p:txBody>
-          <a:bodyPr wrap="none" lIns="50800" tIns="50800" rIns="50800" bIns="50800" anchor="ctr">
-            <a:spAutoFit/>
-          </a:bodyPr>
-          <a:lstStyle/>
-          <a:p>
-            <a:pPr/>
-            <a:r>
-              <a:t>Have any questions or comments?</a:t>
-            </a:r>
-          </a:p>
-          <a:p>
-            <a:pPr/>
-          </a:p>
-          <a:p>
-            <a:pPr/>
-            <a:r>
-              <a:t>Leave a comment or shoot me an email and I will get back to you when I have time :)</a:t>
-            </a:r>
-          </a:p>
-        </p:txBody>
-      </p:sp>
-      <p:sp>
-        <p:nvSpPr>
-          <p:cNvPr id="240" name="Shape 240"/>
-          <p:cNvSpPr/>
-          <p:nvPr/>
-        </p:nvSpPr>
-        <p:spPr>
-          <a:xfrm>
-            <a:off x="802468" y="5981700"/>
-            <a:ext cx="11399864" cy="1143001"/>
-          </a:xfrm>
-          <a:prstGeom prst="rect">
-            <a:avLst/>
-          </a:prstGeom>
-          <a:ln w="12700">
-            <a:miter lim="400000"/>
-          </a:ln>
-          <a:extLst>
-            <a:ext uri="{C572A759-6A51-4108-AA02-DFA0A04FC94B}">
-              <ma14:wrappingTextBoxFlag xmlns:ma14="http://schemas.microsoft.com/office/mac/drawingml/2011/main" val="1"/>
-            </a:ext>
-          </a:extLst>
-        </p:spPr>
-        <p:txBody>
-          <a:bodyPr wrap="none" lIns="50800" tIns="50800" rIns="50800" bIns="50800" anchor="ctr">
-            <a:spAutoFit/>
-          </a:bodyPr>
-          <a:lstStyle/>
-          <a:p>
-            <a:pPr/>
-            <a:r>
-              <a:t>Email: </a:t>
-            </a:r>
-            <a:r>
-              <a:rPr>
-                <a:hlinkClick r:id="rId2" invalidUrl="" action="" tgtFrame="" tooltip="" history="1" highlightClick="0" endSnd="0"/>
-              </a:rPr>
-              <a:t>william.alexandre.fiset@gmail.com</a:t>
-            </a:r>
-          </a:p>
-          <a:p>
-            <a:pPr/>
-            <a:r>
-              <a:t>Website: </a:t>
-            </a:r>
-            <a:r>
-              <a:rPr u="sng">
-                <a:hlinkClick r:id="rId3" invalidUrl="" action="" tgtFrame="" tooltip="" history="1" highlightClick="0" endSnd="0"/>
-              </a:rPr>
-              <a:t>www.williamfiset.com</a:t>
-            </a:r>
-          </a:p>
-        </p:txBody>
-      </p:sp>
-      <p:sp>
-        <p:nvSpPr>
-          <p:cNvPr id="241" name="Shape 241"/>
-          <p:cNvSpPr/>
-          <p:nvPr/>
-        </p:nvSpPr>
-        <p:spPr>
-          <a:xfrm>
-            <a:off x="466923" y="8705850"/>
-            <a:ext cx="12070954" cy="901701"/>
-          </a:xfrm>
-          <a:prstGeom prst="rect">
-            <a:avLst/>
-          </a:prstGeom>
-          <a:ln w="12700">
-            <a:miter lim="400000"/>
-          </a:ln>
-          <a:extLst>
-            <a:ext uri="{C572A759-6A51-4108-AA02-DFA0A04FC94B}">
-              <ma14:wrappingTextBoxFlag xmlns:ma14="http://schemas.microsoft.com/office/mac/drawingml/2011/main" val="1"/>
-            </a:ext>
-          </a:extLst>
-        </p:spPr>
-        <p:txBody>
-          <a:bodyPr lIns="50800" tIns="50800" rIns="50800" bIns="50800" anchor="ctr">
-            <a:spAutoFit/>
-          </a:bodyPr>
-          <a:lstStyle>
-            <a:lvl1pPr>
-              <a:defRPr sz="1800"/>
-            </a:lvl1pPr>
-          </a:lstStyle>
-          <a:p>
-            <a:pPr/>
-            <a:r>
-              <a:t>NOTE: Please do NOT contact me via any social media outlets such as FB, G+, Skype … And especially do not contact me to tell me you need help with your HW or want to become the next Steve Jobs.</a:t>
-            </a:r>
-          </a:p>
-        </p:txBody>
-      </p:sp>
     </p:spTree>
   </p:cSld>
   <p:clrMapOvr>
@@ -8837,16 +8554,16 @@
       </p:grpSpPr>
       <p:sp>
         <p:nvSpPr>
-          <p:cNvPr id="129" name="Shape 129"/>
-          <p:cNvSpPr/>
+          <p:cNvPr id="129" name="Why Data Structures?"/>
+          <p:cNvSpPr txBox="1"/>
           <p:nvPr>
             <p:ph type="title"/>
           </p:nvPr>
         </p:nvSpPr>
         <p:spPr>
           <a:xfrm>
-            <a:off x="952500" y="3797300"/>
-            <a:ext cx="11099800" cy="2159000"/>
+            <a:off x="952500" y="558774"/>
+            <a:ext cx="11099800" cy="1549452"/>
           </a:xfrm>
           <a:prstGeom prst="rect">
             <a:avLst/>
@@ -8854,15 +8571,105 @@
         </p:spPr>
         <p:txBody>
           <a:bodyPr/>
-          <a:lstStyle>
-            <a:lvl1pPr>
-              <a:defRPr b="1" sz="11000"/>
-            </a:lvl1pPr>
-          </a:lstStyle>
-          <a:p>
-            <a:pPr/>
-            <a:r>
-              <a:t>Discussion</a:t>
+          <a:lstStyle/>
+          <a:p>
+            <a:pPr defTabSz="519937">
+              <a:defRPr sz="7119"/>
+            </a:pPr>
+            <a:r>
+              <a:rPr b="1"/>
+              <a:t>Why Data</a:t>
+            </a:r>
+            <a:r>
+              <a:t> </a:t>
+            </a:r>
+            <a:r>
+              <a:rPr b="1"/>
+              <a:t>Structures</a:t>
+            </a:r>
+            <a:r>
+              <a:t>?</a:t>
+            </a:r>
+          </a:p>
+        </p:txBody>
+      </p:sp>
+      <p:sp>
+        <p:nvSpPr>
+          <p:cNvPr id="130" name="They are essential ingredients in  creating fast and powerful algorithms.…"/>
+          <p:cNvSpPr txBox="1"/>
+          <p:nvPr>
+            <p:ph type="body" idx="1"/>
+          </p:nvPr>
+        </p:nvSpPr>
+        <p:spPr>
+          <a:xfrm>
+            <a:off x="320584" y="2987808"/>
+            <a:ext cx="12363632" cy="4868214"/>
+          </a:xfrm>
+          <a:prstGeom prst="rect">
+            <a:avLst/>
+          </a:prstGeom>
+        </p:spPr>
+        <p:txBody>
+          <a:bodyPr/>
+          <a:lstStyle/>
+          <a:p>
+            <a:pPr marL="0" indent="0" algn="ctr" defTabSz="508254">
+              <a:spcBef>
+                <a:spcPts val="0"/>
+              </a:spcBef>
+              <a:buSzTx/>
+              <a:buNone/>
+              <a:defRPr sz="4176"/>
+            </a:pPr>
+            <a:r>
+              <a:t>They are essential ingredients in  creating fast and powerful algorithms.</a:t>
+            </a:r>
+          </a:p>
+          <a:p>
+            <a:pPr marL="0" indent="0" algn="ctr" defTabSz="508254">
+              <a:spcBef>
+                <a:spcPts val="0"/>
+              </a:spcBef>
+              <a:buSzTx/>
+              <a:buNone/>
+              <a:defRPr sz="4176"/>
+            </a:pPr>
+          </a:p>
+          <a:p>
+            <a:pPr marL="0" indent="0" algn="ctr" defTabSz="508254">
+              <a:spcBef>
+                <a:spcPts val="0"/>
+              </a:spcBef>
+              <a:buSzTx/>
+              <a:buNone/>
+              <a:defRPr sz="4176"/>
+            </a:pPr>
+            <a:r>
+              <a:t>They help to manage and organize data.</a:t>
+            </a:r>
+          </a:p>
+          <a:p>
+            <a:pPr marL="0" indent="0" algn="ctr" defTabSz="508254">
+              <a:spcBef>
+                <a:spcPts val="0"/>
+              </a:spcBef>
+              <a:buSzTx/>
+              <a:buNone/>
+              <a:defRPr sz="4176"/>
+            </a:pPr>
+          </a:p>
+          <a:p>
+            <a:pPr marL="0" indent="0" algn="ctr" defTabSz="508254">
+              <a:spcBef>
+                <a:spcPts val="0"/>
+              </a:spcBef>
+              <a:buSzTx/>
+              <a:buNone/>
+              <a:defRPr sz="4176"/>
+            </a:pPr>
+            <a:r>
+              <a:t>They make code cleaner and easier to understand.</a:t>
             </a:r>
           </a:p>
         </p:txBody>
@@ -8895,72 +8702,32 @@
       </p:grpSpPr>
       <p:sp>
         <p:nvSpPr>
-          <p:cNvPr id="131" name="Shape 131"/>
-          <p:cNvSpPr/>
+          <p:cNvPr id="134" name="Abstract Data Types vs. Data Structures"/>
+          <p:cNvSpPr txBox="1"/>
           <p:nvPr>
             <p:ph type="title"/>
           </p:nvPr>
         </p:nvSpPr>
         <p:spPr>
+          <a:xfrm>
+            <a:off x="0" y="2113597"/>
+            <a:ext cx="13004801" cy="4004123"/>
+          </a:xfrm>
           <a:prstGeom prst="rect">
             <a:avLst/>
           </a:prstGeom>
         </p:spPr>
         <p:txBody>
           <a:bodyPr/>
-          <a:lstStyle/>
-          <a:p>
-            <a:pPr defTabSz="508254">
-              <a:defRPr sz="6960"/>
-            </a:pPr>
-            <a:r>
-              <a:t>What is a </a:t>
-            </a:r>
-            <a:r>
-              <a:t>Data Structure</a:t>
-            </a:r>
-            <a:r>
-              <a:t>?</a:t>
-            </a:r>
-          </a:p>
-        </p:txBody>
-      </p:sp>
-      <p:sp>
-        <p:nvSpPr>
-          <p:cNvPr id="132" name="Shape 132"/>
-          <p:cNvSpPr/>
-          <p:nvPr/>
-        </p:nvSpPr>
-        <p:spPr>
-          <a:xfrm>
-            <a:off x="448683" y="3892550"/>
-            <a:ext cx="12107433" cy="1968501"/>
-          </a:xfrm>
-          <a:prstGeom prst="rect">
-            <a:avLst/>
-          </a:prstGeom>
-          <a:ln w="12700">
-            <a:miter lim="400000"/>
-          </a:ln>
-          <a:extLst>
-            <a:ext uri="{C572A759-6A51-4108-AA02-DFA0A04FC94B}">
-              <ma14:wrappingTextBoxFlag xmlns:ma14="http://schemas.microsoft.com/office/mac/drawingml/2011/main" val="1"/>
-            </a:ext>
-          </a:extLst>
-        </p:spPr>
-        <p:txBody>
-          <a:bodyPr lIns="50800" tIns="50800" rIns="50800" bIns="50800" anchor="ctr">
-            <a:spAutoFit/>
-          </a:bodyPr>
           <a:lstStyle>
-            <a:lvl1pPr>
-              <a:defRPr sz="4200"/>
+            <a:lvl1pPr defTabSz="467359">
+              <a:defRPr b="1" sz="8800"/>
             </a:lvl1pPr>
           </a:lstStyle>
           <a:p>
             <a:pPr/>
             <a:r>
-              <a:t>A Data Structure (DS) is a way of organizing data so that it can be used effectively.</a:t>
+              <a:t>Abstract Data Types vs. Data Structures</a:t>
             </a:r>
           </a:p>
         </p:txBody>
@@ -8993,8 +8760,8 @@
       </p:grpSpPr>
       <p:sp>
         <p:nvSpPr>
-          <p:cNvPr id="136" name="Shape 136"/>
-          <p:cNvSpPr/>
+          <p:cNvPr id="138" name="Abstract Data Type"/>
+          <p:cNvSpPr txBox="1"/>
           <p:nvPr>
             <p:ph type="title"/>
           </p:nvPr>
@@ -9007,28 +8774,28 @@
         <p:txBody>
           <a:bodyPr/>
           <a:lstStyle>
-            <a:lvl1pPr defTabSz="508254">
-              <a:defRPr sz="6960"/>
+            <a:lvl1pPr defTabSz="578358">
+              <a:defRPr b="1" sz="7919"/>
             </a:lvl1pPr>
           </a:lstStyle>
           <a:p>
             <a:pPr/>
             <a:r>
-              <a:t>Why do we want Data Structures?</a:t>
-            </a:r>
-          </a:p>
-        </p:txBody>
-      </p:sp>
-      <p:sp>
-        <p:nvSpPr>
-          <p:cNvPr id="137" name="Shape 137"/>
-          <p:cNvSpPr/>
+              <a:t>Abstract Data Type</a:t>
+            </a:r>
+          </a:p>
+        </p:txBody>
+      </p:sp>
+      <p:sp>
+        <p:nvSpPr>
+          <p:cNvPr id="139" name="An abstract data type (ADT) is an abstraction of a data structure which provides only the interface to which a data structure must adhere to.…"/>
+          <p:cNvSpPr txBox="1"/>
           <p:nvPr/>
         </p:nvSpPr>
         <p:spPr>
           <a:xfrm>
-            <a:off x="952500" y="3660634"/>
-            <a:ext cx="11501847" cy="3746501"/>
+            <a:off x="121438" y="3233462"/>
+            <a:ext cx="12761923" cy="4267201"/>
           </a:xfrm>
           <a:prstGeom prst="rect">
             <a:avLst/>
@@ -9048,27 +8815,32 @@
           </a:bodyPr>
           <a:lstStyle/>
           <a:p>
-            <a:pPr algn="l"/>
-            <a:r>
-              <a:t>1) They are essential ingredients in  creating fast and powerful algorithms.</a:t>
-            </a:r>
-          </a:p>
-          <a:p>
-            <a:pPr algn="l"/>
-          </a:p>
-          <a:p>
-            <a:pPr algn="l"/>
-            <a:r>
-              <a:t>2) They help to manage and organize data.</a:t>
-            </a:r>
-          </a:p>
-          <a:p>
-            <a:pPr algn="l"/>
-          </a:p>
-          <a:p>
-            <a:pPr algn="l"/>
-            <a:r>
-              <a:t>3) They make code cleaner and easier to understand (IMHO).</a:t>
+            <a:pPr/>
+            <a:r>
+              <a:t>An </a:t>
+            </a:r>
+            <a:r>
+              <a:rPr b="1">
+                <a:solidFill>
+                  <a:schemeClr val="accent2">
+                    <a:satOff val="-13916"/>
+                    <a:lumOff val="13989"/>
+                  </a:schemeClr>
+                </a:solidFill>
+              </a:rPr>
+              <a:t>abstract data type</a:t>
+            </a:r>
+            <a:r>
+              <a:t> (ADT) is an abstraction of a data structure which provides only the interface to which a data structure must adhere to. </a:t>
+            </a:r>
+          </a:p>
+          <a:p>
+            <a:pPr/>
+          </a:p>
+          <a:p>
+            <a:pPr/>
+            <a:r>
+              <a:t>The interface does not give any specific details about how something should be implemented or in what programming language.</a:t>
             </a:r>
           </a:p>
         </p:txBody>
@@ -9101,16 +8873,16 @@
       </p:grpSpPr>
       <p:sp>
         <p:nvSpPr>
-          <p:cNvPr id="141" name="Shape 141"/>
-          <p:cNvSpPr/>
+          <p:cNvPr id="143" name="Examples"/>
+          <p:cNvSpPr txBox="1"/>
           <p:nvPr>
             <p:ph type="title"/>
           </p:nvPr>
         </p:nvSpPr>
         <p:spPr>
           <a:xfrm>
-            <a:off x="534044" y="2763837"/>
-            <a:ext cx="11936711" cy="3738563"/>
+            <a:off x="952500" y="212405"/>
+            <a:ext cx="11099800" cy="1761258"/>
           </a:xfrm>
           <a:prstGeom prst="rect">
             <a:avLst/>
@@ -9119,153 +8891,13 @@
         <p:txBody>
           <a:bodyPr/>
           <a:lstStyle>
-            <a:lvl1pPr defTabSz="455675">
-              <a:defRPr b="1" sz="8580"/>
+            <a:lvl1pPr>
+              <a:defRPr b="1"/>
             </a:lvl1pPr>
           </a:lstStyle>
           <a:p>
             <a:pPr/>
             <a:r>
-              <a:t>Abstract Data Type vs. Data Structure</a:t>
-            </a:r>
-          </a:p>
-        </p:txBody>
-      </p:sp>
-    </p:spTree>
-  </p:cSld>
-  <p:clrMapOvr>
-    <a:masterClrMapping/>
-  </p:clrMapOvr>
-  <p:transition xmlns:p14="http://schemas.microsoft.com/office/powerpoint/2010/main" spd="med" advClick="1"/>
-</p:sld>
-</file>
-
-<file path=ppt/slides/slide7.xml><?xml version="1.0" encoding="utf-8"?>
-<p:sld xmlns:a="http://schemas.openxmlformats.org/drawingml/2006/main" xmlns:r="http://schemas.openxmlformats.org/officeDocument/2006/relationships" xmlns:p="http://schemas.openxmlformats.org/presentationml/2006/main" showMasterSp="1" showMasterPhAnim="1">
-  <p:cSld>
-    <p:spTree>
-      <p:nvGrpSpPr>
-        <p:cNvPr id="1" name=""/>
-        <p:cNvGrpSpPr/>
-        <p:nvPr/>
-      </p:nvGrpSpPr>
-      <p:grpSpPr>
-        <a:xfrm>
-          <a:off x="0" y="0"/>
-          <a:ext cx="0" cy="0"/>
-          <a:chOff x="0" y="0"/>
-          <a:chExt cx="0" cy="0"/>
-        </a:xfrm>
-      </p:grpSpPr>
-      <p:sp>
-        <p:nvSpPr>
-          <p:cNvPr id="145" name="Shape 145"/>
-          <p:cNvSpPr/>
-          <p:nvPr>
-            <p:ph type="title"/>
-          </p:nvPr>
-        </p:nvSpPr>
-        <p:spPr>
-          <a:prstGeom prst="rect">
-            <a:avLst/>
-          </a:prstGeom>
-        </p:spPr>
-        <p:txBody>
-          <a:bodyPr/>
-          <a:lstStyle>
-            <a:lvl1pPr defTabSz="578358">
-              <a:defRPr sz="7919"/>
-            </a:lvl1pPr>
-          </a:lstStyle>
-          <a:p>
-            <a:pPr/>
-            <a:r>
-              <a:t>Abstract Data Type</a:t>
-            </a:r>
-          </a:p>
-        </p:txBody>
-      </p:sp>
-      <p:sp>
-        <p:nvSpPr>
-          <p:cNvPr id="146" name="Shape 146"/>
-          <p:cNvSpPr/>
-          <p:nvPr/>
-        </p:nvSpPr>
-        <p:spPr>
-          <a:xfrm>
-            <a:off x="448683" y="3507082"/>
-            <a:ext cx="12107433" cy="3746501"/>
-          </a:xfrm>
-          <a:prstGeom prst="rect">
-            <a:avLst/>
-          </a:prstGeom>
-          <a:ln w="12700">
-            <a:miter lim="400000"/>
-          </a:ln>
-          <a:extLst>
-            <a:ext uri="{C572A759-6A51-4108-AA02-DFA0A04FC94B}">
-              <ma14:wrappingTextBoxFlag xmlns:ma14="http://schemas.microsoft.com/office/mac/drawingml/2011/main" val="1"/>
-            </a:ext>
-          </a:extLst>
-        </p:spPr>
-        <p:txBody>
-          <a:bodyPr lIns="50800" tIns="50800" rIns="50800" bIns="50800" anchor="ctr">
-            <a:spAutoFit/>
-          </a:bodyPr>
-          <a:lstStyle/>
-          <a:p>
-            <a:pPr/>
-            <a:r>
-              <a:t>An Abstract Data Type (ADT) is an abstraction of a data structure, providing only the interface in which the data structure must adhere to. The interface does not give any specific details about how this should be implemented or in what programming language.</a:t>
-            </a:r>
-          </a:p>
-        </p:txBody>
-      </p:sp>
-    </p:spTree>
-  </p:cSld>
-  <p:clrMapOvr>
-    <a:masterClrMapping/>
-  </p:clrMapOvr>
-  <p:transition xmlns:p14="http://schemas.microsoft.com/office/powerpoint/2010/main" spd="med" advClick="1"/>
-</p:sld>
-</file>
-
-<file path=ppt/slides/slide8.xml><?xml version="1.0" encoding="utf-8"?>
-<p:sld xmlns:a="http://schemas.openxmlformats.org/drawingml/2006/main" xmlns:r="http://schemas.openxmlformats.org/officeDocument/2006/relationships" xmlns:p="http://schemas.openxmlformats.org/presentationml/2006/main" showMasterSp="1" showMasterPhAnim="1">
-  <p:cSld>
-    <p:spTree>
-      <p:nvGrpSpPr>
-        <p:cNvPr id="1" name=""/>
-        <p:cNvGrpSpPr/>
-        <p:nvPr/>
-      </p:nvGrpSpPr>
-      <p:grpSpPr>
-        <a:xfrm>
-          <a:off x="0" y="0"/>
-          <a:ext cx="0" cy="0"/>
-          <a:chOff x="0" y="0"/>
-          <a:chExt cx="0" cy="0"/>
-        </a:xfrm>
-      </p:grpSpPr>
-      <p:sp>
-        <p:nvSpPr>
-          <p:cNvPr id="150" name="Shape 150"/>
-          <p:cNvSpPr/>
-          <p:nvPr>
-            <p:ph type="title"/>
-          </p:nvPr>
-        </p:nvSpPr>
-        <p:spPr>
-          <a:prstGeom prst="rect">
-            <a:avLst/>
-          </a:prstGeom>
-        </p:spPr>
-        <p:txBody>
-          <a:bodyPr/>
-          <a:lstStyle/>
-          <a:p>
-            <a:pPr/>
-            <a:r>
               <a:t>Examples</a:t>
             </a:r>
           </a:p>
@@ -9273,12 +8905,12 @@
       </p:sp>
       <p:graphicFrame>
         <p:nvGraphicFramePr>
-          <p:cNvPr id="151" name="Table 151"/>
+          <p:cNvPr id="144" name="Table"/>
           <p:cNvGraphicFramePr/>
           <p:nvPr/>
         </p:nvGraphicFramePr>
         <p:xfrm>
-          <a:off x="1139694" y="3088309"/>
+          <a:off x="1139694" y="2809635"/>
           <a:ext cx="10738112" cy="6391974"/>
         </p:xfrm>
         <a:graphic xmlns:a="http://schemas.openxmlformats.org/drawingml/2006/main">
@@ -9305,7 +8937,7 @@
                         </a:defRPr>
                       </a:pPr>
                       <a:r>
-                        <a:rPr sz="2800">
+                        <a:rPr sz="4800">
                           <a:solidFill>
                             <a:srgbClr val="FFFFFF"/>
                           </a:solidFill>
@@ -9355,8 +8987,7 @@
                           <a:cs typeface="+mj-cs"/>
                           <a:sym typeface="Menlo"/>
                         </a:rPr>
-                        <a:t>Static Array
-Dynamic Array
+                        <a:t>Dynamic Array
 Linked List</a:t>
                       </a:r>
                     </a:p>
@@ -9391,7 +9022,7 @@
                         </a:defRPr>
                       </a:pPr>
                       <a:r>
-                        <a:rPr sz="2800">
+                        <a:rPr sz="4800">
                           <a:solidFill>
                             <a:srgbClr val="FFFFFF"/>
                           </a:solidFill>
@@ -9465,7 +9096,7 @@
                         </a:defRPr>
                       </a:pPr>
                       <a:r>
-                        <a:rPr sz="2800">
+                        <a:rPr sz="4800">
                           <a:solidFill>
                             <a:srgbClr val="FFFFFF"/>
                           </a:solidFill>
@@ -9538,7 +9169,7 @@
                         </a:defRPr>
                       </a:pPr>
                       <a:r>
-                        <a:rPr sz="2800">
+                        <a:rPr sz="4800">
                           <a:solidFill>
                             <a:srgbClr val="FFFFFF"/>
                           </a:solidFill>
@@ -9616,14 +9247,14 @@
       </p:graphicFrame>
       <p:sp>
         <p:nvSpPr>
-          <p:cNvPr id="152" name="Shape 152"/>
-          <p:cNvSpPr/>
+          <p:cNvPr id="145" name="Abstraction (ADT)"/>
+          <p:cNvSpPr txBox="1"/>
           <p:nvPr/>
         </p:nvSpPr>
         <p:spPr>
           <a:xfrm>
-            <a:off x="2506920" y="2249836"/>
-            <a:ext cx="3142135" cy="622301"/>
+            <a:off x="1349392" y="2077323"/>
+            <a:ext cx="4793680" cy="622301"/>
           </a:xfrm>
           <a:prstGeom prst="rect">
             <a:avLst/>
@@ -9641,25 +9272,29 @@
           <a:bodyPr wrap="none" lIns="50800" tIns="50800" rIns="50800" bIns="50800" anchor="ctr">
             <a:spAutoFit/>
           </a:bodyPr>
-          <a:lstStyle/>
-          <a:p>
-            <a:pPr/>
-            <a:r>
-              <a:t>Abstraction</a:t>
-            </a:r>
-          </a:p>
-        </p:txBody>
-      </p:sp>
-      <p:sp>
-        <p:nvSpPr>
-          <p:cNvPr id="153" name="Shape 153"/>
-          <p:cNvSpPr/>
+          <a:lstStyle>
+            <a:lvl1pPr>
+              <a:defRPr b="1"/>
+            </a:lvl1pPr>
+          </a:lstStyle>
+          <a:p>
+            <a:pPr/>
+            <a:r>
+              <a:t>Abstraction (ADT)</a:t>
+            </a:r>
+          </a:p>
+        </p:txBody>
+      </p:sp>
+      <p:sp>
+        <p:nvSpPr>
+          <p:cNvPr id="146" name="Implementation (DS)"/>
+          <p:cNvSpPr txBox="1"/>
           <p:nvPr/>
         </p:nvSpPr>
         <p:spPr>
           <a:xfrm>
-            <a:off x="7051210" y="2249836"/>
-            <a:ext cx="3967908" cy="622301"/>
+            <a:off x="6721361" y="2077323"/>
+            <a:ext cx="5344196" cy="622301"/>
           </a:xfrm>
           <a:prstGeom prst="rect">
             <a:avLst/>
@@ -9677,11 +9312,137 @@
           <a:bodyPr wrap="none" lIns="50800" tIns="50800" rIns="50800" bIns="50800" anchor="ctr">
             <a:spAutoFit/>
           </a:bodyPr>
+          <a:lstStyle>
+            <a:lvl1pPr>
+              <a:defRPr b="1"/>
+            </a:lvl1pPr>
+          </a:lstStyle>
+          <a:p>
+            <a:pPr/>
+            <a:r>
+              <a:t>Implementation (DS)</a:t>
+            </a:r>
+          </a:p>
+        </p:txBody>
+      </p:sp>
+    </p:spTree>
+  </p:cSld>
+  <p:clrMapOvr>
+    <a:masterClrMapping/>
+  </p:clrMapOvr>
+  <p:transition xmlns:p14="http://schemas.microsoft.com/office/powerpoint/2010/main" spd="med" advClick="1"/>
+</p:sld>
+</file>
+
+<file path=ppt/slides/slide7.xml><?xml version="1.0" encoding="utf-8"?>
+<p:sld xmlns:a="http://schemas.openxmlformats.org/drawingml/2006/main" xmlns:r="http://schemas.openxmlformats.org/officeDocument/2006/relationships" xmlns:p="http://schemas.openxmlformats.org/presentationml/2006/main" showMasterSp="1" showMasterPhAnim="1">
+  <p:cSld>
+    <p:spTree>
+      <p:nvGrpSpPr>
+        <p:cNvPr id="1" name=""/>
+        <p:cNvGrpSpPr/>
+        <p:nvPr/>
+      </p:nvGrpSpPr>
+      <p:grpSpPr>
+        <a:xfrm>
+          <a:off x="0" y="0"/>
+          <a:ext cx="0" cy="0"/>
+          <a:chOff x="0" y="0"/>
+          <a:chExt cx="0" cy="0"/>
+        </a:xfrm>
+      </p:grpSpPr>
+    </p:spTree>
+  </p:cSld>
+  <p:clrMapOvr>
+    <a:masterClrMapping/>
+  </p:clrMapOvr>
+  <p:transition xmlns:p14="http://schemas.microsoft.com/office/powerpoint/2010/main" spd="med" advClick="1"/>
+</p:sld>
+</file>
+
+<file path=ppt/slides/slide8.xml><?xml version="1.0" encoding="utf-8"?>
+<p:sld xmlns:a="http://schemas.openxmlformats.org/drawingml/2006/main" xmlns:r="http://schemas.openxmlformats.org/officeDocument/2006/relationships" xmlns:p="http://schemas.openxmlformats.org/presentationml/2006/main" showMasterSp="1" showMasterPhAnim="1">
+  <p:cSld>
+    <p:spTree>
+      <p:nvGrpSpPr>
+        <p:cNvPr id="1" name=""/>
+        <p:cNvGrpSpPr/>
+        <p:nvPr/>
+      </p:nvGrpSpPr>
+      <p:grpSpPr>
+        <a:xfrm>
+          <a:off x="0" y="0"/>
+          <a:ext cx="0" cy="0"/>
+          <a:chOff x="0" y="0"/>
+          <a:chExt cx="0" cy="0"/>
+        </a:xfrm>
+      </p:grpSpPr>
+      <p:sp>
+        <p:nvSpPr>
+          <p:cNvPr id="153" name="Computational…"/>
+          <p:cNvSpPr txBox="1"/>
+          <p:nvPr>
+            <p:ph type="ctrTitle"/>
+          </p:nvPr>
+        </p:nvSpPr>
+        <p:spPr>
+          <a:xfrm>
+            <a:off x="237775" y="1093517"/>
+            <a:ext cx="12529250" cy="4391566"/>
+          </a:xfrm>
+          <a:prstGeom prst="rect">
+            <a:avLst/>
+          </a:prstGeom>
+        </p:spPr>
+        <p:txBody>
+          <a:bodyPr anchor="ctr"/>
           <a:lstStyle/>
           <a:p>
-            <a:pPr/>
-            <a:r>
-              <a:t>Implementation</a:t>
+            <a:pPr>
+              <a:defRPr b="1" sz="11000"/>
+            </a:pPr>
+            <a:r>
+              <a:t>Computational</a:t>
+            </a:r>
+          </a:p>
+          <a:p>
+            <a:pPr>
+              <a:defRPr b="1" sz="11000"/>
+            </a:pPr>
+            <a:r>
+              <a:t>Complexity</a:t>
+            </a:r>
+          </a:p>
+        </p:txBody>
+      </p:sp>
+      <p:sp>
+        <p:nvSpPr>
+          <p:cNvPr id="154" name="William Fiset"/>
+          <p:cNvSpPr txBox="1"/>
+          <p:nvPr>
+            <p:ph type="subTitle" sz="quarter" idx="1"/>
+          </p:nvPr>
+        </p:nvSpPr>
+        <p:spPr>
+          <a:xfrm>
+            <a:off x="1270000" y="6059869"/>
+            <a:ext cx="10464800" cy="1130301"/>
+          </a:xfrm>
+          <a:prstGeom prst="rect">
+            <a:avLst/>
+          </a:prstGeom>
+        </p:spPr>
+        <p:txBody>
+          <a:bodyPr/>
+          <a:lstStyle>
+            <a:lvl1pPr>
+              <a:defRPr sz="4500"/>
+            </a:lvl1pPr>
+          </a:lstStyle>
+          <a:p>
+            <a:pPr/>
+            <a:r>
+              <a:t>William Fiset</a:t>
             </a:r>
           </a:p>
         </p:txBody>
@@ -9714,46 +9475,153 @@
       </p:grpSpPr>
       <p:sp>
         <p:nvSpPr>
-          <p:cNvPr id="157" name="Shape 157"/>
-          <p:cNvSpPr/>
+          <p:cNvPr id="158" name="Complexity Analysis"/>
+          <p:cNvSpPr txBox="1"/>
           <p:nvPr>
-            <p:ph type="ctrTitle"/>
+            <p:ph type="title"/>
           </p:nvPr>
         </p:nvSpPr>
         <p:spPr>
           <a:xfrm>
-            <a:off x="237775" y="1970776"/>
-            <a:ext cx="12529249" cy="5812048"/>
+            <a:off x="952500" y="41676"/>
+            <a:ext cx="11099800" cy="2159001"/>
           </a:xfrm>
           <a:prstGeom prst="rect">
             <a:avLst/>
           </a:prstGeom>
         </p:spPr>
         <p:txBody>
-          <a:bodyPr anchor="ctr"/>
+          <a:bodyPr/>
+          <a:lstStyle>
+            <a:lvl1pPr defTabSz="549148">
+              <a:defRPr b="1" sz="7519"/>
+            </a:lvl1pPr>
+          </a:lstStyle>
+          <a:p>
+            <a:pPr/>
+            <a:r>
+              <a:t>Complexity Analysis</a:t>
+            </a:r>
+          </a:p>
+        </p:txBody>
+      </p:sp>
+      <p:sp>
+        <p:nvSpPr>
+          <p:cNvPr id="159" name="As programmers, we often find ourselves asking the same two questions over and over again:"/>
+          <p:cNvSpPr txBox="1"/>
+          <p:nvPr/>
+        </p:nvSpPr>
+        <p:spPr>
+          <a:xfrm>
+            <a:off x="233247" y="2313935"/>
+            <a:ext cx="12907996" cy="2438401"/>
+          </a:xfrm>
+          <a:prstGeom prst="rect">
+            <a:avLst/>
+          </a:prstGeom>
+          <a:ln w="12700">
+            <a:miter lim="400000"/>
+          </a:ln>
+          <a:extLst>
+            <a:ext uri="{C572A759-6A51-4108-AA02-DFA0A04FC94B}">
+              <ma14:wrappingTextBoxFlag xmlns:ma14="http://schemas.microsoft.com/office/mac/drawingml/2011/main" val="1"/>
+            </a:ext>
+          </a:extLst>
+        </p:spPr>
+        <p:txBody>
+          <a:bodyPr lIns="50800" tIns="50800" rIns="50800" bIns="50800" anchor="ctr">
+            <a:spAutoFit/>
+          </a:bodyPr>
+          <a:lstStyle>
+            <a:lvl1pPr>
+              <a:defRPr sz="4000"/>
+            </a:lvl1pPr>
+          </a:lstStyle>
+          <a:p>
+            <a:pPr/>
+            <a:r>
+              <a:t>As programmers, we often find ourselves asking the same two questions over and over again:</a:t>
+            </a:r>
+          </a:p>
+        </p:txBody>
+      </p:sp>
+      <p:sp>
+        <p:nvSpPr>
+          <p:cNvPr id="160" name="How much time does this algorithm need to finish?…"/>
+          <p:cNvSpPr txBox="1"/>
+          <p:nvPr/>
+        </p:nvSpPr>
+        <p:spPr>
+          <a:xfrm>
+            <a:off x="693336" y="5136934"/>
+            <a:ext cx="11987818" cy="3213101"/>
+          </a:xfrm>
+          <a:prstGeom prst="rect">
+            <a:avLst/>
+          </a:prstGeom>
+          <a:ln w="12700">
+            <a:miter lim="400000"/>
+          </a:ln>
+          <a:extLst>
+            <a:ext uri="{C572A759-6A51-4108-AA02-DFA0A04FC94B}">
+              <ma14:wrappingTextBoxFlag xmlns:ma14="http://schemas.microsoft.com/office/mac/drawingml/2011/main" val="1"/>
+            </a:ext>
+          </a:extLst>
+        </p:spPr>
+        <p:txBody>
+          <a:bodyPr lIns="50800" tIns="50800" rIns="50800" bIns="50800" anchor="ctr">
+            <a:spAutoFit/>
+          </a:bodyPr>
           <a:lstStyle/>
           <a:p>
             <a:pPr>
-              <a:defRPr b="1" sz="11000"/>
+              <a:defRPr sz="4200"/>
             </a:pPr>
             <a:r>
-              <a:t>Computational</a:t>
+              <a:t>How much </a:t>
+            </a:r>
+            <a:r>
+              <a:rPr b="1">
+                <a:solidFill>
+                  <a:schemeClr val="accent6">
+                    <a:hueOff val="-241736"/>
+                    <a:satOff val="29413"/>
+                    <a:lumOff val="20727"/>
+                  </a:schemeClr>
+                </a:solidFill>
+              </a:rPr>
+              <a:t>time</a:t>
+            </a:r>
+            <a:r>
+              <a:t> does this algorithm need to finish?</a:t>
             </a:r>
           </a:p>
           <a:p>
             <a:pPr>
-              <a:defRPr b="1" sz="11000"/>
+              <a:defRPr sz="4200"/>
             </a:pPr>
-            <a:r>
-              <a:t>Complexity</a:t>
-            </a:r>
           </a:p>
           <a:p>
             <a:pPr>
-              <a:defRPr b="1" sz="11000"/>
+              <a:defRPr sz="4200"/>
             </a:pPr>
             <a:r>
-              <a:t>Analysis</a:t>
+              <a:t>How much </a:t>
+            </a:r>
+            <a:r>
+              <a:rPr b="1">
+                <a:solidFill>
+                  <a:schemeClr val="accent6">
+                    <a:hueOff val="-241736"/>
+                    <a:satOff val="29413"/>
+                    <a:lumOff val="20727"/>
+                  </a:schemeClr>
+                </a:solidFill>
+              </a:rPr>
+              <a:t>space</a:t>
+            </a:r>
+            <a:r>
+              <a:t> does this algorithm need for its computation?</a:t>
             </a:r>
           </a:p>
         </p:txBody>
